--- a/발표자료/2차발표.pptx
+++ b/발표자료/2차발표.pptx
@@ -109,6 +109,11 @@
       </a:defRPr>
     </a:lvl9pPr>
   </p:defaultTextStyle>
+  <p:extLst>
+    <p:ext uri="{EFAFB233-063F-42B5-8137-9DF3F51BA10A}">
+      <p15:sldGuideLst xmlns:p15="http://schemas.microsoft.com/office/powerpoint/2012/main"/>
+    </p:ext>
+  </p:extLst>
 </p:presentation>
 </file>
 
@@ -4075,10 +4080,10 @@
       </p:sp>
       <p:graphicFrame>
         <p:nvGraphicFramePr>
-          <p:cNvPr id="5" name="내용 개체 틀 4">
+          <p:cNvPr id="6" name="내용 개체 틀 5">
             <a:extLst>
               <a:ext uri="{FF2B5EF4-FFF2-40B4-BE49-F238E27FC236}">
-                <a16:creationId xmlns:a16="http://schemas.microsoft.com/office/drawing/2014/main" id="{9F026D42-5F24-9FC2-0570-8369281864FF}"/>
+                <a16:creationId xmlns:a16="http://schemas.microsoft.com/office/drawing/2014/main" id="{63CBD7A5-67BE-F13C-1D5D-E4FB995ECE3F}"/>
               </a:ext>
             </a:extLst>
           </p:cNvPr>
@@ -4089,14 +4094,14 @@
             <p:ph idx="1"/>
             <p:extLst>
               <p:ext uri="{D42A27DB-BD31-4B8C-83A1-F6EECF244321}">
-                <p14:modId xmlns:p14="http://schemas.microsoft.com/office/powerpoint/2010/main" val="3696933627"/>
+                <p14:modId xmlns:p14="http://schemas.microsoft.com/office/powerpoint/2010/main" val="2836626908"/>
               </p:ext>
             </p:extLst>
           </p:nvPr>
         </p:nvGraphicFramePr>
         <p:xfrm>
-          <a:off x="838199" y="1690689"/>
-          <a:ext cx="10515599" cy="4849094"/>
+          <a:off x="838200" y="1690687"/>
+          <a:ext cx="10515601" cy="4755510"/>
         </p:xfrm>
         <a:graphic>
           <a:graphicData uri="http://schemas.openxmlformats.org/drawingml/2006/table">
@@ -4105,36 +4110,50 @@
                 <a:tableStyleId>{5C22544A-7EE6-4342-B048-85BDC9FD1C3A}</a:tableStyleId>
               </a:tblPr>
               <a:tblGrid>
-                <a:gridCol w="390672">
+                <a:gridCol w="361851">
                   <a:extLst>
                     <a:ext uri="{9D8B030D-6E8A-4147-A177-3AD203B41FA5}">
-                      <a16:colId xmlns:a16="http://schemas.microsoft.com/office/drawing/2014/main" val="673532124"/>
+                      <a16:colId xmlns:a16="http://schemas.microsoft.com/office/drawing/2014/main" val="2367719499"/>
                     </a:ext>
                   </a:extLst>
                 </a:gridCol>
-                <a:gridCol w="618340">
+                <a:gridCol w="506011">
                   <a:extLst>
                     <a:ext uri="{9D8B030D-6E8A-4147-A177-3AD203B41FA5}">
-                      <a16:colId xmlns:a16="http://schemas.microsoft.com/office/drawing/2014/main" val="2930534617"/>
+                      <a16:colId xmlns:a16="http://schemas.microsoft.com/office/drawing/2014/main" val="652126107"/>
                     </a:ext>
                   </a:extLst>
                 </a:gridCol>
-                <a:gridCol w="9021206">
+                <a:gridCol w="4369482">
                   <a:extLst>
                     <a:ext uri="{9D8B030D-6E8A-4147-A177-3AD203B41FA5}">
-                      <a16:colId xmlns:a16="http://schemas.microsoft.com/office/drawing/2014/main" val="568432573"/>
+                      <a16:colId xmlns:a16="http://schemas.microsoft.com/office/drawing/2014/main" val="2406661588"/>
                     </a:ext>
                   </a:extLst>
                 </a:gridCol>
-                <a:gridCol w="485381">
+                <a:gridCol w="558459">
                   <a:extLst>
                     <a:ext uri="{9D8B030D-6E8A-4147-A177-3AD203B41FA5}">
-                      <a16:colId xmlns:a16="http://schemas.microsoft.com/office/drawing/2014/main" val="4076042754"/>
+                      <a16:colId xmlns:a16="http://schemas.microsoft.com/office/drawing/2014/main" val="36004992"/>
+                    </a:ext>
+                  </a:extLst>
+                </a:gridCol>
+                <a:gridCol w="4127679">
+                  <a:extLst>
+                    <a:ext uri="{9D8B030D-6E8A-4147-A177-3AD203B41FA5}">
+                      <a16:colId xmlns:a16="http://schemas.microsoft.com/office/drawing/2014/main" val="4185086034"/>
+                    </a:ext>
+                  </a:extLst>
+                </a:gridCol>
+                <a:gridCol w="592119">
+                  <a:extLst>
+                    <a:ext uri="{9D8B030D-6E8A-4147-A177-3AD203B41FA5}">
+                      <a16:colId xmlns:a16="http://schemas.microsoft.com/office/drawing/2014/main" val="407632903"/>
                     </a:ext>
                   </a:extLst>
                 </a:gridCol>
               </a:tblGrid>
-              <a:tr h="266788">
+              <a:tr h="264195">
                 <a:tc>
                   <a:txBody>
                     <a:bodyPr/>
@@ -4142,12 +4161,12 @@
                     <a:p>
                       <a:pPr algn="ctr" fontAlgn="ctr"/>
                       <a:r>
-                        <a:rPr lang="ko-KR" altLang="en-US" sz="1000" u="none" strike="noStrike" dirty="0">
+                        <a:rPr lang="ko-KR" altLang="en-US" sz="1100" u="none" strike="noStrike" dirty="0">
                           <a:effectLst/>
                         </a:rPr>
                         <a:t>주차</a:t>
                       </a:r>
-                      <a:endParaRPr lang="ko-KR" altLang="en-US" sz="1000" b="0" i="0" u="none" strike="noStrike" dirty="0">
+                      <a:endParaRPr lang="ko-KR" altLang="en-US" sz="1100" b="0" i="0" u="none" strike="noStrike" dirty="0">
                         <a:solidFill>
                           <a:srgbClr val="000000"/>
                         </a:solidFill>
@@ -4157,15 +4176,21 @@
                       </a:endParaRPr>
                     </a:p>
                   </a:txBody>
-                  <a:tcPr marL="8898" marR="8898" marT="8898" marB="0" anchor="ctr"/>
-                </a:tc>
-                <a:tc>
+                  <a:tcPr marL="9525" marR="9525" marT="9525" marB="0" anchor="ctr">
+                    <a:solidFill>
+                      <a:schemeClr val="bg1">
+                        <a:lumMod val="95000"/>
+                      </a:schemeClr>
+                    </a:solidFill>
+                  </a:tcPr>
+                </a:tc>
+                <a:tc gridSpan="4">
                   <a:txBody>
                     <a:bodyPr/>
                     <a:lstStyle/>
                     <a:p>
                       <a:pPr algn="l" fontAlgn="ctr"/>
-                      <a:endParaRPr lang="ko-KR" altLang="en-US" sz="1000" b="0" i="0" u="none" strike="noStrike" dirty="0">
+                      <a:endParaRPr lang="ko-KR" altLang="en-US" sz="1100" b="0" i="0" u="none" strike="noStrike" dirty="0">
                         <a:solidFill>
                           <a:srgbClr val="000000"/>
                         </a:solidFill>
@@ -4175,15 +4200,21 @@
                       </a:endParaRPr>
                     </a:p>
                   </a:txBody>
-                  <a:tcPr marL="8898" marR="8898" marT="8898" marB="0" anchor="ctr"/>
-                </a:tc>
-                <a:tc>
+                  <a:tcPr marL="9525" marR="9525" marT="9525" marB="0" anchor="ctr">
+                    <a:solidFill>
+                      <a:schemeClr val="bg1">
+                        <a:lumMod val="95000"/>
+                      </a:schemeClr>
+                    </a:solidFill>
+                  </a:tcPr>
+                </a:tc>
+                <a:tc hMerge="1">
                   <a:txBody>
                     <a:bodyPr/>
                     <a:lstStyle/>
                     <a:p>
                       <a:pPr algn="l" fontAlgn="ctr"/>
-                      <a:endParaRPr lang="ko-KR" altLang="en-US" sz="1000" b="0" i="0" u="none" strike="noStrike">
+                      <a:endParaRPr lang="ko-KR" altLang="en-US" sz="1100" b="0" i="0" u="none" strike="noStrike" dirty="0">
                         <a:solidFill>
                           <a:srgbClr val="000000"/>
                         </a:solidFill>
@@ -4193,21 +4224,15 @@
                       </a:endParaRPr>
                     </a:p>
                   </a:txBody>
-                  <a:tcPr marL="8898" marR="8898" marT="8898" marB="0" anchor="ctr"/>
-                </a:tc>
-                <a:tc>
-                  <a:txBody>
-                    <a:bodyPr/>
-                    <a:lstStyle/>
-                    <a:p>
-                      <a:pPr algn="ctr" fontAlgn="ctr"/>
-                      <a:r>
-                        <a:rPr lang="ko-KR" altLang="en-US" sz="1000" u="none" strike="noStrike">
-                          <a:effectLst/>
-                        </a:rPr>
-                        <a:t>진행률</a:t>
-                      </a:r>
-                      <a:endParaRPr lang="ko-KR" altLang="en-US" sz="1000" b="0" i="0" u="none" strike="noStrike">
+                  <a:tcPr marL="9525" marR="9525" marT="9525" marB="0" anchor="ctr"/>
+                </a:tc>
+                <a:tc hMerge="1">
+                  <a:txBody>
+                    <a:bodyPr/>
+                    <a:lstStyle/>
+                    <a:p>
+                      <a:pPr algn="l" fontAlgn="ctr"/>
+                      <a:endParaRPr lang="ko-KR" altLang="en-US" sz="1100" b="0" i="0" u="none" strike="noStrike" dirty="0">
                         <a:solidFill>
                           <a:srgbClr val="000000"/>
                         </a:solidFill>
@@ -4217,28 +4242,15 @@
                       </a:endParaRPr>
                     </a:p>
                   </a:txBody>
-                  <a:tcPr marL="8898" marR="8898" marT="8898" marB="0" anchor="ctr"/>
-                </a:tc>
-                <a:extLst>
-                  <a:ext uri="{0D108BD9-81ED-4DB2-BD59-A6C34878D82A}">
-                    <a16:rowId xmlns:a16="http://schemas.microsoft.com/office/drawing/2014/main" val="203422665"/>
-                  </a:ext>
-                </a:extLst>
-              </a:tr>
-              <a:tr h="266788">
-                <a:tc rowSpan="2">
-                  <a:txBody>
-                    <a:bodyPr/>
-                    <a:lstStyle/>
-                    <a:p>
-                      <a:pPr algn="ctr" fontAlgn="ctr"/>
-                      <a:r>
-                        <a:rPr lang="en-US" altLang="ko-KR" sz="1000" u="none" strike="noStrike" dirty="0">
-                          <a:effectLst/>
-                        </a:rPr>
-                        <a:t>1</a:t>
-                      </a:r>
-                      <a:endParaRPr lang="en-US" altLang="ko-KR" sz="1000" b="0" i="0" u="none" strike="noStrike" dirty="0">
+                  <a:tcPr marL="9525" marR="9525" marT="9525" marB="0" anchor="ctr"/>
+                </a:tc>
+                <a:tc hMerge="1">
+                  <a:txBody>
+                    <a:bodyPr/>
+                    <a:lstStyle/>
+                    <a:p>
+                      <a:pPr algn="l" fontAlgn="ctr"/>
+                      <a:endParaRPr lang="ko-KR" altLang="en-US" sz="1100" b="0" i="0" u="none" strike="noStrike" dirty="0">
                         <a:solidFill>
                           <a:srgbClr val="000000"/>
                         </a:solidFill>
@@ -4248,7 +4260,7 @@
                       </a:endParaRPr>
                     </a:p>
                   </a:txBody>
-                  <a:tcPr marL="8898" marR="8898" marT="8898" marB="0" anchor="ctr"/>
+                  <a:tcPr marL="9525" marR="9525" marT="9525" marB="0" anchor="ctr"/>
                 </a:tc>
                 <a:tc>
                   <a:txBody>
@@ -4257,12 +4269,12 @@
                     <a:p>
                       <a:pPr algn="ctr" fontAlgn="ctr"/>
                       <a:r>
-                        <a:rPr lang="ko-KR" altLang="en-US" sz="1000" u="none" strike="noStrike" dirty="0">
+                        <a:rPr lang="ko-KR" altLang="en-US" sz="1100" u="none" strike="noStrike" dirty="0">
                           <a:effectLst/>
                         </a:rPr>
-                        <a:t>계획</a:t>
+                        <a:t>진행률</a:t>
                       </a:r>
-                      <a:endParaRPr lang="ko-KR" altLang="en-US" sz="1000" b="0" i="0" u="none" strike="noStrike" dirty="0">
+                      <a:endParaRPr lang="ko-KR" altLang="en-US" sz="1100" b="0" i="0" u="none" strike="noStrike" dirty="0">
                         <a:solidFill>
                           <a:srgbClr val="000000"/>
                         </a:solidFill>
@@ -4272,57 +4284,34 @@
                       </a:endParaRPr>
                     </a:p>
                   </a:txBody>
-                  <a:tcPr marL="8898" marR="8898" marT="8898" marB="0" anchor="ctr"/>
-                </a:tc>
-                <a:tc>
-                  <a:txBody>
-                    <a:bodyPr/>
-                    <a:lstStyle/>
-                    <a:p>
-                      <a:pPr algn="l" fontAlgn="ctr"/>
+                  <a:tcPr marL="9525" marR="9525" marT="9525" marB="0" anchor="ctr">
+                    <a:solidFill>
+                      <a:schemeClr val="bg1">
+                        <a:lumMod val="95000"/>
+                      </a:schemeClr>
+                    </a:solidFill>
+                  </a:tcPr>
+                </a:tc>
+                <a:extLst>
+                  <a:ext uri="{0D108BD9-81ED-4DB2-BD59-A6C34878D82A}">
+                    <a16:rowId xmlns:a16="http://schemas.microsoft.com/office/drawing/2014/main" val="3589314073"/>
+                  </a:ext>
+                </a:extLst>
+              </a:tr>
+              <a:tr h="264195">
+                <a:tc rowSpan="2">
+                  <a:txBody>
+                    <a:bodyPr/>
+                    <a:lstStyle/>
+                    <a:p>
+                      <a:pPr algn="ctr" fontAlgn="ctr"/>
                       <a:r>
-                        <a:rPr lang="ko-KR" altLang="en-US" sz="1000" u="none" strike="noStrike" dirty="0">
+                        <a:rPr lang="en-US" altLang="ko-KR" sz="1100" u="none" strike="noStrike" dirty="0">
                           <a:effectLst/>
                         </a:rPr>
-                        <a:t>기본적인 플레이어 캐릭터의 움직임 구현</a:t>
+                        <a:t>1</a:t>
                       </a:r>
-                      <a:r>
-                        <a:rPr lang="en-US" altLang="ko-KR" sz="1000" u="none" strike="noStrike" dirty="0">
-                          <a:effectLst/>
-                        </a:rPr>
-                        <a:t>(</a:t>
-                      </a:r>
-                      <a:r>
-                        <a:rPr lang="ko-KR" altLang="en-US" sz="1000" u="none" strike="noStrike" dirty="0">
-                          <a:effectLst/>
-                        </a:rPr>
-                        <a:t>상하좌우 이동</a:t>
-                      </a:r>
-                      <a:r>
-                        <a:rPr lang="en-US" altLang="ko-KR" sz="1000" u="none" strike="noStrike" dirty="0">
-                          <a:effectLst/>
-                        </a:rPr>
-                        <a:t>), </a:t>
-                      </a:r>
-                      <a:r>
-                        <a:rPr lang="ko-KR" altLang="en-US" sz="1000" u="none" strike="noStrike" dirty="0">
-                          <a:effectLst/>
-                        </a:rPr>
-                        <a:t>선수들 생성</a:t>
-                      </a:r>
-                      <a:r>
-                        <a:rPr lang="en-US" altLang="ko-KR" sz="1000" u="none" strike="noStrike" dirty="0">
-                          <a:effectLst/>
-                        </a:rPr>
-                        <a:t>, </a:t>
-                      </a:r>
-                      <a:r>
-                        <a:rPr lang="ko-KR" altLang="en-US" sz="1000" u="none" strike="noStrike" dirty="0">
-                          <a:effectLst/>
-                        </a:rPr>
-                        <a:t>공 생성</a:t>
-                      </a:r>
-                      <a:endParaRPr lang="ko-KR" altLang="en-US" sz="1000" b="0" i="0" u="none" strike="noStrike" dirty="0">
+                      <a:endParaRPr lang="en-US" altLang="ko-KR" sz="1100" b="0" i="0" u="none" strike="noStrike" dirty="0">
                         <a:solidFill>
                           <a:srgbClr val="000000"/>
                         </a:solidFill>
@@ -4332,21 +4321,27 @@
                       </a:endParaRPr>
                     </a:p>
                   </a:txBody>
-                  <a:tcPr marL="8898" marR="8898" marT="8898" marB="0" anchor="ctr"/>
-                </a:tc>
-                <a:tc rowSpan="2">
+                  <a:tcPr marL="9525" marR="9525" marT="9525" marB="0" anchor="ctr">
+                    <a:solidFill>
+                      <a:schemeClr val="bg1">
+                        <a:lumMod val="95000"/>
+                      </a:schemeClr>
+                    </a:solidFill>
+                  </a:tcPr>
+                </a:tc>
+                <a:tc>
                   <a:txBody>
                     <a:bodyPr/>
                     <a:lstStyle/>
                     <a:p>
                       <a:pPr algn="ctr" fontAlgn="ctr"/>
                       <a:r>
-                        <a:rPr lang="en-US" altLang="ko-KR" sz="1000" u="none" strike="noStrike">
+                        <a:rPr lang="ko-KR" altLang="en-US" sz="1100" u="none" strike="noStrike" dirty="0">
                           <a:effectLst/>
                         </a:rPr>
-                        <a:t>100%</a:t>
+                        <a:t>계획</a:t>
                       </a:r>
-                      <a:endParaRPr lang="en-US" altLang="ko-KR" sz="1000" b="0" i="0" u="none" strike="noStrike">
+                      <a:endParaRPr lang="ko-KR" altLang="en-US" sz="1100" b="0" i="0" u="none" strike="noStrike" dirty="0">
                         <a:solidFill>
                           <a:srgbClr val="000000"/>
                         </a:solidFill>
@@ -4356,39 +4351,63 @@
                       </a:endParaRPr>
                     </a:p>
                   </a:txBody>
-                  <a:tcPr marL="8898" marR="8898" marT="8898" marB="0" anchor="ctr"/>
-                </a:tc>
-                <a:extLst>
-                  <a:ext uri="{0D108BD9-81ED-4DB2-BD59-A6C34878D82A}">
-                    <a16:rowId xmlns:a16="http://schemas.microsoft.com/office/drawing/2014/main" val="3789533892"/>
-                  </a:ext>
-                </a:extLst>
-              </a:tr>
-              <a:tr h="266788">
-                <a:tc vMerge="1">
-                  <a:txBody>
-                    <a:bodyPr/>
-                    <a:lstStyle/>
-                    <a:p>
-                      <a:pPr latinLnBrk="1"/>
-                      <a:endParaRPr lang="ko-KR" altLang="en-US"/>
-                    </a:p>
-                  </a:txBody>
-                  <a:tcPr/>
-                </a:tc>
-                <a:tc>
-                  <a:txBody>
-                    <a:bodyPr/>
-                    <a:lstStyle/>
-                    <a:p>
-                      <a:pPr algn="ctr" fontAlgn="ctr"/>
+                  <a:tcPr marL="9525" marR="9525" marT="9525" marB="0" anchor="ctr">
+                    <a:solidFill>
+                      <a:schemeClr val="bg1">
+                        <a:lumMod val="85000"/>
+                      </a:schemeClr>
+                    </a:solidFill>
+                  </a:tcPr>
+                </a:tc>
+                <a:tc gridSpan="3">
+                  <a:txBody>
+                    <a:bodyPr/>
+                    <a:lstStyle/>
+                    <a:p>
+                      <a:pPr algn="l" fontAlgn="ctr"/>
                       <a:r>
-                        <a:rPr lang="ko-KR" altLang="en-US" sz="1000" u="none" strike="noStrike" dirty="0">
+                        <a:rPr lang="ko-KR" altLang="en-US" sz="1100" u="none" strike="noStrike" dirty="0">
                           <a:effectLst/>
                         </a:rPr>
-                        <a:t>결과</a:t>
+                        <a:t>기본적인 플레이어 캐릭터의 움직임 구현</a:t>
                       </a:r>
-                      <a:endParaRPr lang="ko-KR" altLang="en-US" sz="1000" b="0" i="0" u="none" strike="noStrike" dirty="0">
+                      <a:r>
+                        <a:rPr lang="en-US" altLang="ko-KR" sz="1100" u="none" strike="noStrike" dirty="0">
+                          <a:effectLst/>
+                        </a:rPr>
+                        <a:t>(</a:t>
+                      </a:r>
+                      <a:r>
+                        <a:rPr lang="ko-KR" altLang="en-US" sz="1100" u="none" strike="noStrike" dirty="0">
+                          <a:effectLst/>
+                        </a:rPr>
+                        <a:t>상하좌우 이동</a:t>
+                      </a:r>
+                      <a:r>
+                        <a:rPr lang="en-US" altLang="ko-KR" sz="1100" u="none" strike="noStrike" dirty="0">
+                          <a:effectLst/>
+                        </a:rPr>
+                        <a:t>), </a:t>
+                      </a:r>
+                      <a:r>
+                        <a:rPr lang="ko-KR" altLang="en-US" sz="1100" u="none" strike="noStrike" dirty="0">
+                          <a:effectLst/>
+                        </a:rPr>
+                        <a:t>선수들 생성</a:t>
+                      </a:r>
+                      <a:r>
+                        <a:rPr lang="en-US" altLang="ko-KR" sz="1100" u="none" strike="noStrike" dirty="0">
+                          <a:effectLst/>
+                        </a:rPr>
+                        <a:t>, </a:t>
+                      </a:r>
+                      <a:r>
+                        <a:rPr lang="ko-KR" altLang="en-US" sz="1100" u="none" strike="noStrike" dirty="0">
+                          <a:effectLst/>
+                        </a:rPr>
+                        <a:t>공 생성</a:t>
+                      </a:r>
+                      <a:endParaRPr lang="ko-KR" altLang="en-US" sz="1100" b="0" i="0" u="none" strike="noStrike" dirty="0">
                         <a:solidFill>
                           <a:srgbClr val="000000"/>
                         </a:solidFill>
@@ -4398,21 +4417,49 @@
                       </a:endParaRPr>
                     </a:p>
                   </a:txBody>
-                  <a:tcPr marL="8898" marR="8898" marT="8898" marB="0" anchor="ctr"/>
-                </a:tc>
-                <a:tc>
-                  <a:txBody>
-                    <a:bodyPr/>
-                    <a:lstStyle/>
-                    <a:p>
-                      <a:pPr algn="l" fontAlgn="ctr"/>
+                  <a:tcPr marL="9525" marR="9525" marT="9525" marB="0" anchor="ctr">
+                    <a:solidFill>
+                      <a:schemeClr val="bg1">
+                        <a:lumMod val="85000"/>
+                      </a:schemeClr>
+                    </a:solidFill>
+                  </a:tcPr>
+                </a:tc>
+                <a:tc hMerge="1">
+                  <a:txBody>
+                    <a:bodyPr/>
+                    <a:lstStyle/>
+                    <a:p>
+                      <a:pPr latinLnBrk="1"/>
+                      <a:endParaRPr lang="ko-KR" altLang="en-US"/>
+                    </a:p>
+                  </a:txBody>
+                  <a:tcPr/>
+                </a:tc>
+                <a:tc hMerge="1">
+                  <a:txBody>
+                    <a:bodyPr/>
+                    <a:lstStyle/>
+                    <a:p>
+                      <a:pPr latinLnBrk="1"/>
+                      <a:endParaRPr lang="ko-KR" altLang="en-US"/>
+                    </a:p>
+                  </a:txBody>
+                  <a:tcPr/>
+                </a:tc>
+                <a:tc rowSpan="2">
+                  <a:txBody>
+                    <a:bodyPr/>
+                    <a:lstStyle/>
+                    <a:p>
+                      <a:pPr algn="ctr" fontAlgn="ctr"/>
                       <a:r>
-                        <a:rPr lang="ko-KR" altLang="en-US" sz="1000" u="none" strike="noStrike">
+                        <a:rPr lang="en-US" altLang="ko-KR" sz="1100" u="none" strike="noStrike" dirty="0">
                           <a:effectLst/>
                         </a:rPr>
-                        <a:t>완료</a:t>
+                        <a:t>100%</a:t>
                       </a:r>
-                      <a:endParaRPr lang="ko-KR" altLang="en-US" sz="1000" b="0" i="0" u="none" strike="noStrike">
+                      <a:endParaRPr lang="en-US" altLang="ko-KR" sz="1100" b="0" i="0" u="none" strike="noStrike" dirty="0">
                         <a:solidFill>
                           <a:srgbClr val="000000"/>
                         </a:solidFill>
@@ -4422,39 +4469,45 @@
                       </a:endParaRPr>
                     </a:p>
                   </a:txBody>
-                  <a:tcPr marL="8898" marR="8898" marT="8898" marB="0" anchor="ctr"/>
-                </a:tc>
-                <a:tc vMerge="1">
-                  <a:txBody>
-                    <a:bodyPr/>
-                    <a:lstStyle/>
-                    <a:p>
-                      <a:pPr latinLnBrk="1"/>
-                      <a:endParaRPr lang="ko-KR" altLang="en-US"/>
-                    </a:p>
-                  </a:txBody>
-                  <a:tcPr/>
+                  <a:tcPr marL="9525" marR="9525" marT="9525" marB="0" anchor="ctr">
+                    <a:solidFill>
+                      <a:schemeClr val="bg1">
+                        <a:lumMod val="95000"/>
+                      </a:schemeClr>
+                    </a:solidFill>
+                  </a:tcPr>
                 </a:tc>
                 <a:extLst>
                   <a:ext uri="{0D108BD9-81ED-4DB2-BD59-A6C34878D82A}">
-                    <a16:rowId xmlns:a16="http://schemas.microsoft.com/office/drawing/2014/main" val="2144395352"/>
+                    <a16:rowId xmlns:a16="http://schemas.microsoft.com/office/drawing/2014/main" val="4099627"/>
                   </a:ext>
                 </a:extLst>
               </a:tr>
-              <a:tr h="266788">
-                <a:tc rowSpan="2">
+              <a:tr h="264195">
+                <a:tc vMerge="1">
+                  <a:txBody>
+                    <a:bodyPr/>
+                    <a:lstStyle/>
+                    <a:p>
+                      <a:pPr latinLnBrk="1"/>
+                      <a:endParaRPr lang="ko-KR" altLang="en-US"/>
+                    </a:p>
+                  </a:txBody>
+                  <a:tcPr/>
+                </a:tc>
+                <a:tc>
                   <a:txBody>
                     <a:bodyPr/>
                     <a:lstStyle/>
                     <a:p>
                       <a:pPr algn="ctr" fontAlgn="ctr"/>
                       <a:r>
-                        <a:rPr lang="en-US" altLang="ko-KR" sz="1000" u="none" strike="noStrike" dirty="0">
+                        <a:rPr lang="ko-KR" altLang="en-US" sz="1100" u="none" strike="noStrike" dirty="0">
                           <a:effectLst/>
                         </a:rPr>
-                        <a:t>2</a:t>
+                        <a:t>완료</a:t>
                       </a:r>
-                      <a:endParaRPr lang="en-US" altLang="ko-KR" sz="1000" b="0" i="0" u="none" strike="noStrike" dirty="0">
+                      <a:endParaRPr lang="ko-KR" altLang="en-US" sz="1100" b="0" i="0" u="none" strike="noStrike" dirty="0">
                         <a:solidFill>
                           <a:srgbClr val="000000"/>
                         </a:solidFill>
@@ -4464,7 +4517,106 @@
                       </a:endParaRPr>
                     </a:p>
                   </a:txBody>
-                  <a:tcPr marL="8898" marR="8898" marT="8898" marB="0" anchor="ctr"/>
+                  <a:tcPr marL="9525" marR="9525" marT="9525" marB="0" anchor="ctr">
+                    <a:solidFill>
+                      <a:schemeClr val="bg1">
+                        <a:lumMod val="75000"/>
+                      </a:schemeClr>
+                    </a:solidFill>
+                  </a:tcPr>
+                </a:tc>
+                <a:tc>
+                  <a:txBody>
+                    <a:bodyPr/>
+                    <a:lstStyle/>
+                    <a:p>
+                      <a:pPr algn="l" fontAlgn="ctr"/>
+                      <a:r>
+                        <a:rPr lang="ko-KR" altLang="en-US" sz="1100" b="0" i="0" u="none" strike="noStrike" dirty="0">
+                          <a:solidFill>
+                            <a:srgbClr val="000000"/>
+                          </a:solidFill>
+                          <a:effectLst/>
+                          <a:latin typeface="맑은 고딕" panose="020B0503020000020004" pitchFamily="50" charset="-127"/>
+                          <a:ea typeface="맑은 고딕" panose="020B0503020000020004" pitchFamily="50" charset="-127"/>
+                        </a:rPr>
+                        <a:t>이동에 따른</a:t>
+                      </a:r>
+                      <a:r>
+                        <a:rPr lang="en-US" altLang="ko-KR" sz="1100" b="0" i="0" u="none" strike="noStrike" dirty="0">
+                          <a:solidFill>
+                            <a:srgbClr val="000000"/>
+                          </a:solidFill>
+                          <a:effectLst/>
+                          <a:latin typeface="맑은 고딕" panose="020B0503020000020004" pitchFamily="50" charset="-127"/>
+                          <a:ea typeface="맑은 고딕" panose="020B0503020000020004" pitchFamily="50" charset="-127"/>
+                        </a:rPr>
+                        <a:t> </a:t>
+                      </a:r>
+                      <a:r>
+                        <a:rPr lang="ko-KR" altLang="en-US" sz="1100" b="0" i="0" u="none" strike="noStrike" dirty="0">
+                          <a:solidFill>
+                            <a:srgbClr val="000000"/>
+                          </a:solidFill>
+                          <a:effectLst/>
+                          <a:latin typeface="맑은 고딕" panose="020B0503020000020004" pitchFamily="50" charset="-127"/>
+                          <a:ea typeface="맑은 고딕" panose="020B0503020000020004" pitchFamily="50" charset="-127"/>
+                        </a:rPr>
+                        <a:t>상태 변경</a:t>
+                      </a:r>
+                      <a:r>
+                        <a:rPr lang="en-US" altLang="ko-KR" sz="1100" b="0" i="0" u="none" strike="noStrike" dirty="0">
+                          <a:solidFill>
+                            <a:srgbClr val="000000"/>
+                          </a:solidFill>
+                          <a:effectLst/>
+                          <a:latin typeface="맑은 고딕" panose="020B0503020000020004" pitchFamily="50" charset="-127"/>
+                          <a:ea typeface="맑은 고딕" panose="020B0503020000020004" pitchFamily="50" charset="-127"/>
+                        </a:rPr>
+                        <a:t>, </a:t>
+                      </a:r>
+                      <a:r>
+                        <a:rPr lang="ko-KR" altLang="en-US" sz="1100" b="0" i="0" u="none" strike="noStrike" dirty="0">
+                          <a:solidFill>
+                            <a:srgbClr val="000000"/>
+                          </a:solidFill>
+                          <a:effectLst/>
+                          <a:latin typeface="맑은 고딕" panose="020B0503020000020004" pitchFamily="50" charset="-127"/>
+                          <a:ea typeface="맑은 고딕" panose="020B0503020000020004" pitchFamily="50" charset="-127"/>
+                        </a:rPr>
+                        <a:t>공 움직임</a:t>
+                      </a:r>
+                      <a:r>
+                        <a:rPr lang="en-US" altLang="ko-KR" sz="1100" b="0" i="0" u="none" strike="noStrike" dirty="0">
+                          <a:solidFill>
+                            <a:srgbClr val="000000"/>
+                          </a:solidFill>
+                          <a:effectLst/>
+                          <a:latin typeface="맑은 고딕" panose="020B0503020000020004" pitchFamily="50" charset="-127"/>
+                          <a:ea typeface="맑은 고딕" panose="020B0503020000020004" pitchFamily="50" charset="-127"/>
+                        </a:rPr>
+                        <a:t>, </a:t>
+                      </a:r>
+                      <a:r>
+                        <a:rPr lang="ko-KR" altLang="en-US" sz="1100" b="0" i="0" u="none" strike="noStrike" dirty="0">
+                          <a:solidFill>
+                            <a:srgbClr val="000000"/>
+                          </a:solidFill>
+                          <a:effectLst/>
+                          <a:latin typeface="맑은 고딕" panose="020B0503020000020004" pitchFamily="50" charset="-127"/>
+                          <a:ea typeface="맑은 고딕" panose="020B0503020000020004" pitchFamily="50" charset="-127"/>
+                        </a:rPr>
+                        <a:t>튕김 및 회전</a:t>
+                      </a:r>
+                    </a:p>
+                  </a:txBody>
+                  <a:tcPr marL="9525" marR="9525" marT="9525" marB="0" anchor="ctr">
+                    <a:solidFill>
+                      <a:schemeClr val="bg1">
+                        <a:lumMod val="95000"/>
+                      </a:schemeClr>
+                    </a:solidFill>
+                  </a:tcPr>
                 </a:tc>
                 <a:tc>
                   <a:txBody>
@@ -4473,12 +4625,12 @@
                     <a:p>
                       <a:pPr algn="ctr" fontAlgn="ctr"/>
                       <a:r>
-                        <a:rPr lang="ko-KR" altLang="en-US" sz="1000" u="none" strike="noStrike" dirty="0">
+                        <a:rPr lang="ko-KR" altLang="en-US" sz="1100" u="none" strike="noStrike" dirty="0">
                           <a:effectLst/>
                         </a:rPr>
-                        <a:t>계획</a:t>
+                        <a:t>미구현</a:t>
                       </a:r>
-                      <a:endParaRPr lang="ko-KR" altLang="en-US" sz="1000" b="0" i="0" u="none" strike="noStrike" dirty="0">
+                      <a:endParaRPr lang="ko-KR" altLang="en-US" sz="1100" b="0" i="0" u="none" strike="noStrike" dirty="0">
                         <a:solidFill>
                           <a:srgbClr val="000000"/>
                         </a:solidFill>
@@ -4488,7 +4640,13 @@
                       </a:endParaRPr>
                     </a:p>
                   </a:txBody>
-                  <a:tcPr marL="8898" marR="8898" marT="8898" marB="0" anchor="ctr"/>
+                  <a:tcPr marL="9525" marR="9525" marT="9525" marB="0" anchor="ctr">
+                    <a:solidFill>
+                      <a:schemeClr val="bg1">
+                        <a:lumMod val="75000"/>
+                      </a:schemeClr>
+                    </a:solidFill>
+                  </a:tcPr>
                 </a:tc>
                 <a:tc>
                   <a:txBody>
@@ -4496,25 +4654,7 @@
                     <a:lstStyle/>
                     <a:p>
                       <a:pPr algn="l" fontAlgn="ctr"/>
-                      <a:r>
-                        <a:rPr lang="ko-KR" altLang="en-US" sz="1000" u="none" strike="noStrike" dirty="0">
-                          <a:effectLst/>
-                        </a:rPr>
-                        <a:t>선수들의 기초적인 인공지능 구현</a:t>
-                      </a:r>
-                      <a:r>
-                        <a:rPr lang="en-US" altLang="ko-KR" sz="1000" u="none" strike="noStrike" dirty="0">
-                          <a:effectLst/>
-                        </a:rPr>
-                        <a:t>, </a:t>
-                      </a:r>
-                      <a:r>
-                        <a:rPr lang="ko-KR" altLang="en-US" sz="1000" u="none" strike="noStrike" dirty="0">
-                          <a:effectLst/>
-                        </a:rPr>
-                        <a:t>공의 움직임 구현 </a:t>
-                      </a:r>
-                      <a:endParaRPr lang="ko-KR" altLang="en-US" sz="1000" b="0" i="0" u="none" strike="noStrike" dirty="0">
+                      <a:endParaRPr lang="ko-KR" altLang="en-US" sz="1100" b="0" i="0" u="none" strike="noStrike" dirty="0">
                         <a:solidFill>
                           <a:srgbClr val="000000"/>
                         </a:solidFill>
@@ -4524,8 +4664,32 @@
                       </a:endParaRPr>
                     </a:p>
                   </a:txBody>
-                  <a:tcPr marL="8898" marR="8898" marT="8898" marB="0" anchor="ctr"/>
-                </a:tc>
+                  <a:tcPr marL="9525" marR="9525" marT="9525" marB="0" anchor="ctr">
+                    <a:solidFill>
+                      <a:schemeClr val="bg1">
+                        <a:lumMod val="95000"/>
+                      </a:schemeClr>
+                    </a:solidFill>
+                  </a:tcPr>
+                </a:tc>
+                <a:tc vMerge="1">
+                  <a:txBody>
+                    <a:bodyPr/>
+                    <a:lstStyle/>
+                    <a:p>
+                      <a:pPr latinLnBrk="1"/>
+                      <a:endParaRPr lang="ko-KR" altLang="en-US"/>
+                    </a:p>
+                  </a:txBody>
+                  <a:tcPr/>
+                </a:tc>
+                <a:extLst>
+                  <a:ext uri="{0D108BD9-81ED-4DB2-BD59-A6C34878D82A}">
+                    <a16:rowId xmlns:a16="http://schemas.microsoft.com/office/drawing/2014/main" val="1758652565"/>
+                  </a:ext>
+                </a:extLst>
+              </a:tr>
+              <a:tr h="264195">
                 <a:tc rowSpan="2">
                   <a:txBody>
                     <a:bodyPr/>
@@ -4533,12 +4697,12 @@
                     <a:p>
                       <a:pPr algn="ctr" fontAlgn="ctr"/>
                       <a:r>
-                        <a:rPr lang="en-US" altLang="ko-KR" sz="1000" u="none" strike="noStrike">
+                        <a:rPr lang="en-US" altLang="ko-KR" sz="1100" u="none" strike="noStrike" dirty="0">
                           <a:effectLst/>
                         </a:rPr>
-                        <a:t>100%</a:t>
+                        <a:t>2</a:t>
                       </a:r>
-                      <a:endParaRPr lang="en-US" altLang="ko-KR" sz="1000" b="0" i="0" u="none" strike="noStrike">
+                      <a:endParaRPr lang="en-US" altLang="ko-KR" sz="1100" b="0" i="0" u="none" strike="noStrike" dirty="0">
                         <a:solidFill>
                           <a:srgbClr val="000000"/>
                         </a:solidFill>
@@ -4548,25 +4712,13 @@
                       </a:endParaRPr>
                     </a:p>
                   </a:txBody>
-                  <a:tcPr marL="8898" marR="8898" marT="8898" marB="0" anchor="ctr"/>
-                </a:tc>
-                <a:extLst>
-                  <a:ext uri="{0D108BD9-81ED-4DB2-BD59-A6C34878D82A}">
-                    <a16:rowId xmlns:a16="http://schemas.microsoft.com/office/drawing/2014/main" val="606928406"/>
-                  </a:ext>
-                </a:extLst>
-              </a:tr>
-              <a:tr h="266788">
-                <a:tc vMerge="1">
-                  <a:txBody>
-                    <a:bodyPr/>
-                    <a:lstStyle/>
-                    <a:p>
-                      <a:pPr latinLnBrk="1"/>
-                      <a:endParaRPr lang="ko-KR" altLang="en-US"/>
-                    </a:p>
-                  </a:txBody>
-                  <a:tcPr/>
+                  <a:tcPr marL="9525" marR="9525" marT="9525" marB="0" anchor="ctr">
+                    <a:solidFill>
+                      <a:schemeClr val="bg1">
+                        <a:lumMod val="95000"/>
+                      </a:schemeClr>
+                    </a:solidFill>
+                  </a:tcPr>
                 </a:tc>
                 <a:tc>
                   <a:txBody>
@@ -4575,12 +4727,12 @@
                     <a:p>
                       <a:pPr algn="ctr" fontAlgn="ctr"/>
                       <a:r>
-                        <a:rPr lang="ko-KR" altLang="en-US" sz="1000" u="none" strike="noStrike" dirty="0">
+                        <a:rPr lang="ko-KR" altLang="en-US" sz="1100" u="none" strike="noStrike" dirty="0">
                           <a:effectLst/>
                         </a:rPr>
-                        <a:t>결과</a:t>
+                        <a:t>계획</a:t>
                       </a:r>
-                      <a:endParaRPr lang="ko-KR" altLang="en-US" sz="1000" b="0" i="0" u="none" strike="noStrike" dirty="0">
+                      <a:endParaRPr lang="ko-KR" altLang="en-US" sz="1100" b="0" i="0" u="none" strike="noStrike" dirty="0">
                         <a:solidFill>
                           <a:srgbClr val="000000"/>
                         </a:solidFill>
@@ -4590,69 +4742,39 @@
                       </a:endParaRPr>
                     </a:p>
                   </a:txBody>
-                  <a:tcPr marL="8898" marR="8898" marT="8898" marB="0" anchor="ctr"/>
-                </a:tc>
-                <a:tc>
+                  <a:tcPr marL="9525" marR="9525" marT="9525" marB="0" anchor="ctr">
+                    <a:solidFill>
+                      <a:schemeClr val="bg1">
+                        <a:lumMod val="85000"/>
+                      </a:schemeClr>
+                    </a:solidFill>
+                  </a:tcPr>
+                </a:tc>
+                <a:tc gridSpan="3">
                   <a:txBody>
                     <a:bodyPr/>
                     <a:lstStyle/>
                     <a:p>
                       <a:pPr algn="l" fontAlgn="ctr"/>
                       <a:r>
-                        <a:rPr lang="ko-KR" altLang="en-US" sz="1000" u="none" strike="noStrike" dirty="0">
+                        <a:rPr lang="ko-KR" altLang="en-US" sz="1100" u="none" strike="noStrike" dirty="0">
                           <a:effectLst/>
                         </a:rPr>
-                        <a:t>공의 회전</a:t>
+                        <a:t>선수들의 기초적인 인공지능 구현</a:t>
                       </a:r>
                       <a:r>
-                        <a:rPr lang="en-US" altLang="ko-KR" sz="1000" u="none" strike="noStrike" dirty="0">
+                        <a:rPr lang="en-US" altLang="ko-KR" sz="1100" u="none" strike="noStrike" dirty="0">
                           <a:effectLst/>
                         </a:rPr>
                         <a:t>, </a:t>
                       </a:r>
                       <a:r>
-                        <a:rPr lang="ko-KR" altLang="en-US" sz="1000" u="none" strike="noStrike" dirty="0">
+                        <a:rPr lang="ko-KR" altLang="en-US" sz="1100" u="none" strike="noStrike" dirty="0">
                           <a:effectLst/>
                         </a:rPr>
-                        <a:t>던지기</a:t>
+                        <a:t>공의 움직임 구현 </a:t>
                       </a:r>
-                      <a:r>
-                        <a:rPr lang="en-US" altLang="ko-KR" sz="1000" u="none" strike="noStrike" dirty="0">
-                          <a:effectLst/>
-                        </a:rPr>
-                        <a:t>, </a:t>
-                      </a:r>
-                      <a:r>
-                        <a:rPr lang="ko-KR" altLang="en-US" sz="1000" u="none" strike="noStrike" dirty="0">
-                          <a:effectLst/>
-                        </a:rPr>
-                        <a:t>줍기</a:t>
-                      </a:r>
-                      <a:r>
-                        <a:rPr lang="en-US" altLang="ko-KR" sz="1000" u="none" strike="noStrike" dirty="0">
-                          <a:effectLst/>
-                        </a:rPr>
-                        <a:t>, </a:t>
-                      </a:r>
-                      <a:r>
-                        <a:rPr lang="ko-KR" altLang="en-US" sz="1000" u="none" strike="noStrike" dirty="0">
-                          <a:effectLst/>
-                        </a:rPr>
-                        <a:t>선수들의 공 줍기</a:t>
-                      </a:r>
-                      <a:r>
-                        <a:rPr lang="en-US" altLang="ko-KR" sz="1000" u="none" strike="noStrike" dirty="0">
-                          <a:effectLst/>
-                        </a:rPr>
-                        <a:t>, </a:t>
-                      </a:r>
-                      <a:r>
-                        <a:rPr lang="ko-KR" altLang="en-US" sz="1000" u="none" strike="noStrike" dirty="0">
-                          <a:effectLst/>
-                        </a:rPr>
-                        <a:t>공을 잡으면 골라인으로 달려가기</a:t>
-                      </a:r>
-                      <a:endParaRPr lang="ko-KR" altLang="en-US" sz="1000" b="0" i="0" u="none" strike="noStrike" dirty="0">
+                      <a:endParaRPr lang="ko-KR" altLang="en-US" sz="1100" b="0" i="0" u="none" strike="noStrike" dirty="0">
                         <a:solidFill>
                           <a:srgbClr val="000000"/>
                         </a:solidFill>
@@ -4662,9 +4784,15 @@
                       </a:endParaRPr>
                     </a:p>
                   </a:txBody>
-                  <a:tcPr marL="8898" marR="8898" marT="8898" marB="0" anchor="ctr"/>
-                </a:tc>
-                <a:tc vMerge="1">
+                  <a:tcPr marL="9525" marR="9525" marT="9525" marB="0" anchor="ctr">
+                    <a:solidFill>
+                      <a:schemeClr val="bg1">
+                        <a:lumMod val="85000"/>
+                      </a:schemeClr>
+                    </a:solidFill>
+                  </a:tcPr>
+                </a:tc>
+                <a:tc hMerge="1">
                   <a:txBody>
                     <a:bodyPr/>
                     <a:lstStyle/>
@@ -4675,13 +4803,17 @@
                   </a:txBody>
                   <a:tcPr/>
                 </a:tc>
-                <a:extLst>
-                  <a:ext uri="{0D108BD9-81ED-4DB2-BD59-A6C34878D82A}">
-                    <a16:rowId xmlns:a16="http://schemas.microsoft.com/office/drawing/2014/main" val="1776177626"/>
-                  </a:ext>
-                </a:extLst>
-              </a:tr>
-              <a:tr h="266788">
+                <a:tc hMerge="1">
+                  <a:txBody>
+                    <a:bodyPr/>
+                    <a:lstStyle/>
+                    <a:p>
+                      <a:pPr latinLnBrk="1"/>
+                      <a:endParaRPr lang="ko-KR" altLang="en-US"/>
+                    </a:p>
+                  </a:txBody>
+                  <a:tcPr/>
+                </a:tc>
                 <a:tc rowSpan="2">
                   <a:txBody>
                     <a:bodyPr/>
@@ -4689,12 +4821,12 @@
                     <a:p>
                       <a:pPr algn="ctr" fontAlgn="ctr"/>
                       <a:r>
-                        <a:rPr lang="en-US" altLang="ko-KR" sz="1000" u="none" strike="noStrike" dirty="0">
+                        <a:rPr lang="en-US" altLang="ko-KR" sz="1100" u="none" strike="noStrike" dirty="0">
                           <a:effectLst/>
                         </a:rPr>
-                        <a:t>3</a:t>
+                        <a:t>100%</a:t>
                       </a:r>
-                      <a:endParaRPr lang="en-US" altLang="ko-KR" sz="1000" b="0" i="0" u="none" strike="noStrike" dirty="0">
+                      <a:endParaRPr lang="en-US" altLang="ko-KR" sz="1100" b="0" i="0" u="none" strike="noStrike" dirty="0">
                         <a:solidFill>
                           <a:srgbClr val="000000"/>
                         </a:solidFill>
@@ -4704,7 +4836,31 @@
                       </a:endParaRPr>
                     </a:p>
                   </a:txBody>
-                  <a:tcPr marL="8898" marR="8898" marT="8898" marB="0" anchor="ctr"/>
+                  <a:tcPr marL="9525" marR="9525" marT="9525" marB="0" anchor="ctr">
+                    <a:solidFill>
+                      <a:schemeClr val="bg1">
+                        <a:lumMod val="95000"/>
+                      </a:schemeClr>
+                    </a:solidFill>
+                  </a:tcPr>
+                </a:tc>
+                <a:extLst>
+                  <a:ext uri="{0D108BD9-81ED-4DB2-BD59-A6C34878D82A}">
+                    <a16:rowId xmlns:a16="http://schemas.microsoft.com/office/drawing/2014/main" val="247525990"/>
+                  </a:ext>
+                </a:extLst>
+              </a:tr>
+              <a:tr h="264195">
+                <a:tc vMerge="1">
+                  <a:txBody>
+                    <a:bodyPr/>
+                    <a:lstStyle/>
+                    <a:p>
+                      <a:pPr latinLnBrk="1"/>
+                      <a:endParaRPr lang="ko-KR" altLang="en-US"/>
+                    </a:p>
+                  </a:txBody>
+                  <a:tcPr/>
                 </a:tc>
                 <a:tc>
                   <a:txBody>
@@ -4713,12 +4869,12 @@
                     <a:p>
                       <a:pPr algn="ctr" fontAlgn="ctr"/>
                       <a:r>
-                        <a:rPr lang="ko-KR" altLang="en-US" sz="1000" u="none" strike="noStrike">
+                        <a:rPr lang="ko-KR" altLang="en-US" sz="1100" u="none" strike="noStrike" dirty="0">
                           <a:effectLst/>
                         </a:rPr>
-                        <a:t>계획</a:t>
+                        <a:t>완료</a:t>
                       </a:r>
-                      <a:endParaRPr lang="ko-KR" altLang="en-US" sz="1000" b="0" i="0" u="none" strike="noStrike">
+                      <a:endParaRPr lang="ko-KR" altLang="en-US" sz="1100" b="0" i="0" u="none" strike="noStrike" dirty="0">
                         <a:solidFill>
                           <a:srgbClr val="000000"/>
                         </a:solidFill>
@@ -4728,7 +4884,13 @@
                       </a:endParaRPr>
                     </a:p>
                   </a:txBody>
-                  <a:tcPr marL="8898" marR="8898" marT="8898" marB="0" anchor="ctr"/>
+                  <a:tcPr marL="9525" marR="9525" marT="9525" marB="0" anchor="ctr">
+                    <a:solidFill>
+                      <a:schemeClr val="bg1">
+                        <a:lumMod val="75000"/>
+                      </a:schemeClr>
+                    </a:solidFill>
+                  </a:tcPr>
                 </a:tc>
                 <a:tc>
                   <a:txBody>
@@ -4737,12 +4899,36 @@
                     <a:p>
                       <a:pPr algn="l" fontAlgn="ctr"/>
                       <a:r>
-                        <a:rPr lang="ko-KR" altLang="en-US" sz="1000" u="none" strike="noStrike">
+                        <a:rPr lang="ko-KR" altLang="en-US" sz="1100" u="none" strike="noStrike" dirty="0">
                           <a:effectLst/>
                         </a:rPr>
-                        <a:t>플레이어의 기술 사용에 따른 상태 변화 구현</a:t>
+                        <a:t>공 던지기</a:t>
                       </a:r>
-                      <a:endParaRPr lang="ko-KR" altLang="en-US" sz="1000" b="0" i="0" u="none" strike="noStrike">
+                      <a:r>
+                        <a:rPr lang="en-US" altLang="ko-KR" sz="1100" u="none" strike="noStrike" dirty="0">
+                          <a:effectLst/>
+                        </a:rPr>
+                        <a:t>, </a:t>
+                      </a:r>
+                      <a:r>
+                        <a:rPr lang="ko-KR" altLang="en-US" sz="1100" u="none" strike="noStrike" dirty="0">
+                          <a:effectLst/>
+                        </a:rPr>
+                        <a:t>줍기</a:t>
+                      </a:r>
+                      <a:r>
+                        <a:rPr lang="en-US" altLang="ko-KR" sz="1100" u="none" strike="noStrike" dirty="0">
+                          <a:effectLst/>
+                        </a:rPr>
+                        <a:t>, ai</a:t>
+                      </a:r>
+                      <a:r>
+                        <a:rPr lang="ko-KR" altLang="en-US" sz="1100" u="none" strike="noStrike" dirty="0">
+                          <a:effectLst/>
+                        </a:rPr>
+                        <a:t>가 공을 잡으면 골라인으로 달려가기</a:t>
+                      </a:r>
+                      <a:endParaRPr lang="ko-KR" altLang="en-US" sz="1100" b="0" i="0" u="none" strike="noStrike" dirty="0">
                         <a:solidFill>
                           <a:srgbClr val="000000"/>
                         </a:solidFill>
@@ -4752,21 +4938,27 @@
                       </a:endParaRPr>
                     </a:p>
                   </a:txBody>
-                  <a:tcPr marL="8898" marR="8898" marT="8898" marB="0" anchor="ctr"/>
-                </a:tc>
-                <a:tc rowSpan="2">
+                  <a:tcPr marL="9525" marR="9525" marT="9525" marB="0" anchor="ctr">
+                    <a:solidFill>
+                      <a:schemeClr val="bg1">
+                        <a:lumMod val="95000"/>
+                      </a:schemeClr>
+                    </a:solidFill>
+                  </a:tcPr>
+                </a:tc>
+                <a:tc>
                   <a:txBody>
                     <a:bodyPr/>
                     <a:lstStyle/>
                     <a:p>
                       <a:pPr algn="ctr" fontAlgn="ctr"/>
                       <a:r>
-                        <a:rPr lang="en-US" altLang="ko-KR" sz="1000" u="none" strike="noStrike">
+                        <a:rPr lang="ko-KR" altLang="en-US" sz="1100" u="none" strike="noStrike" dirty="0">
                           <a:effectLst/>
                         </a:rPr>
-                        <a:t>100%</a:t>
+                        <a:t>미구현</a:t>
                       </a:r>
-                      <a:endParaRPr lang="en-US" altLang="ko-KR" sz="1000" b="0" i="0" u="none" strike="noStrike">
+                      <a:endParaRPr lang="ko-KR" altLang="en-US" sz="1100" b="0" i="0" u="none" strike="noStrike" dirty="0">
                         <a:solidFill>
                           <a:srgbClr val="000000"/>
                         </a:solidFill>
@@ -4776,39 +4968,21 @@
                       </a:endParaRPr>
                     </a:p>
                   </a:txBody>
-                  <a:tcPr marL="8898" marR="8898" marT="8898" marB="0" anchor="ctr"/>
-                </a:tc>
-                <a:extLst>
-                  <a:ext uri="{0D108BD9-81ED-4DB2-BD59-A6C34878D82A}">
-                    <a16:rowId xmlns:a16="http://schemas.microsoft.com/office/drawing/2014/main" val="3892309995"/>
-                  </a:ext>
-                </a:extLst>
-              </a:tr>
-              <a:tr h="266788">
-                <a:tc vMerge="1">
-                  <a:txBody>
-                    <a:bodyPr/>
-                    <a:lstStyle/>
-                    <a:p>
-                      <a:pPr latinLnBrk="1"/>
-                      <a:endParaRPr lang="ko-KR" altLang="en-US"/>
-                    </a:p>
-                  </a:txBody>
-                  <a:tcPr/>
+                  <a:tcPr marL="9525" marR="9525" marT="9525" marB="0" anchor="ctr">
+                    <a:solidFill>
+                      <a:schemeClr val="bg1">
+                        <a:lumMod val="75000"/>
+                      </a:schemeClr>
+                    </a:solidFill>
+                  </a:tcPr>
                 </a:tc>
                 <a:tc>
                   <a:txBody>
                     <a:bodyPr/>
                     <a:lstStyle/>
                     <a:p>
-                      <a:pPr algn="ctr" fontAlgn="ctr"/>
-                      <a:r>
-                        <a:rPr lang="ko-KR" altLang="en-US" sz="1000" u="none" strike="noStrike" dirty="0">
-                          <a:effectLst/>
-                        </a:rPr>
-                        <a:t>결과</a:t>
-                      </a:r>
-                      <a:endParaRPr lang="ko-KR" altLang="en-US" sz="1000" b="0" i="0" u="none" strike="noStrike" dirty="0">
+                      <a:pPr algn="l" fontAlgn="ctr"/>
+                      <a:endParaRPr lang="ko-KR" altLang="en-US" sz="1100" b="0" i="0" u="none" strike="noStrike" dirty="0">
                         <a:solidFill>
                           <a:srgbClr val="000000"/>
                         </a:solidFill>
@@ -4818,33 +4992,45 @@
                       </a:endParaRPr>
                     </a:p>
                   </a:txBody>
-                  <a:tcPr marL="8898" marR="8898" marT="8898" marB="0" anchor="ctr"/>
-                </a:tc>
-                <a:tc>
-                  <a:txBody>
-                    <a:bodyPr/>
-                    <a:lstStyle/>
-                    <a:p>
-                      <a:pPr algn="l" fontAlgn="ctr"/>
+                  <a:tcPr marL="9525" marR="9525" marT="9525" marB="0" anchor="ctr">
+                    <a:solidFill>
+                      <a:schemeClr val="bg1">
+                        <a:lumMod val="95000"/>
+                      </a:schemeClr>
+                    </a:solidFill>
+                  </a:tcPr>
+                </a:tc>
+                <a:tc vMerge="1">
+                  <a:txBody>
+                    <a:bodyPr/>
+                    <a:lstStyle/>
+                    <a:p>
+                      <a:pPr latinLnBrk="1"/>
+                      <a:endParaRPr lang="ko-KR" altLang="en-US"/>
+                    </a:p>
+                  </a:txBody>
+                  <a:tcPr/>
+                </a:tc>
+                <a:extLst>
+                  <a:ext uri="{0D108BD9-81ED-4DB2-BD59-A6C34878D82A}">
+                    <a16:rowId xmlns:a16="http://schemas.microsoft.com/office/drawing/2014/main" val="3172875448"/>
+                  </a:ext>
+                </a:extLst>
+              </a:tr>
+              <a:tr h="264195">
+                <a:tc rowSpan="2">
+                  <a:txBody>
+                    <a:bodyPr/>
+                    <a:lstStyle/>
+                    <a:p>
+                      <a:pPr algn="ctr" fontAlgn="ctr"/>
                       <a:r>
-                        <a:rPr lang="ko-KR" altLang="en-US" sz="1000" u="none" strike="noStrike" dirty="0">
+                        <a:rPr lang="en-US" altLang="ko-KR" sz="1100" u="none" strike="noStrike" dirty="0">
                           <a:effectLst/>
                         </a:rPr>
-                        <a:t>전력질주</a:t>
+                        <a:t>3</a:t>
                       </a:r>
-                      <a:r>
-                        <a:rPr lang="en-US" altLang="ko-KR" sz="1000" u="none" strike="noStrike" dirty="0">
-                          <a:effectLst/>
-                        </a:rPr>
-                        <a:t>, </a:t>
-                      </a:r>
-                      <a:r>
-                        <a:rPr lang="ko-KR" altLang="en-US" sz="1000" u="none" strike="noStrike" dirty="0">
-                          <a:effectLst/>
-                        </a:rPr>
-                        <a:t>태클 상태 구현</a:t>
-                      </a:r>
-                      <a:endParaRPr lang="ko-KR" altLang="en-US" sz="1000" b="0" i="0" u="none" strike="noStrike" dirty="0">
+                      <a:endParaRPr lang="en-US" altLang="ko-KR" sz="1100" b="0" i="0" u="none" strike="noStrike" dirty="0">
                         <a:solidFill>
                           <a:srgbClr val="000000"/>
                         </a:solidFill>
@@ -4854,39 +5040,27 @@
                       </a:endParaRPr>
                     </a:p>
                   </a:txBody>
-                  <a:tcPr marL="8898" marR="8898" marT="8898" marB="0" anchor="ctr"/>
-                </a:tc>
-                <a:tc vMerge="1">
-                  <a:txBody>
-                    <a:bodyPr/>
-                    <a:lstStyle/>
-                    <a:p>
-                      <a:pPr latinLnBrk="1"/>
-                      <a:endParaRPr lang="ko-KR" altLang="en-US"/>
-                    </a:p>
-                  </a:txBody>
-                  <a:tcPr/>
-                </a:tc>
-                <a:extLst>
-                  <a:ext uri="{0D108BD9-81ED-4DB2-BD59-A6C34878D82A}">
-                    <a16:rowId xmlns:a16="http://schemas.microsoft.com/office/drawing/2014/main" val="3794612701"/>
-                  </a:ext>
-                </a:extLst>
-              </a:tr>
-              <a:tr h="266788">
-                <a:tc rowSpan="2">
+                  <a:tcPr marL="9525" marR="9525" marT="9525" marB="0" anchor="ctr">
+                    <a:solidFill>
+                      <a:schemeClr val="bg1">
+                        <a:lumMod val="95000"/>
+                      </a:schemeClr>
+                    </a:solidFill>
+                  </a:tcPr>
+                </a:tc>
+                <a:tc>
                   <a:txBody>
                     <a:bodyPr/>
                     <a:lstStyle/>
                     <a:p>
                       <a:pPr algn="ctr" fontAlgn="ctr"/>
                       <a:r>
-                        <a:rPr lang="en-US" altLang="ko-KR" sz="1000" u="none" strike="noStrike" dirty="0">
+                        <a:rPr lang="ko-KR" altLang="en-US" sz="1100" u="none" strike="noStrike" dirty="0">
                           <a:effectLst/>
                         </a:rPr>
-                        <a:t>4</a:t>
+                        <a:t>계획</a:t>
                       </a:r>
-                      <a:endParaRPr lang="en-US" altLang="ko-KR" sz="1000" b="0" i="0" u="none" strike="noStrike" dirty="0">
+                      <a:endParaRPr lang="ko-KR" altLang="en-US" sz="1100" b="0" i="0" u="none" strike="noStrike" dirty="0">
                         <a:solidFill>
                           <a:srgbClr val="000000"/>
                         </a:solidFill>
@@ -4896,21 +5070,27 @@
                       </a:endParaRPr>
                     </a:p>
                   </a:txBody>
-                  <a:tcPr marL="8898" marR="8898" marT="8898" marB="0" anchor="ctr"/>
-                </a:tc>
-                <a:tc>
-                  <a:txBody>
-                    <a:bodyPr/>
-                    <a:lstStyle/>
-                    <a:p>
-                      <a:pPr algn="ctr" fontAlgn="ctr"/>
+                  <a:tcPr marL="9525" marR="9525" marT="9525" marB="0" anchor="ctr">
+                    <a:solidFill>
+                      <a:schemeClr val="bg1">
+                        <a:lumMod val="85000"/>
+                      </a:schemeClr>
+                    </a:solidFill>
+                  </a:tcPr>
+                </a:tc>
+                <a:tc gridSpan="3">
+                  <a:txBody>
+                    <a:bodyPr/>
+                    <a:lstStyle/>
+                    <a:p>
+                      <a:pPr algn="l" fontAlgn="ctr"/>
                       <a:r>
-                        <a:rPr lang="ko-KR" altLang="en-US" sz="1000" u="none" strike="noStrike" dirty="0">
+                        <a:rPr lang="ko-KR" altLang="en-US" sz="1100" u="none" strike="noStrike" dirty="0">
                           <a:effectLst/>
                         </a:rPr>
-                        <a:t>계획</a:t>
+                        <a:t>플레이어의 기술 사용에 따른 상태 변화 구현</a:t>
                       </a:r>
-                      <a:endParaRPr lang="ko-KR" altLang="en-US" sz="1000" b="0" i="0" u="none" strike="noStrike" dirty="0">
+                      <a:endParaRPr lang="ko-KR" altLang="en-US" sz="1100" b="0" i="0" u="none" strike="noStrike" dirty="0">
                         <a:solidFill>
                           <a:srgbClr val="000000"/>
                         </a:solidFill>
@@ -4920,33 +5100,49 @@
                       </a:endParaRPr>
                     </a:p>
                   </a:txBody>
-                  <a:tcPr marL="8898" marR="8898" marT="8898" marB="0" anchor="ctr"/>
-                </a:tc>
-                <a:tc>
-                  <a:txBody>
-                    <a:bodyPr/>
-                    <a:lstStyle/>
-                    <a:p>
-                      <a:pPr algn="l" fontAlgn="ctr"/>
+                  <a:tcPr marL="9525" marR="9525" marT="9525" marB="0" anchor="ctr">
+                    <a:solidFill>
+                      <a:schemeClr val="bg1">
+                        <a:lumMod val="85000"/>
+                      </a:schemeClr>
+                    </a:solidFill>
+                  </a:tcPr>
+                </a:tc>
+                <a:tc hMerge="1">
+                  <a:txBody>
+                    <a:bodyPr/>
+                    <a:lstStyle/>
+                    <a:p>
+                      <a:pPr latinLnBrk="1"/>
+                      <a:endParaRPr lang="ko-KR" altLang="en-US"/>
+                    </a:p>
+                  </a:txBody>
+                  <a:tcPr/>
+                </a:tc>
+                <a:tc hMerge="1">
+                  <a:txBody>
+                    <a:bodyPr/>
+                    <a:lstStyle/>
+                    <a:p>
+                      <a:pPr latinLnBrk="1"/>
+                      <a:endParaRPr lang="ko-KR" altLang="en-US"/>
+                    </a:p>
+                  </a:txBody>
+                  <a:tcPr/>
+                </a:tc>
+                <a:tc rowSpan="2">
+                  <a:txBody>
+                    <a:bodyPr/>
+                    <a:lstStyle/>
+                    <a:p>
+                      <a:pPr algn="ctr" fontAlgn="ctr"/>
                       <a:r>
-                        <a:rPr lang="ko-KR" altLang="en-US" sz="1000" u="none" strike="noStrike" dirty="0" err="1">
+                        <a:rPr lang="en-US" altLang="ko-KR" sz="1100" u="none" strike="noStrike" dirty="0">
                           <a:effectLst/>
                         </a:rPr>
-                        <a:t>캐릭터간의</a:t>
+                        <a:t>66%</a:t>
                       </a:r>
-                      <a:r>
-                        <a:rPr lang="ko-KR" altLang="en-US" sz="1000" u="none" strike="noStrike" dirty="0">
-                          <a:effectLst/>
-                        </a:rPr>
-                        <a:t> 상호작용</a:t>
-                      </a:r>
-                      <a:r>
-                        <a:rPr lang="en-US" altLang="ko-KR" sz="1000" u="none" strike="noStrike" dirty="0">
-                          <a:effectLst/>
-                        </a:rPr>
-                        <a:t>1</a:t>
-                      </a:r>
-                      <a:endParaRPr lang="en-US" altLang="ko-KR" sz="1000" b="0" i="0" u="none" strike="noStrike" dirty="0">
+                      <a:endParaRPr lang="en-US" altLang="ko-KR" sz="1100" b="0" i="0" u="none" strike="noStrike" dirty="0">
                         <a:solidFill>
                           <a:srgbClr val="000000"/>
                         </a:solidFill>
@@ -4956,21 +5152,45 @@
                       </a:endParaRPr>
                     </a:p>
                   </a:txBody>
-                  <a:tcPr marL="8898" marR="8898" marT="8898" marB="0" anchor="ctr"/>
-                </a:tc>
-                <a:tc rowSpan="2">
+                  <a:tcPr marL="9525" marR="9525" marT="9525" marB="0" anchor="ctr">
+                    <a:solidFill>
+                      <a:schemeClr val="bg1">
+                        <a:lumMod val="95000"/>
+                      </a:schemeClr>
+                    </a:solidFill>
+                  </a:tcPr>
+                </a:tc>
+                <a:extLst>
+                  <a:ext uri="{0D108BD9-81ED-4DB2-BD59-A6C34878D82A}">
+                    <a16:rowId xmlns:a16="http://schemas.microsoft.com/office/drawing/2014/main" val="3447632702"/>
+                  </a:ext>
+                </a:extLst>
+              </a:tr>
+              <a:tr h="264195">
+                <a:tc vMerge="1">
+                  <a:txBody>
+                    <a:bodyPr/>
+                    <a:lstStyle/>
+                    <a:p>
+                      <a:pPr latinLnBrk="1"/>
+                      <a:endParaRPr lang="ko-KR" altLang="en-US"/>
+                    </a:p>
+                  </a:txBody>
+                  <a:tcPr/>
+                </a:tc>
+                <a:tc>
                   <a:txBody>
                     <a:bodyPr/>
                     <a:lstStyle/>
                     <a:p>
                       <a:pPr algn="ctr" fontAlgn="ctr"/>
                       <a:r>
-                        <a:rPr lang="en-US" altLang="ko-KR" sz="1000" u="none" strike="noStrike">
+                        <a:rPr lang="ko-KR" altLang="en-US" sz="1100" u="none" strike="noStrike" dirty="0">
                           <a:effectLst/>
                         </a:rPr>
-                        <a:t>50%</a:t>
+                        <a:t>완료</a:t>
                       </a:r>
-                      <a:endParaRPr lang="en-US" altLang="ko-KR" sz="1000" b="0" i="0" u="none" strike="noStrike">
+                      <a:endParaRPr lang="ko-KR" altLang="en-US" sz="1100" b="0" i="0" u="none" strike="noStrike" dirty="0">
                         <a:solidFill>
                           <a:srgbClr val="000000"/>
                         </a:solidFill>
@@ -4980,39 +5200,27 @@
                       </a:endParaRPr>
                     </a:p>
                   </a:txBody>
-                  <a:tcPr marL="8898" marR="8898" marT="8898" marB="0" anchor="ctr"/>
-                </a:tc>
-                <a:extLst>
-                  <a:ext uri="{0D108BD9-81ED-4DB2-BD59-A6C34878D82A}">
-                    <a16:rowId xmlns:a16="http://schemas.microsoft.com/office/drawing/2014/main" val="4186081254"/>
-                  </a:ext>
-                </a:extLst>
-              </a:tr>
-              <a:tr h="266788">
-                <a:tc vMerge="1">
-                  <a:txBody>
-                    <a:bodyPr/>
-                    <a:lstStyle/>
-                    <a:p>
-                      <a:pPr latinLnBrk="1"/>
-                      <a:endParaRPr lang="ko-KR" altLang="en-US"/>
-                    </a:p>
-                  </a:txBody>
-                  <a:tcPr/>
+                  <a:tcPr marL="9525" marR="9525" marT="9525" marB="0" anchor="ctr">
+                    <a:solidFill>
+                      <a:schemeClr val="bg1">
+                        <a:lumMod val="75000"/>
+                      </a:schemeClr>
+                    </a:solidFill>
+                  </a:tcPr>
                 </a:tc>
                 <a:tc>
                   <a:txBody>
                     <a:bodyPr/>
                     <a:lstStyle/>
                     <a:p>
-                      <a:pPr algn="ctr" fontAlgn="ctr"/>
+                      <a:pPr algn="l" fontAlgn="ctr"/>
                       <a:r>
-                        <a:rPr lang="ko-KR" altLang="en-US" sz="1000" u="none" strike="noStrike" dirty="0">
+                        <a:rPr lang="ko-KR" altLang="en-US" sz="1100" u="none" strike="noStrike" dirty="0">
                           <a:effectLst/>
                         </a:rPr>
-                        <a:t>결과</a:t>
+                        <a:t>전력질주 및 태클 상태</a:t>
                       </a:r>
-                      <a:endParaRPr lang="ko-KR" altLang="en-US" sz="1000" b="0" i="0" u="none" strike="noStrike" dirty="0">
+                      <a:endParaRPr lang="ko-KR" altLang="en-US" sz="1100" b="0" i="0" u="none" strike="noStrike" dirty="0">
                         <a:solidFill>
                           <a:srgbClr val="000000"/>
                         </a:solidFill>
@@ -5022,62 +5230,27 @@
                       </a:endParaRPr>
                     </a:p>
                   </a:txBody>
-                  <a:tcPr marL="8898" marR="8898" marT="8898" marB="0" anchor="ctr"/>
+                  <a:tcPr marL="9525" marR="9525" marT="9525" marB="0" anchor="ctr">
+                    <a:solidFill>
+                      <a:schemeClr val="bg1">
+                        <a:lumMod val="95000"/>
+                      </a:schemeClr>
+                    </a:solidFill>
+                  </a:tcPr>
                 </a:tc>
                 <a:tc>
                   <a:txBody>
                     <a:bodyPr/>
                     <a:lstStyle/>
                     <a:p>
-                      <a:pPr algn="l" fontAlgn="ctr"/>
+                      <a:pPr algn="ctr" fontAlgn="ctr"/>
                       <a:r>
-                        <a:rPr lang="ko-KR" altLang="en-US" sz="1000" u="none" strike="noStrike" dirty="0">
-                          <a:effectLst/>
-                        </a:rPr>
-                        <a:t>완료</a:t>
-                      </a:r>
-                      <a:r>
-                        <a:rPr lang="en-US" altLang="ko-KR" sz="1000" u="none" strike="noStrike" dirty="0">
-                          <a:effectLst/>
-                        </a:rPr>
-                        <a:t>: </a:t>
-                      </a:r>
-                      <a:r>
-                        <a:rPr lang="ko-KR" altLang="en-US" sz="1000" u="none" strike="noStrike" dirty="0">
-                          <a:effectLst/>
-                        </a:rPr>
-                        <a:t>플레이어가 공을 잡은 상대 선수를 잡음</a:t>
-                      </a:r>
-                      <a:br>
-                        <a:rPr lang="ko-KR" altLang="en-US" sz="1000" u="none" strike="noStrike" dirty="0">
-                          <a:effectLst/>
-                        </a:rPr>
-                      </a:br>
-                      <a:r>
-                        <a:rPr lang="ko-KR" altLang="en-US" sz="1000" u="none" strike="noStrike" dirty="0" err="1">
+                        <a:rPr lang="ko-KR" altLang="en-US" sz="1100" u="none" strike="noStrike" dirty="0">
                           <a:effectLst/>
                         </a:rPr>
                         <a:t>미구현</a:t>
                       </a:r>
-                      <a:r>
-                        <a:rPr lang="en-US" altLang="ko-KR" sz="1000" u="none" strike="noStrike" dirty="0">
-                          <a:effectLst/>
-                        </a:rPr>
-                        <a:t>: </a:t>
-                      </a:r>
-                      <a:r>
-                        <a:rPr lang="ko-KR" altLang="en-US" sz="1000" u="none" strike="noStrike" dirty="0" err="1">
-                          <a:effectLst/>
-                        </a:rPr>
-                        <a:t>태클시</a:t>
-                      </a:r>
-                      <a:r>
-                        <a:rPr lang="ko-KR" altLang="en-US" sz="1000" u="none" strike="noStrike" dirty="0">
-                          <a:effectLst/>
-                        </a:rPr>
-                        <a:t> 충돌</a:t>
-                      </a:r>
-                      <a:endParaRPr lang="ko-KR" altLang="en-US" sz="1000" b="0" i="0" u="none" strike="noStrike" dirty="0">
+                      <a:endParaRPr lang="ko-KR" altLang="en-US" sz="1100" b="0" i="0" u="none" strike="noStrike" dirty="0">
                         <a:solidFill>
                           <a:srgbClr val="000000"/>
                         </a:solidFill>
@@ -5087,39 +5260,27 @@
                       </a:endParaRPr>
                     </a:p>
                   </a:txBody>
-                  <a:tcPr marL="8898" marR="8898" marT="8898" marB="0" anchor="ctr"/>
-                </a:tc>
-                <a:tc vMerge="1">
-                  <a:txBody>
-                    <a:bodyPr/>
-                    <a:lstStyle/>
-                    <a:p>
-                      <a:pPr latinLnBrk="1"/>
-                      <a:endParaRPr lang="ko-KR" altLang="en-US"/>
-                    </a:p>
-                  </a:txBody>
-                  <a:tcPr/>
-                </a:tc>
-                <a:extLst>
-                  <a:ext uri="{0D108BD9-81ED-4DB2-BD59-A6C34878D82A}">
-                    <a16:rowId xmlns:a16="http://schemas.microsoft.com/office/drawing/2014/main" val="2962640913"/>
-                  </a:ext>
-                </a:extLst>
-              </a:tr>
-              <a:tr h="266788">
-                <a:tc rowSpan="2">
-                  <a:txBody>
-                    <a:bodyPr/>
-                    <a:lstStyle/>
-                    <a:p>
-                      <a:pPr algn="ctr" fontAlgn="ctr"/>
+                  <a:tcPr marL="9525" marR="9525" marT="9525" marB="0" anchor="ctr">
+                    <a:solidFill>
+                      <a:schemeClr val="bg1">
+                        <a:lumMod val="75000"/>
+                      </a:schemeClr>
+                    </a:solidFill>
+                  </a:tcPr>
+                </a:tc>
+                <a:tc>
+                  <a:txBody>
+                    <a:bodyPr/>
+                    <a:lstStyle/>
+                    <a:p>
+                      <a:pPr algn="l" fontAlgn="ctr"/>
                       <a:r>
-                        <a:rPr lang="en-US" altLang="ko-KR" sz="1000" u="none" strike="noStrike" dirty="0">
+                        <a:rPr lang="ko-KR" altLang="en-US" sz="1100" u="none" strike="noStrike" dirty="0">
                           <a:effectLst/>
                         </a:rPr>
-                        <a:t>5</a:t>
+                        <a:t>넘어짐 상태</a:t>
                       </a:r>
-                      <a:endParaRPr lang="en-US" altLang="ko-KR" sz="1000" b="0" i="0" u="none" strike="noStrike" dirty="0">
+                      <a:endParaRPr lang="ko-KR" altLang="en-US" sz="1100" b="0" i="0" u="none" strike="noStrike" dirty="0">
                         <a:solidFill>
                           <a:srgbClr val="000000"/>
                         </a:solidFill>
@@ -5129,21 +5290,45 @@
                       </a:endParaRPr>
                     </a:p>
                   </a:txBody>
-                  <a:tcPr marL="8898" marR="8898" marT="8898" marB="0" anchor="ctr"/>
-                </a:tc>
-                <a:tc>
+                  <a:tcPr marL="9525" marR="9525" marT="9525" marB="0" anchor="ctr">
+                    <a:solidFill>
+                      <a:schemeClr val="bg1">
+                        <a:lumMod val="95000"/>
+                      </a:schemeClr>
+                    </a:solidFill>
+                  </a:tcPr>
+                </a:tc>
+                <a:tc vMerge="1">
+                  <a:txBody>
+                    <a:bodyPr/>
+                    <a:lstStyle/>
+                    <a:p>
+                      <a:pPr latinLnBrk="1"/>
+                      <a:endParaRPr lang="ko-KR" altLang="en-US"/>
+                    </a:p>
+                  </a:txBody>
+                  <a:tcPr/>
+                </a:tc>
+                <a:extLst>
+                  <a:ext uri="{0D108BD9-81ED-4DB2-BD59-A6C34878D82A}">
+                    <a16:rowId xmlns:a16="http://schemas.microsoft.com/office/drawing/2014/main" val="1942482965"/>
+                  </a:ext>
+                </a:extLst>
+              </a:tr>
+              <a:tr h="264195">
+                <a:tc rowSpan="2">
                   <a:txBody>
                     <a:bodyPr/>
                     <a:lstStyle/>
                     <a:p>
                       <a:pPr algn="ctr" fontAlgn="ctr"/>
                       <a:r>
-                        <a:rPr lang="ko-KR" altLang="en-US" sz="1000" u="none" strike="noStrike" dirty="0">
+                        <a:rPr lang="en-US" altLang="ko-KR" sz="1100" u="none" strike="noStrike" dirty="0">
                           <a:effectLst/>
                         </a:rPr>
-                        <a:t>계획</a:t>
+                        <a:t>4</a:t>
                       </a:r>
-                      <a:endParaRPr lang="ko-KR" altLang="en-US" sz="1000" b="0" i="0" u="none" strike="noStrike" dirty="0">
+                      <a:endParaRPr lang="en-US" altLang="ko-KR" sz="1100" b="0" i="0" u="none" strike="noStrike" dirty="0">
                         <a:solidFill>
                           <a:srgbClr val="000000"/>
                         </a:solidFill>
@@ -5153,27 +5338,27 @@
                       </a:endParaRPr>
                     </a:p>
                   </a:txBody>
-                  <a:tcPr marL="8898" marR="8898" marT="8898" marB="0" anchor="ctr"/>
+                  <a:tcPr marL="9525" marR="9525" marT="9525" marB="0" anchor="ctr">
+                    <a:solidFill>
+                      <a:schemeClr val="bg1">
+                        <a:lumMod val="95000"/>
+                      </a:schemeClr>
+                    </a:solidFill>
+                  </a:tcPr>
                 </a:tc>
                 <a:tc>
                   <a:txBody>
                     <a:bodyPr/>
                     <a:lstStyle/>
                     <a:p>
-                      <a:pPr algn="l" fontAlgn="ctr"/>
+                      <a:pPr algn="ctr" fontAlgn="ctr"/>
                       <a:r>
-                        <a:rPr lang="ko-KR" altLang="en-US" sz="1000" u="none" strike="noStrike" dirty="0">
+                        <a:rPr lang="ko-KR" altLang="en-US" sz="1100" u="none" strike="noStrike" dirty="0">
                           <a:effectLst/>
                         </a:rPr>
-                        <a:t>선수들의 인공지능 강화</a:t>
+                        <a:t>계획</a:t>
                       </a:r>
-                      <a:r>
-                        <a:rPr lang="en-US" altLang="ko-KR" sz="1000" u="none" strike="noStrike" dirty="0">
-                          <a:effectLst/>
-                        </a:rPr>
-                        <a:t>1</a:t>
-                      </a:r>
-                      <a:endParaRPr lang="en-US" altLang="ko-KR" sz="1000" b="0" i="0" u="none" strike="noStrike" dirty="0">
+                      <a:endParaRPr lang="ko-KR" altLang="en-US" sz="1100" b="0" i="0" u="none" strike="noStrike" dirty="0">
                         <a:solidFill>
                           <a:srgbClr val="000000"/>
                         </a:solidFill>
@@ -5183,15 +5368,33 @@
                       </a:endParaRPr>
                     </a:p>
                   </a:txBody>
-                  <a:tcPr marL="8898" marR="8898" marT="8898" marB="0" anchor="ctr"/>
-                </a:tc>
-                <a:tc rowSpan="2">
-                  <a:txBody>
-                    <a:bodyPr/>
-                    <a:lstStyle/>
-                    <a:p>
-                      <a:pPr algn="ctr" fontAlgn="ctr"/>
-                      <a:endParaRPr lang="ko-KR" altLang="en-US" sz="1000" b="0" i="0" u="none" strike="noStrike">
+                  <a:tcPr marL="9525" marR="9525" marT="9525" marB="0" anchor="ctr">
+                    <a:solidFill>
+                      <a:schemeClr val="bg1">
+                        <a:lumMod val="85000"/>
+                      </a:schemeClr>
+                    </a:solidFill>
+                  </a:tcPr>
+                </a:tc>
+                <a:tc gridSpan="3">
+                  <a:txBody>
+                    <a:bodyPr/>
+                    <a:lstStyle/>
+                    <a:p>
+                      <a:pPr algn="l" fontAlgn="ctr"/>
+                      <a:r>
+                        <a:rPr lang="ko-KR" altLang="en-US" sz="1100" u="none" strike="noStrike" dirty="0">
+                          <a:effectLst/>
+                        </a:rPr>
+                        <a:t>캐릭터간의 상호작용</a:t>
+                      </a:r>
+                      <a:r>
+                        <a:rPr lang="en-US" altLang="ko-KR" sz="1100" u="none" strike="noStrike" dirty="0">
+                          <a:effectLst/>
+                        </a:rPr>
+                        <a:t>1</a:t>
+                      </a:r>
+                      <a:endParaRPr lang="en-US" altLang="ko-KR" sz="1100" b="0" i="0" u="none" strike="noStrike" dirty="0">
                         <a:solidFill>
                           <a:srgbClr val="000000"/>
                         </a:solidFill>
@@ -5201,16 +5404,15 @@
                       </a:endParaRPr>
                     </a:p>
                   </a:txBody>
-                  <a:tcPr marL="8898" marR="8898" marT="8898" marB="0" anchor="ctr"/>
-                </a:tc>
-                <a:extLst>
-                  <a:ext uri="{0D108BD9-81ED-4DB2-BD59-A6C34878D82A}">
-                    <a16:rowId xmlns:a16="http://schemas.microsoft.com/office/drawing/2014/main" val="2471988242"/>
-                  </a:ext>
-                </a:extLst>
-              </a:tr>
-              <a:tr h="266788">
-                <a:tc vMerge="1">
+                  <a:tcPr marL="9525" marR="9525" marT="9525" marB="0" anchor="ctr">
+                    <a:solidFill>
+                      <a:schemeClr val="bg1">
+                        <a:lumMod val="85000"/>
+                      </a:schemeClr>
+                    </a:solidFill>
+                  </a:tcPr>
+                </a:tc>
+                <a:tc hMerge="1">
                   <a:txBody>
                     <a:bodyPr/>
                     <a:lstStyle/>
@@ -5221,13 +5423,30 @@
                   </a:txBody>
                   <a:tcPr/>
                 </a:tc>
-                <a:tc>
+                <a:tc hMerge="1">
+                  <a:txBody>
+                    <a:bodyPr/>
+                    <a:lstStyle/>
+                    <a:p>
+                      <a:pPr latinLnBrk="1"/>
+                      <a:endParaRPr lang="ko-KR" altLang="en-US"/>
+                    </a:p>
+                  </a:txBody>
+                  <a:tcPr/>
+                </a:tc>
+                <a:tc rowSpan="2">
                   <a:txBody>
                     <a:bodyPr/>
                     <a:lstStyle/>
                     <a:p>
                       <a:pPr algn="ctr" fontAlgn="ctr"/>
-                      <a:endParaRPr lang="ko-KR" altLang="en-US" sz="1000" b="0" i="0" u="none" strike="noStrike" dirty="0">
+                      <a:r>
+                        <a:rPr lang="en-US" altLang="ko-KR" sz="1100" u="none" strike="noStrike" dirty="0">
+                          <a:effectLst/>
+                        </a:rPr>
+                        <a:t>50%</a:t>
+                      </a:r>
+                      <a:endParaRPr lang="en-US" altLang="ko-KR" sz="1100" b="0" i="0" u="none" strike="noStrike" dirty="0">
                         <a:solidFill>
                           <a:srgbClr val="000000"/>
                         </a:solidFill>
@@ -5237,15 +5456,45 @@
                       </a:endParaRPr>
                     </a:p>
                   </a:txBody>
-                  <a:tcPr marL="8898" marR="8898" marT="8898" marB="0" anchor="ctr"/>
+                  <a:tcPr marL="9525" marR="9525" marT="9525" marB="0" anchor="ctr">
+                    <a:solidFill>
+                      <a:schemeClr val="bg1">
+                        <a:lumMod val="95000"/>
+                      </a:schemeClr>
+                    </a:solidFill>
+                  </a:tcPr>
+                </a:tc>
+                <a:extLst>
+                  <a:ext uri="{0D108BD9-81ED-4DB2-BD59-A6C34878D82A}">
+                    <a16:rowId xmlns:a16="http://schemas.microsoft.com/office/drawing/2014/main" val="3161859072"/>
+                  </a:ext>
+                </a:extLst>
+              </a:tr>
+              <a:tr h="264195">
+                <a:tc vMerge="1">
+                  <a:txBody>
+                    <a:bodyPr/>
+                    <a:lstStyle/>
+                    <a:p>
+                      <a:pPr latinLnBrk="1"/>
+                      <a:endParaRPr lang="ko-KR" altLang="en-US"/>
+                    </a:p>
+                  </a:txBody>
+                  <a:tcPr/>
                 </a:tc>
                 <a:tc>
                   <a:txBody>
                     <a:bodyPr/>
                     <a:lstStyle/>
                     <a:p>
-                      <a:pPr algn="l" fontAlgn="ctr"/>
-                      <a:endParaRPr lang="ko-KR" altLang="en-US" sz="1000" b="0" i="0" u="none" strike="noStrike">
+                      <a:pPr algn="ctr" fontAlgn="ctr"/>
+                      <a:r>
+                        <a:rPr lang="ko-KR" altLang="en-US" sz="1100" u="none" strike="noStrike" dirty="0">
+                          <a:effectLst/>
+                        </a:rPr>
+                        <a:t>완료</a:t>
+                      </a:r>
+                      <a:endParaRPr lang="ko-KR" altLang="en-US" sz="1100" b="0" i="0" u="none" strike="noStrike" dirty="0">
                         <a:solidFill>
                           <a:srgbClr val="000000"/>
                         </a:solidFill>
@@ -5255,39 +5504,39 @@
                       </a:endParaRPr>
                     </a:p>
                   </a:txBody>
-                  <a:tcPr marL="8898" marR="8898" marT="8898" marB="0" anchor="ctr"/>
-                </a:tc>
-                <a:tc vMerge="1">
-                  <a:txBody>
-                    <a:bodyPr/>
-                    <a:lstStyle/>
-                    <a:p>
-                      <a:pPr latinLnBrk="1"/>
-                      <a:endParaRPr lang="ko-KR" altLang="en-US"/>
-                    </a:p>
-                  </a:txBody>
-                  <a:tcPr/>
-                </a:tc>
-                <a:extLst>
-                  <a:ext uri="{0D108BD9-81ED-4DB2-BD59-A6C34878D82A}">
-                    <a16:rowId xmlns:a16="http://schemas.microsoft.com/office/drawing/2014/main" val="3592735530"/>
-                  </a:ext>
-                </a:extLst>
-              </a:tr>
-              <a:tr h="266788">
-                <a:tc rowSpan="2">
-                  <a:txBody>
-                    <a:bodyPr/>
-                    <a:lstStyle/>
-                    <a:p>
-                      <a:pPr algn="ctr" fontAlgn="ctr"/>
+                  <a:tcPr marL="9525" marR="9525" marT="9525" marB="0" anchor="ctr">
+                    <a:solidFill>
+                      <a:schemeClr val="bg1">
+                        <a:lumMod val="75000"/>
+                      </a:schemeClr>
+                    </a:solidFill>
+                  </a:tcPr>
+                </a:tc>
+                <a:tc>
+                  <a:txBody>
+                    <a:bodyPr/>
+                    <a:lstStyle/>
+                    <a:p>
+                      <a:pPr algn="l" fontAlgn="ctr"/>
                       <a:r>
-                        <a:rPr lang="en-US" altLang="ko-KR" sz="1000" u="none" strike="noStrike" dirty="0">
+                        <a:rPr lang="ko-KR" altLang="en-US" sz="1100" u="none" strike="noStrike" dirty="0">
                           <a:effectLst/>
                         </a:rPr>
-                        <a:t>6</a:t>
+                        <a:t>완료</a:t>
                       </a:r>
-                      <a:endParaRPr lang="en-US" altLang="ko-KR" sz="1000" b="0" i="0" u="none" strike="noStrike" dirty="0">
+                      <a:r>
+                        <a:rPr lang="en-US" altLang="ko-KR" sz="1100" u="none" strike="noStrike" dirty="0">
+                          <a:effectLst/>
+                        </a:rPr>
+                        <a:t>: </a:t>
+                      </a:r>
+                      <a:r>
+                        <a:rPr lang="ko-KR" altLang="en-US" sz="1100" u="none" strike="noStrike" dirty="0">
+                          <a:effectLst/>
+                        </a:rPr>
+                        <a:t>플레이어가 공을 잡은 상대 선수를 잡음</a:t>
+                      </a:r>
+                      <a:endParaRPr lang="ko-KR" altLang="en-US" sz="1100" b="0" i="0" u="none" strike="noStrike" dirty="0">
                         <a:solidFill>
                           <a:srgbClr val="000000"/>
                         </a:solidFill>
@@ -5297,7 +5546,13 @@
                       </a:endParaRPr>
                     </a:p>
                   </a:txBody>
-                  <a:tcPr marL="8898" marR="8898" marT="8898" marB="0" anchor="ctr"/>
+                  <a:tcPr marL="9525" marR="9525" marT="9525" marB="0" anchor="ctr">
+                    <a:solidFill>
+                      <a:schemeClr val="bg1">
+                        <a:lumMod val="95000"/>
+                      </a:schemeClr>
+                    </a:solidFill>
+                  </a:tcPr>
                 </a:tc>
                 <a:tc>
                   <a:txBody>
@@ -5306,12 +5561,12 @@
                     <a:p>
                       <a:pPr algn="ctr" fontAlgn="ctr"/>
                       <a:r>
-                        <a:rPr lang="ko-KR" altLang="en-US" sz="1000" u="none" strike="noStrike" dirty="0">
+                        <a:rPr lang="ko-KR" altLang="en-US" sz="1100" u="none" strike="noStrike" dirty="0">
                           <a:effectLst/>
                         </a:rPr>
-                        <a:t>계획</a:t>
+                        <a:t>미구현</a:t>
                       </a:r>
-                      <a:endParaRPr lang="ko-KR" altLang="en-US" sz="1000" b="0" i="0" u="none" strike="noStrike" dirty="0">
+                      <a:endParaRPr lang="ko-KR" altLang="en-US" sz="1100" b="0" i="0" u="none" strike="noStrike" dirty="0">
                         <a:solidFill>
                           <a:srgbClr val="000000"/>
                         </a:solidFill>
@@ -5321,7 +5576,13 @@
                       </a:endParaRPr>
                     </a:p>
                   </a:txBody>
-                  <a:tcPr marL="8898" marR="8898" marT="8898" marB="0" anchor="ctr"/>
+                  <a:tcPr marL="9525" marR="9525" marT="9525" marB="0" anchor="ctr">
+                    <a:solidFill>
+                      <a:schemeClr val="bg1">
+                        <a:lumMod val="75000"/>
+                      </a:schemeClr>
+                    </a:solidFill>
+                  </a:tcPr>
                 </a:tc>
                 <a:tc>
                   <a:txBody>
@@ -5330,24 +5591,12 @@
                     <a:p>
                       <a:pPr algn="l" fontAlgn="ctr"/>
                       <a:r>
-                        <a:rPr lang="ko-KR" altLang="en-US" sz="1000" u="none" strike="noStrike" dirty="0">
+                        <a:rPr lang="ko-KR" altLang="en-US" sz="1100" u="none" strike="noStrike" dirty="0">
                           <a:effectLst/>
                         </a:rPr>
-                        <a:t>캐릭터 간의 상호작용</a:t>
+                        <a:t>태클시 충돌</a:t>
                       </a:r>
-                      <a:r>
-                        <a:rPr lang="en-US" altLang="ko-KR" sz="1000" u="none" strike="noStrike" dirty="0">
-                          <a:effectLst/>
-                        </a:rPr>
-                        <a:t>2, </a:t>
-                      </a:r>
-                      <a:r>
-                        <a:rPr lang="ko-KR" altLang="en-US" sz="1000" u="none" strike="noStrike" dirty="0">
-                          <a:effectLst/>
-                        </a:rPr>
-                        <a:t>점수와 승패여부 처리</a:t>
-                      </a:r>
-                      <a:endParaRPr lang="ko-KR" altLang="en-US" sz="1000" b="0" i="0" u="none" strike="noStrike" dirty="0">
+                      <a:endParaRPr lang="ko-KR" altLang="en-US" sz="1100" b="0" i="0" u="none" strike="noStrike" dirty="0">
                         <a:solidFill>
                           <a:srgbClr val="000000"/>
                         </a:solidFill>
@@ -5357,15 +5606,45 @@
                       </a:endParaRPr>
                     </a:p>
                   </a:txBody>
-                  <a:tcPr marL="8898" marR="8898" marT="8898" marB="0" anchor="ctr"/>
-                </a:tc>
+                  <a:tcPr marL="9525" marR="9525" marT="9525" marB="0" anchor="ctr">
+                    <a:solidFill>
+                      <a:schemeClr val="bg1">
+                        <a:lumMod val="95000"/>
+                      </a:schemeClr>
+                    </a:solidFill>
+                  </a:tcPr>
+                </a:tc>
+                <a:tc vMerge="1">
+                  <a:txBody>
+                    <a:bodyPr/>
+                    <a:lstStyle/>
+                    <a:p>
+                      <a:pPr latinLnBrk="1"/>
+                      <a:endParaRPr lang="ko-KR" altLang="en-US"/>
+                    </a:p>
+                  </a:txBody>
+                  <a:tcPr/>
+                </a:tc>
+                <a:extLst>
+                  <a:ext uri="{0D108BD9-81ED-4DB2-BD59-A6C34878D82A}">
+                    <a16:rowId xmlns:a16="http://schemas.microsoft.com/office/drawing/2014/main" val="1399416464"/>
+                  </a:ext>
+                </a:extLst>
+              </a:tr>
+              <a:tr h="264195">
                 <a:tc rowSpan="2">
                   <a:txBody>
                     <a:bodyPr/>
                     <a:lstStyle/>
                     <a:p>
                       <a:pPr algn="ctr" fontAlgn="ctr"/>
-                      <a:endParaRPr lang="ko-KR" altLang="en-US" sz="1000" b="0" i="0" u="none" strike="noStrike">
+                      <a:r>
+                        <a:rPr lang="en-US" altLang="ko-KR" sz="1100" u="none" strike="noStrike" dirty="0">
+                          <a:effectLst/>
+                        </a:rPr>
+                        <a:t>5</a:t>
+                      </a:r>
+                      <a:endParaRPr lang="en-US" altLang="ko-KR" sz="1100" b="0" i="0" u="none" strike="noStrike" dirty="0">
                         <a:solidFill>
                           <a:srgbClr val="000000"/>
                         </a:solidFill>
@@ -5375,25 +5654,13 @@
                       </a:endParaRPr>
                     </a:p>
                   </a:txBody>
-                  <a:tcPr marL="8898" marR="8898" marT="8898" marB="0" anchor="ctr"/>
-                </a:tc>
-                <a:extLst>
-                  <a:ext uri="{0D108BD9-81ED-4DB2-BD59-A6C34878D82A}">
-                    <a16:rowId xmlns:a16="http://schemas.microsoft.com/office/drawing/2014/main" val="1712393641"/>
-                  </a:ext>
-                </a:extLst>
-              </a:tr>
-              <a:tr h="266788">
-                <a:tc vMerge="1">
-                  <a:txBody>
-                    <a:bodyPr/>
-                    <a:lstStyle/>
-                    <a:p>
-                      <a:pPr latinLnBrk="1"/>
-                      <a:endParaRPr lang="ko-KR" altLang="en-US"/>
-                    </a:p>
-                  </a:txBody>
-                  <a:tcPr/>
+                  <a:tcPr marL="9525" marR="9525" marT="9525" marB="0" anchor="ctr">
+                    <a:solidFill>
+                      <a:schemeClr val="bg1">
+                        <a:lumMod val="95000"/>
+                      </a:schemeClr>
+                    </a:solidFill>
+                  </a:tcPr>
                 </a:tc>
                 <a:tc>
                   <a:txBody>
@@ -5401,7 +5668,13 @@
                     <a:lstStyle/>
                     <a:p>
                       <a:pPr algn="ctr" fontAlgn="ctr"/>
-                      <a:endParaRPr lang="ko-KR" altLang="en-US" sz="1000" b="0" i="0" u="none" strike="noStrike" dirty="0">
+                      <a:r>
+                        <a:rPr lang="ko-KR" altLang="en-US" sz="1100" u="none" strike="noStrike" dirty="0">
+                          <a:effectLst/>
+                        </a:rPr>
+                        <a:t>계획</a:t>
+                      </a:r>
+                      <a:endParaRPr lang="ko-KR" altLang="en-US" sz="1100" b="0" i="0" u="none" strike="noStrike" dirty="0">
                         <a:solidFill>
                           <a:srgbClr val="000000"/>
                         </a:solidFill>
@@ -5411,15 +5684,33 @@
                       </a:endParaRPr>
                     </a:p>
                   </a:txBody>
-                  <a:tcPr marL="8898" marR="8898" marT="8898" marB="0" anchor="ctr"/>
-                </a:tc>
-                <a:tc>
+                  <a:tcPr marL="9525" marR="9525" marT="9525" marB="0" anchor="ctr">
+                    <a:solidFill>
+                      <a:schemeClr val="bg1">
+                        <a:lumMod val="85000"/>
+                      </a:schemeClr>
+                    </a:solidFill>
+                  </a:tcPr>
+                </a:tc>
+                <a:tc gridSpan="3">
                   <a:txBody>
                     <a:bodyPr/>
                     <a:lstStyle/>
                     <a:p>
                       <a:pPr algn="l" fontAlgn="ctr"/>
-                      <a:endParaRPr lang="ko-KR" altLang="en-US" sz="1000" b="0" i="0" u="none" strike="noStrike" dirty="0">
+                      <a:r>
+                        <a:rPr lang="ko-KR" altLang="en-US" sz="1100" u="none" strike="noStrike" dirty="0">
+                          <a:effectLst/>
+                        </a:rPr>
+                        <a:t>선수들의 인공지능 강화</a:t>
+                      </a:r>
+                      <a:r>
+                        <a:rPr lang="en-US" altLang="ko-KR" sz="1100" u="none" strike="noStrike" dirty="0">
+                          <a:effectLst/>
+                        </a:rPr>
+                        <a:t>1</a:t>
+                      </a:r>
+                      <a:endParaRPr lang="en-US" altLang="ko-KR" sz="1100" b="0" i="0" u="none" strike="noStrike" dirty="0">
                         <a:solidFill>
                           <a:srgbClr val="000000"/>
                         </a:solidFill>
@@ -5429,9 +5720,15 @@
                       </a:endParaRPr>
                     </a:p>
                   </a:txBody>
-                  <a:tcPr marL="8898" marR="8898" marT="8898" marB="0" anchor="ctr"/>
-                </a:tc>
-                <a:tc vMerge="1">
+                  <a:tcPr marL="9525" marR="9525" marT="9525" marB="0" anchor="ctr">
+                    <a:solidFill>
+                      <a:schemeClr val="bg1">
+                        <a:lumMod val="85000"/>
+                      </a:schemeClr>
+                    </a:solidFill>
+                  </a:tcPr>
+                </a:tc>
+                <a:tc hMerge="1">
                   <a:txBody>
                     <a:bodyPr/>
                     <a:lstStyle/>
@@ -5442,26 +5739,24 @@
                   </a:txBody>
                   <a:tcPr/>
                 </a:tc>
-                <a:extLst>
-                  <a:ext uri="{0D108BD9-81ED-4DB2-BD59-A6C34878D82A}">
-                    <a16:rowId xmlns:a16="http://schemas.microsoft.com/office/drawing/2014/main" val="278313894"/>
-                  </a:ext>
-                </a:extLst>
-              </a:tr>
-              <a:tr h="266788">
+                <a:tc hMerge="1">
+                  <a:txBody>
+                    <a:bodyPr/>
+                    <a:lstStyle/>
+                    <a:p>
+                      <a:pPr latinLnBrk="1"/>
+                      <a:endParaRPr lang="ko-KR" altLang="en-US"/>
+                    </a:p>
+                  </a:txBody>
+                  <a:tcPr/>
+                </a:tc>
                 <a:tc rowSpan="2">
                   <a:txBody>
                     <a:bodyPr/>
                     <a:lstStyle/>
                     <a:p>
                       <a:pPr algn="ctr" fontAlgn="ctr"/>
-                      <a:r>
-                        <a:rPr lang="en-US" altLang="ko-KR" sz="1000" u="none" strike="noStrike" dirty="0">
-                          <a:effectLst/>
-                        </a:rPr>
-                        <a:t>7</a:t>
-                      </a:r>
-                      <a:endParaRPr lang="en-US" altLang="ko-KR" sz="1000" b="0" i="0" u="none" strike="noStrike" dirty="0">
+                      <a:endParaRPr lang="ko-KR" altLang="en-US" sz="1100" b="0" i="0" u="none" strike="noStrike" dirty="0">
                         <a:solidFill>
                           <a:srgbClr val="000000"/>
                         </a:solidFill>
@@ -5471,7 +5766,31 @@
                       </a:endParaRPr>
                     </a:p>
                   </a:txBody>
-                  <a:tcPr marL="8898" marR="8898" marT="8898" marB="0" anchor="ctr"/>
+                  <a:tcPr marL="9525" marR="9525" marT="9525" marB="0" anchor="ctr">
+                    <a:solidFill>
+                      <a:schemeClr val="bg1">
+                        <a:lumMod val="95000"/>
+                      </a:schemeClr>
+                    </a:solidFill>
+                  </a:tcPr>
+                </a:tc>
+                <a:extLst>
+                  <a:ext uri="{0D108BD9-81ED-4DB2-BD59-A6C34878D82A}">
+                    <a16:rowId xmlns:a16="http://schemas.microsoft.com/office/drawing/2014/main" val="3123218108"/>
+                  </a:ext>
+                </a:extLst>
+              </a:tr>
+              <a:tr h="264195">
+                <a:tc vMerge="1">
+                  <a:txBody>
+                    <a:bodyPr/>
+                    <a:lstStyle/>
+                    <a:p>
+                      <a:pPr latinLnBrk="1"/>
+                      <a:endParaRPr lang="ko-KR" altLang="en-US"/>
+                    </a:p>
+                  </a:txBody>
+                  <a:tcPr/>
                 </a:tc>
                 <a:tc>
                   <a:txBody>
@@ -5479,13 +5798,7 @@
                     <a:lstStyle/>
                     <a:p>
                       <a:pPr algn="ctr" fontAlgn="ctr"/>
-                      <a:r>
-                        <a:rPr lang="ko-KR" altLang="en-US" sz="1000" u="none" strike="noStrike" dirty="0">
-                          <a:effectLst/>
-                        </a:rPr>
-                        <a:t>계획</a:t>
-                      </a:r>
-                      <a:endParaRPr lang="ko-KR" altLang="en-US" sz="1000" b="0" i="0" u="none" strike="noStrike" dirty="0">
+                      <a:endParaRPr lang="ko-KR" altLang="en-US" sz="1100" b="0" i="0" u="none" strike="noStrike" dirty="0">
                         <a:solidFill>
                           <a:srgbClr val="000000"/>
                         </a:solidFill>
@@ -5495,7 +5808,13 @@
                       </a:endParaRPr>
                     </a:p>
                   </a:txBody>
-                  <a:tcPr marL="8898" marR="8898" marT="8898" marB="0" anchor="ctr"/>
+                  <a:tcPr marL="9525" marR="9525" marT="9525" marB="0" anchor="ctr">
+                    <a:solidFill>
+                      <a:schemeClr val="bg1">
+                        <a:lumMod val="95000"/>
+                      </a:schemeClr>
+                    </a:solidFill>
+                  </a:tcPr>
                 </a:tc>
                 <a:tc>
                   <a:txBody>
@@ -5503,19 +5822,7 @@
                     <a:lstStyle/>
                     <a:p>
                       <a:pPr algn="l" fontAlgn="ctr"/>
-                      <a:r>
-                        <a:rPr lang="ko-KR" altLang="en-US" sz="1000" u="none" strike="noStrike" dirty="0">
-                          <a:effectLst/>
-                        </a:rPr>
-                        <a:t>선수들의 인공지능 강화</a:t>
-                      </a:r>
-                      <a:r>
-                        <a:rPr lang="en-US" altLang="ko-KR" sz="1000" u="none" strike="noStrike" dirty="0">
-                          <a:effectLst/>
-                        </a:rPr>
-                        <a:t>2</a:t>
-                      </a:r>
-                      <a:endParaRPr lang="en-US" altLang="ko-KR" sz="1000" b="0" i="0" u="none" strike="noStrike" dirty="0">
+                      <a:endParaRPr lang="ko-KR" altLang="en-US" sz="1100" b="0" i="0" u="none" strike="noStrike" dirty="0">
                         <a:solidFill>
                           <a:srgbClr val="000000"/>
                         </a:solidFill>
@@ -5525,15 +5832,21 @@
                       </a:endParaRPr>
                     </a:p>
                   </a:txBody>
-                  <a:tcPr marL="8898" marR="8898" marT="8898" marB="0" anchor="ctr"/>
-                </a:tc>
-                <a:tc rowSpan="2">
-                  <a:txBody>
-                    <a:bodyPr/>
-                    <a:lstStyle/>
-                    <a:p>
-                      <a:pPr algn="ctr" fontAlgn="ctr"/>
-                      <a:endParaRPr lang="ko-KR" altLang="en-US" sz="1000" b="0" i="0" u="none" strike="noStrike">
+                  <a:tcPr marL="9525" marR="9525" marT="9525" marB="0" anchor="ctr">
+                    <a:solidFill>
+                      <a:schemeClr val="bg1">
+                        <a:lumMod val="95000"/>
+                      </a:schemeClr>
+                    </a:solidFill>
+                  </a:tcPr>
+                </a:tc>
+                <a:tc>
+                  <a:txBody>
+                    <a:bodyPr/>
+                    <a:lstStyle/>
+                    <a:p>
+                      <a:pPr algn="l" fontAlgn="ctr"/>
+                      <a:endParaRPr lang="ko-KR" altLang="en-US" sz="1100" b="0" i="0" u="none" strike="noStrike" dirty="0">
                         <a:solidFill>
                           <a:srgbClr val="000000"/>
                         </a:solidFill>
@@ -5543,33 +5856,21 @@
                       </a:endParaRPr>
                     </a:p>
                   </a:txBody>
-                  <a:tcPr marL="8898" marR="8898" marT="8898" marB="0" anchor="ctr"/>
-                </a:tc>
-                <a:extLst>
-                  <a:ext uri="{0D108BD9-81ED-4DB2-BD59-A6C34878D82A}">
-                    <a16:rowId xmlns:a16="http://schemas.microsoft.com/office/drawing/2014/main" val="829574099"/>
-                  </a:ext>
-                </a:extLst>
-              </a:tr>
-              <a:tr h="266788">
-                <a:tc vMerge="1">
-                  <a:txBody>
-                    <a:bodyPr/>
-                    <a:lstStyle/>
-                    <a:p>
-                      <a:pPr latinLnBrk="1"/>
-                      <a:endParaRPr lang="ko-KR" altLang="en-US"/>
-                    </a:p>
-                  </a:txBody>
-                  <a:tcPr/>
+                  <a:tcPr marL="9525" marR="9525" marT="9525" marB="0" anchor="ctr">
+                    <a:solidFill>
+                      <a:schemeClr val="bg1">
+                        <a:lumMod val="95000"/>
+                      </a:schemeClr>
+                    </a:solidFill>
+                  </a:tcPr>
                 </a:tc>
                 <a:tc>
                   <a:txBody>
                     <a:bodyPr/>
                     <a:lstStyle/>
                     <a:p>
-                      <a:pPr algn="ctr" fontAlgn="ctr"/>
-                      <a:endParaRPr lang="ko-KR" altLang="en-US" sz="1000" b="0" i="0" u="none" strike="noStrike" dirty="0">
+                      <a:pPr algn="l" fontAlgn="ctr"/>
+                      <a:endParaRPr lang="ko-KR" altLang="en-US" sz="1100" b="0" i="0" u="none" strike="noStrike" dirty="0">
                         <a:solidFill>
                           <a:srgbClr val="000000"/>
                         </a:solidFill>
@@ -5579,15 +5880,45 @@
                       </a:endParaRPr>
                     </a:p>
                   </a:txBody>
-                  <a:tcPr marL="8898" marR="8898" marT="8898" marB="0" anchor="ctr"/>
-                </a:tc>
-                <a:tc>
-                  <a:txBody>
-                    <a:bodyPr/>
-                    <a:lstStyle/>
-                    <a:p>
-                      <a:pPr algn="l" fontAlgn="ctr"/>
-                      <a:endParaRPr lang="ko-KR" altLang="en-US" sz="1000" b="0" i="0" u="none" strike="noStrike" dirty="0">
+                  <a:tcPr marL="9525" marR="9525" marT="9525" marB="0" anchor="ctr">
+                    <a:solidFill>
+                      <a:schemeClr val="bg1">
+                        <a:lumMod val="95000"/>
+                      </a:schemeClr>
+                    </a:solidFill>
+                  </a:tcPr>
+                </a:tc>
+                <a:tc vMerge="1">
+                  <a:txBody>
+                    <a:bodyPr/>
+                    <a:lstStyle/>
+                    <a:p>
+                      <a:pPr latinLnBrk="1"/>
+                      <a:endParaRPr lang="ko-KR" altLang="en-US"/>
+                    </a:p>
+                  </a:txBody>
+                  <a:tcPr/>
+                </a:tc>
+                <a:extLst>
+                  <a:ext uri="{0D108BD9-81ED-4DB2-BD59-A6C34878D82A}">
+                    <a16:rowId xmlns:a16="http://schemas.microsoft.com/office/drawing/2014/main" val="1246410742"/>
+                  </a:ext>
+                </a:extLst>
+              </a:tr>
+              <a:tr h="264195">
+                <a:tc rowSpan="2">
+                  <a:txBody>
+                    <a:bodyPr/>
+                    <a:lstStyle/>
+                    <a:p>
+                      <a:pPr algn="ctr" fontAlgn="ctr"/>
+                      <a:r>
+                        <a:rPr lang="en-US" altLang="ko-KR" sz="1100" u="none" strike="noStrike" dirty="0">
+                          <a:effectLst/>
+                        </a:rPr>
+                        <a:t>6</a:t>
+                      </a:r>
+                      <a:endParaRPr lang="en-US" altLang="ko-KR" sz="1100" b="0" i="0" u="none" strike="noStrike" dirty="0">
                         <a:solidFill>
                           <a:srgbClr val="000000"/>
                         </a:solidFill>
@@ -5597,39 +5928,27 @@
                       </a:endParaRPr>
                     </a:p>
                   </a:txBody>
-                  <a:tcPr marL="8898" marR="8898" marT="8898" marB="0" anchor="ctr"/>
-                </a:tc>
-                <a:tc vMerge="1">
-                  <a:txBody>
-                    <a:bodyPr/>
-                    <a:lstStyle/>
-                    <a:p>
-                      <a:pPr latinLnBrk="1"/>
-                      <a:endParaRPr lang="ko-KR" altLang="en-US"/>
-                    </a:p>
-                  </a:txBody>
-                  <a:tcPr/>
-                </a:tc>
-                <a:extLst>
-                  <a:ext uri="{0D108BD9-81ED-4DB2-BD59-A6C34878D82A}">
-                    <a16:rowId xmlns:a16="http://schemas.microsoft.com/office/drawing/2014/main" val="3822731942"/>
-                  </a:ext>
-                </a:extLst>
-              </a:tr>
-              <a:tr h="266788">
-                <a:tc rowSpan="2">
+                  <a:tcPr marL="9525" marR="9525" marT="9525" marB="0" anchor="ctr">
+                    <a:solidFill>
+                      <a:schemeClr val="bg1">
+                        <a:lumMod val="95000"/>
+                      </a:schemeClr>
+                    </a:solidFill>
+                  </a:tcPr>
+                </a:tc>
+                <a:tc>
                   <a:txBody>
                     <a:bodyPr/>
                     <a:lstStyle/>
                     <a:p>
                       <a:pPr algn="ctr" fontAlgn="ctr"/>
                       <a:r>
-                        <a:rPr lang="en-US" altLang="ko-KR" sz="1000" u="none" strike="noStrike" dirty="0">
+                        <a:rPr lang="ko-KR" altLang="en-US" sz="1100" u="none" strike="noStrike" dirty="0">
                           <a:effectLst/>
                         </a:rPr>
-                        <a:t>8</a:t>
+                        <a:t>계획</a:t>
                       </a:r>
-                      <a:endParaRPr lang="en-US" altLang="ko-KR" sz="1000" b="0" i="0" u="none" strike="noStrike" dirty="0">
+                      <a:endParaRPr lang="ko-KR" altLang="en-US" sz="1100" b="0" i="0" u="none" strike="noStrike" dirty="0">
                         <a:solidFill>
                           <a:srgbClr val="000000"/>
                         </a:solidFill>
@@ -5639,21 +5958,39 @@
                       </a:endParaRPr>
                     </a:p>
                   </a:txBody>
-                  <a:tcPr marL="8898" marR="8898" marT="8898" marB="0" anchor="ctr"/>
-                </a:tc>
-                <a:tc>
-                  <a:txBody>
-                    <a:bodyPr/>
-                    <a:lstStyle/>
-                    <a:p>
-                      <a:pPr algn="ctr" fontAlgn="ctr"/>
+                  <a:tcPr marL="9525" marR="9525" marT="9525" marB="0" anchor="ctr">
+                    <a:solidFill>
+                      <a:schemeClr val="bg1">
+                        <a:lumMod val="85000"/>
+                      </a:schemeClr>
+                    </a:solidFill>
+                  </a:tcPr>
+                </a:tc>
+                <a:tc gridSpan="3">
+                  <a:txBody>
+                    <a:bodyPr/>
+                    <a:lstStyle/>
+                    <a:p>
+                      <a:pPr algn="l" fontAlgn="ctr"/>
                       <a:r>
-                        <a:rPr lang="ko-KR" altLang="en-US" sz="1000" u="none" strike="noStrike" dirty="0">
+                        <a:rPr lang="ko-KR" altLang="en-US" sz="1100" u="none" strike="noStrike" dirty="0">
                           <a:effectLst/>
                         </a:rPr>
-                        <a:t>계획</a:t>
+                        <a:t>캐릭터 간의 상호작용</a:t>
                       </a:r>
-                      <a:endParaRPr lang="ko-KR" altLang="en-US" sz="1000" b="0" i="0" u="none" strike="noStrike" dirty="0">
+                      <a:r>
+                        <a:rPr lang="en-US" altLang="ko-KR" sz="1100" u="none" strike="noStrike" dirty="0">
+                          <a:effectLst/>
+                        </a:rPr>
+                        <a:t>2, </a:t>
+                      </a:r>
+                      <a:r>
+                        <a:rPr lang="ko-KR" altLang="en-US" sz="1100" u="none" strike="noStrike" dirty="0">
+                          <a:effectLst/>
+                        </a:rPr>
+                        <a:t>점수와 승패여부 처리</a:t>
+                      </a:r>
+                      <a:endParaRPr lang="ko-KR" altLang="en-US" sz="1100" b="0" i="0" u="none" strike="noStrike" dirty="0">
                         <a:solidFill>
                           <a:srgbClr val="000000"/>
                         </a:solidFill>
@@ -5663,21 +6000,43 @@
                       </a:endParaRPr>
                     </a:p>
                   </a:txBody>
-                  <a:tcPr marL="8898" marR="8898" marT="8898" marB="0" anchor="ctr"/>
-                </a:tc>
-                <a:tc>
-                  <a:txBody>
-                    <a:bodyPr/>
-                    <a:lstStyle/>
-                    <a:p>
-                      <a:pPr algn="l" fontAlgn="ctr"/>
-                      <a:r>
-                        <a:rPr lang="ko-KR" altLang="en-US" sz="1000" u="none" strike="noStrike" dirty="0">
-                          <a:effectLst/>
-                        </a:rPr>
-                        <a:t>사운드 추가</a:t>
-                      </a:r>
-                      <a:endParaRPr lang="ko-KR" altLang="en-US" sz="1000" b="0" i="0" u="none" strike="noStrike" dirty="0">
+                  <a:tcPr marL="9525" marR="9525" marT="9525" marB="0" anchor="ctr">
+                    <a:solidFill>
+                      <a:schemeClr val="bg1">
+                        <a:lumMod val="85000"/>
+                      </a:schemeClr>
+                    </a:solidFill>
+                  </a:tcPr>
+                </a:tc>
+                <a:tc hMerge="1">
+                  <a:txBody>
+                    <a:bodyPr/>
+                    <a:lstStyle/>
+                    <a:p>
+                      <a:pPr latinLnBrk="1"/>
+                      <a:endParaRPr lang="ko-KR" altLang="en-US"/>
+                    </a:p>
+                  </a:txBody>
+                  <a:tcPr/>
+                </a:tc>
+                <a:tc hMerge="1">
+                  <a:txBody>
+                    <a:bodyPr/>
+                    <a:lstStyle/>
+                    <a:p>
+                      <a:pPr latinLnBrk="1"/>
+                      <a:endParaRPr lang="ko-KR" altLang="en-US"/>
+                    </a:p>
+                  </a:txBody>
+                  <a:tcPr/>
+                </a:tc>
+                <a:tc rowSpan="2">
+                  <a:txBody>
+                    <a:bodyPr/>
+                    <a:lstStyle/>
+                    <a:p>
+                      <a:pPr algn="ctr" fontAlgn="ctr"/>
+                      <a:endParaRPr lang="ko-KR" altLang="en-US" sz="1100" b="0" i="0" u="none" strike="noStrike" dirty="0">
                         <a:solidFill>
                           <a:srgbClr val="000000"/>
                         </a:solidFill>
@@ -5687,15 +6046,39 @@
                       </a:endParaRPr>
                     </a:p>
                   </a:txBody>
-                  <a:tcPr marL="8898" marR="8898" marT="8898" marB="0" anchor="ctr"/>
-                </a:tc>
-                <a:tc rowSpan="2">
+                  <a:tcPr marL="9525" marR="9525" marT="9525" marB="0" anchor="ctr">
+                    <a:solidFill>
+                      <a:schemeClr val="bg1">
+                        <a:lumMod val="95000"/>
+                      </a:schemeClr>
+                    </a:solidFill>
+                  </a:tcPr>
+                </a:tc>
+                <a:extLst>
+                  <a:ext uri="{0D108BD9-81ED-4DB2-BD59-A6C34878D82A}">
+                    <a16:rowId xmlns:a16="http://schemas.microsoft.com/office/drawing/2014/main" val="3470476487"/>
+                  </a:ext>
+                </a:extLst>
+              </a:tr>
+              <a:tr h="264195">
+                <a:tc vMerge="1">
+                  <a:txBody>
+                    <a:bodyPr/>
+                    <a:lstStyle/>
+                    <a:p>
+                      <a:pPr latinLnBrk="1"/>
+                      <a:endParaRPr lang="ko-KR" altLang="en-US"/>
+                    </a:p>
+                  </a:txBody>
+                  <a:tcPr/>
+                </a:tc>
+                <a:tc>
                   <a:txBody>
                     <a:bodyPr/>
                     <a:lstStyle/>
                     <a:p>
                       <a:pPr algn="ctr" fontAlgn="ctr"/>
-                      <a:endParaRPr lang="ko-KR" altLang="en-US" sz="1000" b="0" i="0" u="none" strike="noStrike" dirty="0">
+                      <a:endParaRPr lang="ko-KR" altLang="en-US" sz="1100" b="0" i="0" u="none" strike="noStrike" dirty="0">
                         <a:solidFill>
                           <a:srgbClr val="000000"/>
                         </a:solidFill>
@@ -5705,33 +6088,21 @@
                       </a:endParaRPr>
                     </a:p>
                   </a:txBody>
-                  <a:tcPr marL="8898" marR="8898" marT="8898" marB="0" anchor="ctr"/>
-                </a:tc>
-                <a:extLst>
-                  <a:ext uri="{0D108BD9-81ED-4DB2-BD59-A6C34878D82A}">
-                    <a16:rowId xmlns:a16="http://schemas.microsoft.com/office/drawing/2014/main" val="2968094229"/>
-                  </a:ext>
-                </a:extLst>
-              </a:tr>
-              <a:tr h="266788">
-                <a:tc vMerge="1">
-                  <a:txBody>
-                    <a:bodyPr/>
-                    <a:lstStyle/>
-                    <a:p>
-                      <a:pPr latinLnBrk="1"/>
-                      <a:endParaRPr lang="ko-KR" altLang="en-US"/>
-                    </a:p>
-                  </a:txBody>
-                  <a:tcPr/>
+                  <a:tcPr marL="9525" marR="9525" marT="9525" marB="0" anchor="ctr">
+                    <a:solidFill>
+                      <a:schemeClr val="bg1">
+                        <a:lumMod val="95000"/>
+                      </a:schemeClr>
+                    </a:solidFill>
+                  </a:tcPr>
                 </a:tc>
                 <a:tc>
                   <a:txBody>
                     <a:bodyPr/>
                     <a:lstStyle/>
                     <a:p>
-                      <a:pPr algn="ctr" fontAlgn="ctr"/>
-                      <a:endParaRPr lang="ko-KR" altLang="en-US" sz="1000" b="0" i="0" u="none" strike="noStrike" dirty="0">
+                      <a:pPr algn="l" fontAlgn="ctr"/>
+                      <a:endParaRPr lang="ko-KR" altLang="en-US" sz="1100" b="0" i="0" u="none" strike="noStrike" dirty="0">
                         <a:solidFill>
                           <a:srgbClr val="000000"/>
                         </a:solidFill>
@@ -5741,7 +6112,13 @@
                       </a:endParaRPr>
                     </a:p>
                   </a:txBody>
-                  <a:tcPr marL="8898" marR="8898" marT="8898" marB="0" anchor="ctr"/>
+                  <a:tcPr marL="9525" marR="9525" marT="9525" marB="0" anchor="ctr">
+                    <a:solidFill>
+                      <a:schemeClr val="bg1">
+                        <a:lumMod val="95000"/>
+                      </a:schemeClr>
+                    </a:solidFill>
+                  </a:tcPr>
                 </a:tc>
                 <a:tc>
                   <a:txBody>
@@ -5749,7 +6126,7 @@
                     <a:lstStyle/>
                     <a:p>
                       <a:pPr algn="l" fontAlgn="ctr"/>
-                      <a:endParaRPr lang="ko-KR" altLang="en-US" sz="1000" b="0" i="0" u="none" strike="noStrike" dirty="0">
+                      <a:endParaRPr lang="ko-KR" altLang="en-US" sz="1100" b="0" i="0" u="none" strike="noStrike" dirty="0">
                         <a:solidFill>
                           <a:srgbClr val="000000"/>
                         </a:solidFill>
@@ -5759,52 +6136,21 @@
                       </a:endParaRPr>
                     </a:p>
                   </a:txBody>
-                  <a:tcPr marL="8898" marR="8898" marT="8898" marB="0" anchor="ctr"/>
-                </a:tc>
-                <a:tc vMerge="1">
-                  <a:txBody>
-                    <a:bodyPr/>
-                    <a:lstStyle/>
-                    <a:p>
-                      <a:pPr latinLnBrk="1"/>
-                      <a:endParaRPr lang="ko-KR" altLang="en-US"/>
-                    </a:p>
-                  </a:txBody>
-                  <a:tcPr/>
-                </a:tc>
-                <a:extLst>
-                  <a:ext uri="{0D108BD9-81ED-4DB2-BD59-A6C34878D82A}">
-                    <a16:rowId xmlns:a16="http://schemas.microsoft.com/office/drawing/2014/main" val="1854820111"/>
-                  </a:ext>
-                </a:extLst>
-              </a:tr>
-              <a:tr h="266788">
-                <a:tc gridSpan="3">
-                  <a:txBody>
-                    <a:bodyPr/>
-                    <a:lstStyle/>
-                    <a:p>
-                      <a:pPr algn="r" fontAlgn="ctr"/>
-                      <a:r>
-                        <a:rPr lang="ko-KR" altLang="en-US" sz="1000" u="none" strike="noStrike" dirty="0">
-                          <a:effectLst/>
-                        </a:rPr>
-                        <a:t>평균 진행률 </a:t>
-                      </a:r>
-                      <a:endParaRPr lang="en-US" altLang="ko-KR" sz="1000" u="none" strike="noStrike" dirty="0">
-                        <a:effectLst/>
-                      </a:endParaRPr>
-                    </a:p>
-                  </a:txBody>
-                  <a:tcPr marL="8898" marR="8898" marT="8898" marB="0" anchor="ctr"/>
-                </a:tc>
-                <a:tc hMerge="1">
+                  <a:tcPr marL="9525" marR="9525" marT="9525" marB="0" anchor="ctr">
+                    <a:solidFill>
+                      <a:schemeClr val="bg1">
+                        <a:lumMod val="95000"/>
+                      </a:schemeClr>
+                    </a:solidFill>
+                  </a:tcPr>
+                </a:tc>
+                <a:tc>
                   <a:txBody>
                     <a:bodyPr/>
                     <a:lstStyle/>
                     <a:p>
                       <a:pPr algn="l" fontAlgn="ctr"/>
-                      <a:endParaRPr lang="ko-KR" altLang="en-US" sz="1000" b="0" i="0" u="none" strike="noStrike" dirty="0">
+                      <a:endParaRPr lang="ko-KR" altLang="en-US" sz="1100" b="0" i="0" u="none" strike="noStrike" dirty="0">
                         <a:solidFill>
                           <a:srgbClr val="000000"/>
                         </a:solidFill>
@@ -5814,21 +6160,45 @@
                       </a:endParaRPr>
                     </a:p>
                   </a:txBody>
-                  <a:tcPr marL="8898" marR="8898" marT="8898" marB="0" anchor="ctr"/>
-                </a:tc>
-                <a:tc hMerge="1">
-                  <a:txBody>
-                    <a:bodyPr/>
-                    <a:lstStyle/>
-                    <a:p>
-                      <a:pPr algn="r" fontAlgn="ctr"/>
+                  <a:tcPr marL="9525" marR="9525" marT="9525" marB="0" anchor="ctr">
+                    <a:solidFill>
+                      <a:schemeClr val="bg1">
+                        <a:lumMod val="95000"/>
+                      </a:schemeClr>
+                    </a:solidFill>
+                  </a:tcPr>
+                </a:tc>
+                <a:tc vMerge="1">
+                  <a:txBody>
+                    <a:bodyPr/>
+                    <a:lstStyle/>
+                    <a:p>
+                      <a:pPr latinLnBrk="1"/>
+                      <a:endParaRPr lang="ko-KR" altLang="en-US"/>
+                    </a:p>
+                  </a:txBody>
+                  <a:tcPr/>
+                </a:tc>
+                <a:extLst>
+                  <a:ext uri="{0D108BD9-81ED-4DB2-BD59-A6C34878D82A}">
+                    <a16:rowId xmlns:a16="http://schemas.microsoft.com/office/drawing/2014/main" val="3132754782"/>
+                  </a:ext>
+                </a:extLst>
+              </a:tr>
+              <a:tr h="264195">
+                <a:tc rowSpan="2">
+                  <a:txBody>
+                    <a:bodyPr/>
+                    <a:lstStyle/>
+                    <a:p>
+                      <a:pPr algn="ctr" fontAlgn="ctr"/>
                       <a:r>
-                        <a:rPr lang="ko-KR" altLang="en-US" sz="1000" u="none" strike="noStrike" dirty="0">
+                        <a:rPr lang="en-US" altLang="ko-KR" sz="1100" u="none" strike="noStrike" dirty="0">
                           <a:effectLst/>
                         </a:rPr>
-                        <a:t>평균 진행률</a:t>
+                        <a:t>7</a:t>
                       </a:r>
-                      <a:endParaRPr lang="ko-KR" altLang="en-US" sz="1000" b="0" i="0" u="none" strike="noStrike" dirty="0">
+                      <a:endParaRPr lang="en-US" altLang="ko-KR" sz="1100" b="0" i="0" u="none" strike="noStrike" dirty="0">
                         <a:solidFill>
                           <a:srgbClr val="000000"/>
                         </a:solidFill>
@@ -5838,21 +6208,27 @@
                       </a:endParaRPr>
                     </a:p>
                   </a:txBody>
-                  <a:tcPr marL="8898" marR="8898" marT="8898" marB="0" anchor="ctr"/>
+                  <a:tcPr marL="9525" marR="9525" marT="9525" marB="0" anchor="ctr">
+                    <a:solidFill>
+                      <a:schemeClr val="bg1">
+                        <a:lumMod val="95000"/>
+                      </a:schemeClr>
+                    </a:solidFill>
+                  </a:tcPr>
                 </a:tc>
                 <a:tc>
                   <a:txBody>
                     <a:bodyPr/>
                     <a:lstStyle/>
                     <a:p>
-                      <a:pPr algn="r" fontAlgn="ctr"/>
+                      <a:pPr algn="ctr" fontAlgn="ctr"/>
                       <a:r>
-                        <a:rPr lang="en-US" altLang="ko-KR" sz="1000" u="none" strike="noStrike" dirty="0">
+                        <a:rPr lang="ko-KR" altLang="en-US" sz="1100" u="none" strike="noStrike" dirty="0">
                           <a:effectLst/>
                         </a:rPr>
-                        <a:t>87.50%</a:t>
+                        <a:t>계획</a:t>
                       </a:r>
-                      <a:endParaRPr lang="en-US" altLang="ko-KR" sz="1000" b="0" i="0" u="none" strike="noStrike" dirty="0">
+                      <a:endParaRPr lang="ko-KR" altLang="en-US" sz="1100" b="0" i="0" u="none" strike="noStrike" dirty="0">
                         <a:solidFill>
                           <a:srgbClr val="000000"/>
                         </a:solidFill>
@@ -5862,11 +6238,623 @@
                       </a:endParaRPr>
                     </a:p>
                   </a:txBody>
-                  <a:tcPr marL="8898" marR="8898" marT="8898" marB="0" anchor="ctr"/>
+                  <a:tcPr marL="9525" marR="9525" marT="9525" marB="0" anchor="ctr">
+                    <a:solidFill>
+                      <a:schemeClr val="bg1">
+                        <a:lumMod val="85000"/>
+                      </a:schemeClr>
+                    </a:solidFill>
+                  </a:tcPr>
+                </a:tc>
+                <a:tc gridSpan="3">
+                  <a:txBody>
+                    <a:bodyPr/>
+                    <a:lstStyle/>
+                    <a:p>
+                      <a:pPr algn="l" fontAlgn="ctr"/>
+                      <a:r>
+                        <a:rPr lang="ko-KR" altLang="en-US" sz="1100" u="none" strike="noStrike" dirty="0">
+                          <a:effectLst/>
+                        </a:rPr>
+                        <a:t>선수들의 인공지능 강화</a:t>
+                      </a:r>
+                      <a:r>
+                        <a:rPr lang="en-US" altLang="ko-KR" sz="1100" u="none" strike="noStrike" dirty="0">
+                          <a:effectLst/>
+                        </a:rPr>
+                        <a:t>2</a:t>
+                      </a:r>
+                      <a:endParaRPr lang="en-US" altLang="ko-KR" sz="1100" b="0" i="0" u="none" strike="noStrike" dirty="0">
+                        <a:solidFill>
+                          <a:srgbClr val="000000"/>
+                        </a:solidFill>
+                        <a:effectLst/>
+                        <a:latin typeface="맑은 고딕" panose="020B0503020000020004" pitchFamily="50" charset="-127"/>
+                        <a:ea typeface="맑은 고딕" panose="020B0503020000020004" pitchFamily="50" charset="-127"/>
+                      </a:endParaRPr>
+                    </a:p>
+                  </a:txBody>
+                  <a:tcPr marL="9525" marR="9525" marT="9525" marB="0" anchor="ctr">
+                    <a:solidFill>
+                      <a:schemeClr val="bg1">
+                        <a:lumMod val="85000"/>
+                      </a:schemeClr>
+                    </a:solidFill>
+                  </a:tcPr>
+                </a:tc>
+                <a:tc hMerge="1">
+                  <a:txBody>
+                    <a:bodyPr/>
+                    <a:lstStyle/>
+                    <a:p>
+                      <a:pPr latinLnBrk="1"/>
+                      <a:endParaRPr lang="ko-KR" altLang="en-US"/>
+                    </a:p>
+                  </a:txBody>
+                  <a:tcPr/>
+                </a:tc>
+                <a:tc hMerge="1">
+                  <a:txBody>
+                    <a:bodyPr/>
+                    <a:lstStyle/>
+                    <a:p>
+                      <a:pPr latinLnBrk="1"/>
+                      <a:endParaRPr lang="ko-KR" altLang="en-US"/>
+                    </a:p>
+                  </a:txBody>
+                  <a:tcPr/>
+                </a:tc>
+                <a:tc rowSpan="2">
+                  <a:txBody>
+                    <a:bodyPr/>
+                    <a:lstStyle/>
+                    <a:p>
+                      <a:pPr algn="ctr" fontAlgn="ctr"/>
+                      <a:endParaRPr lang="ko-KR" altLang="en-US" sz="1100" b="0" i="0" u="none" strike="noStrike" dirty="0">
+                        <a:solidFill>
+                          <a:srgbClr val="000000"/>
+                        </a:solidFill>
+                        <a:effectLst/>
+                        <a:latin typeface="맑은 고딕" panose="020B0503020000020004" pitchFamily="50" charset="-127"/>
+                        <a:ea typeface="맑은 고딕" panose="020B0503020000020004" pitchFamily="50" charset="-127"/>
+                      </a:endParaRPr>
+                    </a:p>
+                  </a:txBody>
+                  <a:tcPr marL="9525" marR="9525" marT="9525" marB="0" anchor="ctr">
+                    <a:solidFill>
+                      <a:schemeClr val="bg1">
+                        <a:lumMod val="95000"/>
+                      </a:schemeClr>
+                    </a:solidFill>
+                  </a:tcPr>
                 </a:tc>
                 <a:extLst>
                   <a:ext uri="{0D108BD9-81ED-4DB2-BD59-A6C34878D82A}">
-                    <a16:rowId xmlns:a16="http://schemas.microsoft.com/office/drawing/2014/main" val="2937936301"/>
+                    <a16:rowId xmlns:a16="http://schemas.microsoft.com/office/drawing/2014/main" val="1541995437"/>
+                  </a:ext>
+                </a:extLst>
+              </a:tr>
+              <a:tr h="264195">
+                <a:tc vMerge="1">
+                  <a:txBody>
+                    <a:bodyPr/>
+                    <a:lstStyle/>
+                    <a:p>
+                      <a:pPr latinLnBrk="1"/>
+                      <a:endParaRPr lang="ko-KR" altLang="en-US"/>
+                    </a:p>
+                  </a:txBody>
+                  <a:tcPr/>
+                </a:tc>
+                <a:tc>
+                  <a:txBody>
+                    <a:bodyPr/>
+                    <a:lstStyle/>
+                    <a:p>
+                      <a:pPr algn="ctr" fontAlgn="ctr"/>
+                      <a:endParaRPr lang="ko-KR" altLang="en-US" sz="1100" b="0" i="0" u="none" strike="noStrike" dirty="0">
+                        <a:solidFill>
+                          <a:srgbClr val="000000"/>
+                        </a:solidFill>
+                        <a:effectLst/>
+                        <a:latin typeface="맑은 고딕" panose="020B0503020000020004" pitchFamily="50" charset="-127"/>
+                        <a:ea typeface="맑은 고딕" panose="020B0503020000020004" pitchFamily="50" charset="-127"/>
+                      </a:endParaRPr>
+                    </a:p>
+                  </a:txBody>
+                  <a:tcPr marL="9525" marR="9525" marT="9525" marB="0" anchor="ctr">
+                    <a:solidFill>
+                      <a:schemeClr val="bg1">
+                        <a:lumMod val="95000"/>
+                      </a:schemeClr>
+                    </a:solidFill>
+                  </a:tcPr>
+                </a:tc>
+                <a:tc>
+                  <a:txBody>
+                    <a:bodyPr/>
+                    <a:lstStyle/>
+                    <a:p>
+                      <a:pPr algn="l" fontAlgn="ctr"/>
+                      <a:endParaRPr lang="ko-KR" altLang="en-US" sz="1100" b="0" i="0" u="none" strike="noStrike" dirty="0">
+                        <a:solidFill>
+                          <a:srgbClr val="000000"/>
+                        </a:solidFill>
+                        <a:effectLst/>
+                        <a:latin typeface="맑은 고딕" panose="020B0503020000020004" pitchFamily="50" charset="-127"/>
+                        <a:ea typeface="맑은 고딕" panose="020B0503020000020004" pitchFamily="50" charset="-127"/>
+                      </a:endParaRPr>
+                    </a:p>
+                  </a:txBody>
+                  <a:tcPr marL="9525" marR="9525" marT="9525" marB="0" anchor="ctr">
+                    <a:solidFill>
+                      <a:schemeClr val="bg1">
+                        <a:lumMod val="95000"/>
+                      </a:schemeClr>
+                    </a:solidFill>
+                  </a:tcPr>
+                </a:tc>
+                <a:tc>
+                  <a:txBody>
+                    <a:bodyPr/>
+                    <a:lstStyle/>
+                    <a:p>
+                      <a:pPr algn="l" fontAlgn="ctr"/>
+                      <a:endParaRPr lang="ko-KR" altLang="en-US" sz="1100" b="0" i="0" u="none" strike="noStrike" dirty="0">
+                        <a:solidFill>
+                          <a:srgbClr val="000000"/>
+                        </a:solidFill>
+                        <a:effectLst/>
+                        <a:latin typeface="맑은 고딕" panose="020B0503020000020004" pitchFamily="50" charset="-127"/>
+                        <a:ea typeface="맑은 고딕" panose="020B0503020000020004" pitchFamily="50" charset="-127"/>
+                      </a:endParaRPr>
+                    </a:p>
+                  </a:txBody>
+                  <a:tcPr marL="9525" marR="9525" marT="9525" marB="0" anchor="ctr">
+                    <a:solidFill>
+                      <a:schemeClr val="bg1">
+                        <a:lumMod val="95000"/>
+                      </a:schemeClr>
+                    </a:solidFill>
+                  </a:tcPr>
+                </a:tc>
+                <a:tc>
+                  <a:txBody>
+                    <a:bodyPr/>
+                    <a:lstStyle/>
+                    <a:p>
+                      <a:pPr algn="l" fontAlgn="ctr"/>
+                      <a:endParaRPr lang="ko-KR" altLang="en-US" sz="1100" b="0" i="0" u="none" strike="noStrike" dirty="0">
+                        <a:solidFill>
+                          <a:srgbClr val="000000"/>
+                        </a:solidFill>
+                        <a:effectLst/>
+                        <a:latin typeface="맑은 고딕" panose="020B0503020000020004" pitchFamily="50" charset="-127"/>
+                        <a:ea typeface="맑은 고딕" panose="020B0503020000020004" pitchFamily="50" charset="-127"/>
+                      </a:endParaRPr>
+                    </a:p>
+                  </a:txBody>
+                  <a:tcPr marL="9525" marR="9525" marT="9525" marB="0" anchor="ctr">
+                    <a:solidFill>
+                      <a:schemeClr val="bg1">
+                        <a:lumMod val="95000"/>
+                      </a:schemeClr>
+                    </a:solidFill>
+                  </a:tcPr>
+                </a:tc>
+                <a:tc vMerge="1">
+                  <a:txBody>
+                    <a:bodyPr/>
+                    <a:lstStyle/>
+                    <a:p>
+                      <a:pPr latinLnBrk="1"/>
+                      <a:endParaRPr lang="ko-KR" altLang="en-US"/>
+                    </a:p>
+                  </a:txBody>
+                  <a:tcPr/>
+                </a:tc>
+                <a:extLst>
+                  <a:ext uri="{0D108BD9-81ED-4DB2-BD59-A6C34878D82A}">
+                    <a16:rowId xmlns:a16="http://schemas.microsoft.com/office/drawing/2014/main" val="3315031388"/>
+                  </a:ext>
+                </a:extLst>
+              </a:tr>
+              <a:tr h="264195">
+                <a:tc rowSpan="2">
+                  <a:txBody>
+                    <a:bodyPr/>
+                    <a:lstStyle/>
+                    <a:p>
+                      <a:pPr algn="ctr" fontAlgn="ctr"/>
+                      <a:r>
+                        <a:rPr lang="en-US" altLang="ko-KR" sz="1100" u="none" strike="noStrike" dirty="0">
+                          <a:effectLst/>
+                        </a:rPr>
+                        <a:t>8</a:t>
+                      </a:r>
+                      <a:endParaRPr lang="en-US" altLang="ko-KR" sz="1100" b="0" i="0" u="none" strike="noStrike" dirty="0">
+                        <a:solidFill>
+                          <a:srgbClr val="000000"/>
+                        </a:solidFill>
+                        <a:effectLst/>
+                        <a:latin typeface="맑은 고딕" panose="020B0503020000020004" pitchFamily="50" charset="-127"/>
+                        <a:ea typeface="맑은 고딕" panose="020B0503020000020004" pitchFamily="50" charset="-127"/>
+                      </a:endParaRPr>
+                    </a:p>
+                  </a:txBody>
+                  <a:tcPr marL="9525" marR="9525" marT="9525" marB="0" anchor="ctr">
+                    <a:solidFill>
+                      <a:schemeClr val="bg1">
+                        <a:lumMod val="95000"/>
+                      </a:schemeClr>
+                    </a:solidFill>
+                  </a:tcPr>
+                </a:tc>
+                <a:tc>
+                  <a:txBody>
+                    <a:bodyPr/>
+                    <a:lstStyle/>
+                    <a:p>
+                      <a:pPr algn="ctr" fontAlgn="ctr"/>
+                      <a:r>
+                        <a:rPr lang="ko-KR" altLang="en-US" sz="1100" u="none" strike="noStrike" dirty="0">
+                          <a:effectLst/>
+                        </a:rPr>
+                        <a:t>계획</a:t>
+                      </a:r>
+                      <a:endParaRPr lang="ko-KR" altLang="en-US" sz="1100" b="0" i="0" u="none" strike="noStrike" dirty="0">
+                        <a:solidFill>
+                          <a:srgbClr val="000000"/>
+                        </a:solidFill>
+                        <a:effectLst/>
+                        <a:latin typeface="맑은 고딕" panose="020B0503020000020004" pitchFamily="50" charset="-127"/>
+                        <a:ea typeface="맑은 고딕" panose="020B0503020000020004" pitchFamily="50" charset="-127"/>
+                      </a:endParaRPr>
+                    </a:p>
+                  </a:txBody>
+                  <a:tcPr marL="9525" marR="9525" marT="9525" marB="0" anchor="ctr">
+                    <a:solidFill>
+                      <a:schemeClr val="bg1">
+                        <a:lumMod val="85000"/>
+                      </a:schemeClr>
+                    </a:solidFill>
+                  </a:tcPr>
+                </a:tc>
+                <a:tc gridSpan="3">
+                  <a:txBody>
+                    <a:bodyPr/>
+                    <a:lstStyle/>
+                    <a:p>
+                      <a:pPr algn="l" fontAlgn="ctr"/>
+                      <a:r>
+                        <a:rPr lang="ko-KR" altLang="en-US" sz="1100" u="none" strike="noStrike" dirty="0">
+                          <a:effectLst/>
+                        </a:rPr>
+                        <a:t>사운드 추가</a:t>
+                      </a:r>
+                      <a:endParaRPr lang="ko-KR" altLang="en-US" sz="1100" b="0" i="0" u="none" strike="noStrike" dirty="0">
+                        <a:solidFill>
+                          <a:srgbClr val="000000"/>
+                        </a:solidFill>
+                        <a:effectLst/>
+                        <a:latin typeface="맑은 고딕" panose="020B0503020000020004" pitchFamily="50" charset="-127"/>
+                        <a:ea typeface="맑은 고딕" panose="020B0503020000020004" pitchFamily="50" charset="-127"/>
+                      </a:endParaRPr>
+                    </a:p>
+                  </a:txBody>
+                  <a:tcPr marL="9525" marR="9525" marT="9525" marB="0" anchor="ctr">
+                    <a:solidFill>
+                      <a:schemeClr val="bg1">
+                        <a:lumMod val="85000"/>
+                      </a:schemeClr>
+                    </a:solidFill>
+                  </a:tcPr>
+                </a:tc>
+                <a:tc hMerge="1">
+                  <a:txBody>
+                    <a:bodyPr/>
+                    <a:lstStyle/>
+                    <a:p>
+                      <a:pPr latinLnBrk="1"/>
+                      <a:endParaRPr lang="ko-KR" altLang="en-US"/>
+                    </a:p>
+                  </a:txBody>
+                  <a:tcPr/>
+                </a:tc>
+                <a:tc hMerge="1">
+                  <a:txBody>
+                    <a:bodyPr/>
+                    <a:lstStyle/>
+                    <a:p>
+                      <a:pPr latinLnBrk="1"/>
+                      <a:endParaRPr lang="ko-KR" altLang="en-US"/>
+                    </a:p>
+                  </a:txBody>
+                  <a:tcPr/>
+                </a:tc>
+                <a:tc rowSpan="2">
+                  <a:txBody>
+                    <a:bodyPr/>
+                    <a:lstStyle/>
+                    <a:p>
+                      <a:pPr algn="ctr" fontAlgn="ctr"/>
+                      <a:endParaRPr lang="ko-KR" altLang="en-US" sz="1100" b="0" i="0" u="none" strike="noStrike" dirty="0">
+                        <a:solidFill>
+                          <a:srgbClr val="000000"/>
+                        </a:solidFill>
+                        <a:effectLst/>
+                        <a:latin typeface="맑은 고딕" panose="020B0503020000020004" pitchFamily="50" charset="-127"/>
+                        <a:ea typeface="맑은 고딕" panose="020B0503020000020004" pitchFamily="50" charset="-127"/>
+                      </a:endParaRPr>
+                    </a:p>
+                  </a:txBody>
+                  <a:tcPr marL="9525" marR="9525" marT="9525" marB="0" anchor="ctr">
+                    <a:solidFill>
+                      <a:schemeClr val="bg1">
+                        <a:lumMod val="95000"/>
+                      </a:schemeClr>
+                    </a:solidFill>
+                  </a:tcPr>
+                </a:tc>
+                <a:extLst>
+                  <a:ext uri="{0D108BD9-81ED-4DB2-BD59-A6C34878D82A}">
+                    <a16:rowId xmlns:a16="http://schemas.microsoft.com/office/drawing/2014/main" val="4227420887"/>
+                  </a:ext>
+                </a:extLst>
+              </a:tr>
+              <a:tr h="264195">
+                <a:tc vMerge="1">
+                  <a:txBody>
+                    <a:bodyPr/>
+                    <a:lstStyle/>
+                    <a:p>
+                      <a:pPr latinLnBrk="1"/>
+                      <a:endParaRPr lang="ko-KR" altLang="en-US"/>
+                    </a:p>
+                  </a:txBody>
+                  <a:tcPr/>
+                </a:tc>
+                <a:tc>
+                  <a:txBody>
+                    <a:bodyPr/>
+                    <a:lstStyle/>
+                    <a:p>
+                      <a:pPr algn="ctr" fontAlgn="ctr"/>
+                      <a:endParaRPr lang="ko-KR" altLang="en-US" sz="1100" b="0" i="0" u="none" strike="noStrike" dirty="0">
+                        <a:solidFill>
+                          <a:srgbClr val="000000"/>
+                        </a:solidFill>
+                        <a:effectLst/>
+                        <a:latin typeface="맑은 고딕" panose="020B0503020000020004" pitchFamily="50" charset="-127"/>
+                        <a:ea typeface="맑은 고딕" panose="020B0503020000020004" pitchFamily="50" charset="-127"/>
+                      </a:endParaRPr>
+                    </a:p>
+                  </a:txBody>
+                  <a:tcPr marL="9525" marR="9525" marT="9525" marB="0" anchor="ctr">
+                    <a:solidFill>
+                      <a:schemeClr val="bg1">
+                        <a:lumMod val="95000"/>
+                      </a:schemeClr>
+                    </a:solidFill>
+                  </a:tcPr>
+                </a:tc>
+                <a:tc>
+                  <a:txBody>
+                    <a:bodyPr/>
+                    <a:lstStyle/>
+                    <a:p>
+                      <a:pPr algn="l" fontAlgn="ctr"/>
+                      <a:endParaRPr lang="ko-KR" altLang="en-US" sz="1100" b="0" i="0" u="none" strike="noStrike" dirty="0">
+                        <a:solidFill>
+                          <a:srgbClr val="000000"/>
+                        </a:solidFill>
+                        <a:effectLst/>
+                        <a:latin typeface="맑은 고딕" panose="020B0503020000020004" pitchFamily="50" charset="-127"/>
+                        <a:ea typeface="맑은 고딕" panose="020B0503020000020004" pitchFamily="50" charset="-127"/>
+                      </a:endParaRPr>
+                    </a:p>
+                  </a:txBody>
+                  <a:tcPr marL="9525" marR="9525" marT="9525" marB="0" anchor="ctr">
+                    <a:solidFill>
+                      <a:schemeClr val="bg1">
+                        <a:lumMod val="95000"/>
+                      </a:schemeClr>
+                    </a:solidFill>
+                  </a:tcPr>
+                </a:tc>
+                <a:tc>
+                  <a:txBody>
+                    <a:bodyPr/>
+                    <a:lstStyle/>
+                    <a:p>
+                      <a:pPr algn="l" fontAlgn="ctr"/>
+                      <a:endParaRPr lang="ko-KR" altLang="en-US" sz="1100" b="0" i="0" u="none" strike="noStrike" dirty="0">
+                        <a:solidFill>
+                          <a:srgbClr val="000000"/>
+                        </a:solidFill>
+                        <a:effectLst/>
+                        <a:latin typeface="맑은 고딕" panose="020B0503020000020004" pitchFamily="50" charset="-127"/>
+                        <a:ea typeface="맑은 고딕" panose="020B0503020000020004" pitchFamily="50" charset="-127"/>
+                      </a:endParaRPr>
+                    </a:p>
+                  </a:txBody>
+                  <a:tcPr marL="9525" marR="9525" marT="9525" marB="0" anchor="ctr">
+                    <a:solidFill>
+                      <a:schemeClr val="bg1">
+                        <a:lumMod val="95000"/>
+                      </a:schemeClr>
+                    </a:solidFill>
+                  </a:tcPr>
+                </a:tc>
+                <a:tc>
+                  <a:txBody>
+                    <a:bodyPr/>
+                    <a:lstStyle/>
+                    <a:p>
+                      <a:pPr algn="l" fontAlgn="ctr"/>
+                      <a:endParaRPr lang="ko-KR" altLang="en-US" sz="1100" b="0" i="0" u="none" strike="noStrike" dirty="0">
+                        <a:solidFill>
+                          <a:srgbClr val="000000"/>
+                        </a:solidFill>
+                        <a:effectLst/>
+                        <a:latin typeface="맑은 고딕" panose="020B0503020000020004" pitchFamily="50" charset="-127"/>
+                        <a:ea typeface="맑은 고딕" panose="020B0503020000020004" pitchFamily="50" charset="-127"/>
+                      </a:endParaRPr>
+                    </a:p>
+                  </a:txBody>
+                  <a:tcPr marL="9525" marR="9525" marT="9525" marB="0" anchor="ctr">
+                    <a:solidFill>
+                      <a:schemeClr val="bg1">
+                        <a:lumMod val="95000"/>
+                      </a:schemeClr>
+                    </a:solidFill>
+                  </a:tcPr>
+                </a:tc>
+                <a:tc vMerge="1">
+                  <a:txBody>
+                    <a:bodyPr/>
+                    <a:lstStyle/>
+                    <a:p>
+                      <a:pPr latinLnBrk="1"/>
+                      <a:endParaRPr lang="ko-KR" altLang="en-US"/>
+                    </a:p>
+                  </a:txBody>
+                  <a:tcPr/>
+                </a:tc>
+                <a:extLst>
+                  <a:ext uri="{0D108BD9-81ED-4DB2-BD59-A6C34878D82A}">
+                    <a16:rowId xmlns:a16="http://schemas.microsoft.com/office/drawing/2014/main" val="277344245"/>
+                  </a:ext>
+                </a:extLst>
+              </a:tr>
+              <a:tr h="264195">
+                <a:tc gridSpan="5">
+                  <a:txBody>
+                    <a:bodyPr/>
+                    <a:lstStyle/>
+                    <a:p>
+                      <a:pPr algn="r" fontAlgn="ctr"/>
+                      <a:r>
+                        <a:rPr lang="ko-KR" altLang="en-US" sz="1100" u="none" strike="noStrike" dirty="0">
+                          <a:effectLst/>
+                        </a:rPr>
+                        <a:t>평균 진행률</a:t>
+                      </a:r>
+                      <a:endParaRPr lang="ko-KR" altLang="en-US" sz="1100" b="0" i="0" u="none" strike="noStrike" dirty="0">
+                        <a:solidFill>
+                          <a:srgbClr val="000000"/>
+                        </a:solidFill>
+                        <a:effectLst/>
+                        <a:latin typeface="맑은 고딕" panose="020B0503020000020004" pitchFamily="50" charset="-127"/>
+                        <a:ea typeface="맑은 고딕" panose="020B0503020000020004" pitchFamily="50" charset="-127"/>
+                      </a:endParaRPr>
+                    </a:p>
+                  </a:txBody>
+                  <a:tcPr marL="9525" marR="9525" marT="9525" marB="0" anchor="ctr">
+                    <a:solidFill>
+                      <a:schemeClr val="bg1">
+                        <a:lumMod val="95000"/>
+                      </a:schemeClr>
+                    </a:solidFill>
+                  </a:tcPr>
+                </a:tc>
+                <a:tc hMerge="1">
+                  <a:txBody>
+                    <a:bodyPr/>
+                    <a:lstStyle/>
+                    <a:p>
+                      <a:pPr algn="l" fontAlgn="ctr"/>
+                      <a:endParaRPr lang="ko-KR" altLang="en-US" sz="1100" b="0" i="0" u="none" strike="noStrike">
+                        <a:solidFill>
+                          <a:srgbClr val="000000"/>
+                        </a:solidFill>
+                        <a:effectLst/>
+                        <a:latin typeface="맑은 고딕" panose="020B0503020000020004" pitchFamily="50" charset="-127"/>
+                        <a:ea typeface="맑은 고딕" panose="020B0503020000020004" pitchFamily="50" charset="-127"/>
+                      </a:endParaRPr>
+                    </a:p>
+                  </a:txBody>
+                  <a:tcPr marL="9525" marR="9525" marT="9525" marB="0" anchor="ctr"/>
+                </a:tc>
+                <a:tc hMerge="1">
+                  <a:txBody>
+                    <a:bodyPr/>
+                    <a:lstStyle/>
+                    <a:p>
+                      <a:pPr algn="r" fontAlgn="ctr"/>
+                      <a:r>
+                        <a:rPr lang="ko-KR" altLang="en-US" sz="1100" u="none" strike="noStrike" dirty="0">
+                          <a:effectLst/>
+                        </a:rPr>
+                        <a:t>평균 진행률</a:t>
+                      </a:r>
+                      <a:endParaRPr lang="ko-KR" altLang="en-US" sz="1100" b="0" i="0" u="none" strike="noStrike" dirty="0">
+                        <a:solidFill>
+                          <a:srgbClr val="000000"/>
+                        </a:solidFill>
+                        <a:effectLst/>
+                        <a:latin typeface="맑은 고딕" panose="020B0503020000020004" pitchFamily="50" charset="-127"/>
+                        <a:ea typeface="맑은 고딕" panose="020B0503020000020004" pitchFamily="50" charset="-127"/>
+                      </a:endParaRPr>
+                    </a:p>
+                  </a:txBody>
+                  <a:tcPr marL="9525" marR="9525" marT="9525" marB="0" anchor="ctr"/>
+                </a:tc>
+                <a:tc hMerge="1">
+                  <a:txBody>
+                    <a:bodyPr/>
+                    <a:lstStyle/>
+                    <a:p>
+                      <a:pPr latinLnBrk="1"/>
+                      <a:endParaRPr lang="ko-KR" altLang="en-US"/>
+                    </a:p>
+                  </a:txBody>
+                  <a:tcPr/>
+                </a:tc>
+                <a:tc hMerge="1">
+                  <a:txBody>
+                    <a:bodyPr/>
+                    <a:lstStyle/>
+                    <a:p>
+                      <a:pPr latinLnBrk="1"/>
+                      <a:endParaRPr lang="ko-KR" altLang="en-US"/>
+                    </a:p>
+                  </a:txBody>
+                  <a:tcPr/>
+                </a:tc>
+                <a:tc>
+                  <a:txBody>
+                    <a:bodyPr/>
+                    <a:lstStyle/>
+                    <a:p>
+                      <a:pPr algn="ctr" fontAlgn="ctr"/>
+                      <a:r>
+                        <a:rPr lang="en-US" altLang="ko-KR" sz="1100" u="none" strike="noStrike" dirty="0">
+                          <a:effectLst/>
+                        </a:rPr>
+                        <a:t>79.00%</a:t>
+                      </a:r>
+                      <a:endParaRPr lang="en-US" altLang="ko-KR" sz="1100" b="0" i="0" u="none" strike="noStrike" dirty="0">
+                        <a:solidFill>
+                          <a:srgbClr val="000000"/>
+                        </a:solidFill>
+                        <a:effectLst/>
+                        <a:latin typeface="맑은 고딕" panose="020B0503020000020004" pitchFamily="50" charset="-127"/>
+                        <a:ea typeface="맑은 고딕" panose="020B0503020000020004" pitchFamily="50" charset="-127"/>
+                      </a:endParaRPr>
+                    </a:p>
+                  </a:txBody>
+                  <a:tcPr marL="9525" marR="9525" marT="9525" marB="0" anchor="ctr">
+                    <a:solidFill>
+                      <a:schemeClr val="bg1">
+                        <a:lumMod val="95000"/>
+                      </a:schemeClr>
+                    </a:solidFill>
+                  </a:tcPr>
+                </a:tc>
+                <a:extLst>
+                  <a:ext uri="{0D108BD9-81ED-4DB2-BD59-A6C34878D82A}">
+                    <a16:rowId xmlns:a16="http://schemas.microsoft.com/office/drawing/2014/main" val="743652133"/>
                   </a:ext>
                 </a:extLst>
               </a:tr>

--- a/발표자료/2차발표.pptx
+++ b/발표자료/2차발표.pptx
@@ -199,7 +199,7 @@
           <a:p>
             <a:fld id="{0B0DDC47-C9D4-48C8-AE6B-E7F5B9E92EFA}" type="datetimeFigureOut">
               <a:rPr lang="ko-KR" altLang="en-US" smtClean="0"/>
-              <a:t>2023-11-10</a:t>
+              <a:t>2023-11-13</a:t>
             </a:fld>
             <a:endParaRPr lang="ko-KR" altLang="en-US"/>
           </a:p>
@@ -654,17 +654,115 @@
           <a:bodyPr/>
           <a:lstStyle/>
           <a:p>
+            <a:endParaRPr lang="en-US" dirty="0"/>
+          </a:p>
+        </p:txBody>
+      </p:sp>
+      <p:sp>
+        <p:nvSpPr>
+          <p:cNvPr id="4" name="슬라이드 번호 개체 틀 3"/>
+          <p:cNvSpPr>
+            <a:spLocks noGrp="1"/>
+          </p:cNvSpPr>
+          <p:nvPr>
+            <p:ph type="sldNum" sz="quarter" idx="5"/>
+          </p:nvPr>
+        </p:nvSpPr>
+        <p:spPr/>
+        <p:txBody>
+          <a:bodyPr/>
+          <a:lstStyle/>
+          <a:p>
+            <a:fld id="{6FBB959C-FEA4-4370-A22E-B290BC466DC5}" type="slidenum">
+              <a:rPr lang="ko-KR" altLang="en-US" smtClean="0"/>
+              <a:t>2</a:t>
+            </a:fld>
+            <a:endParaRPr lang="ko-KR" altLang="en-US"/>
+          </a:p>
+        </p:txBody>
+      </p:sp>
+    </p:spTree>
+    <p:extLst>
+      <p:ext uri="{BB962C8B-B14F-4D97-AF65-F5344CB8AC3E}">
+        <p14:creationId xmlns:p14="http://schemas.microsoft.com/office/powerpoint/2010/main" val="1407616386"/>
+      </p:ext>
+    </p:extLst>
+  </p:cSld>
+  <p:clrMapOvr>
+    <a:masterClrMapping/>
+  </p:clrMapOvr>
+</p:notes>
+</file>
+
+<file path=ppt/notesSlides/notesSlide3.xml><?xml version="1.0" encoding="utf-8"?>
+<p:notes xmlns:a="http://schemas.openxmlformats.org/drawingml/2006/main" xmlns:r="http://schemas.openxmlformats.org/officeDocument/2006/relationships" xmlns:p="http://schemas.openxmlformats.org/presentationml/2006/main">
+  <p:cSld>
+    <p:spTree>
+      <p:nvGrpSpPr>
+        <p:cNvPr id="1" name=""/>
+        <p:cNvGrpSpPr/>
+        <p:nvPr/>
+      </p:nvGrpSpPr>
+      <p:grpSpPr>
+        <a:xfrm>
+          <a:off x="0" y="0"/>
+          <a:ext cx="0" cy="0"/>
+          <a:chOff x="0" y="0"/>
+          <a:chExt cx="0" cy="0"/>
+        </a:xfrm>
+      </p:grpSpPr>
+      <p:sp>
+        <p:nvSpPr>
+          <p:cNvPr id="2" name="슬라이드 이미지 개체 틀 1"/>
+          <p:cNvSpPr>
+            <a:spLocks noGrp="1" noRot="1" noChangeAspect="1"/>
+          </p:cNvSpPr>
+          <p:nvPr>
+            <p:ph type="sldImg"/>
+          </p:nvPr>
+        </p:nvSpPr>
+        <p:spPr/>
+      </p:sp>
+      <p:sp>
+        <p:nvSpPr>
+          <p:cNvPr id="3" name="슬라이드 노트 개체 틀 2"/>
+          <p:cNvSpPr>
+            <a:spLocks noGrp="1"/>
+          </p:cNvSpPr>
+          <p:nvPr>
+            <p:ph type="body" idx="1"/>
+          </p:nvPr>
+        </p:nvSpPr>
+        <p:spPr/>
+        <p:txBody>
+          <a:bodyPr/>
+          <a:lstStyle/>
+          <a:p>
+            <a:r>
+              <a:rPr lang="ko-KR" altLang="en-US" dirty="0"/>
+              <a:t>변경된 일정은</a:t>
+            </a:r>
+            <a:endParaRPr lang="en-US" altLang="ko-KR" dirty="0"/>
+          </a:p>
+          <a:p>
             <a:r>
               <a:rPr lang="en-US" altLang="ko-KR" dirty="0"/>
-              <a:t>4</a:t>
+              <a:t>5</a:t>
             </a:r>
             <a:r>
               <a:rPr lang="ko-KR" altLang="en-US" dirty="0"/>
-              <a:t>주차에 리팩토링 하는데 시간이 좀 소요됐고</a:t>
+              <a:t>주차에 화면 스크롤링을 위해 일정이 추가되었고</a:t>
+            </a:r>
+            <a:endParaRPr lang="en-US" altLang="ko-KR" dirty="0"/>
+          </a:p>
+          <a:p>
+            <a:r>
+              <a:rPr lang="ko-KR" altLang="en-US" dirty="0"/>
+              <a:t>상호작용과 인공지능의 강화를 번갈아 가면서 하기 위해서 </a:t>
             </a:r>
             <a:r>
               <a:rPr lang="en-US" altLang="ko-KR" dirty="0"/>
-              <a:t>, 5</a:t>
+              <a:t>5</a:t>
             </a:r>
             <a:r>
               <a:rPr lang="ko-KR" altLang="en-US" dirty="0"/>
@@ -676,15 +774,15 @@
             </a:r>
             <a:r>
               <a:rPr lang="ko-KR" altLang="en-US" dirty="0"/>
-              <a:t>주차 일정을 서로 바꾸고 </a:t>
+              <a:t>주차 일정을 서로 바꿨습니다</a:t>
             </a:r>
             <a:r>
               <a:rPr lang="en-US" altLang="ko-KR" dirty="0"/>
-              <a:t>7</a:t>
+              <a:t>.</a:t>
             </a:r>
             <a:r>
               <a:rPr lang="ko-KR" altLang="en-US" dirty="0"/>
-              <a:t>주차에 있던 점수와 승패 여부 처리를 </a:t>
+              <a:t> 점수와 승패 여부 처리는 상호작용을 구현하면서 함께 개발하기 위해 </a:t>
             </a:r>
             <a:r>
               <a:rPr lang="en-US" altLang="ko-KR" dirty="0"/>
@@ -885,7 +983,7 @@
           <a:p>
             <a:fld id="{CA333C41-276E-4BA6-82F1-6FB763620F69}" type="datetimeFigureOut">
               <a:rPr lang="ko-KR" altLang="en-US" smtClean="0"/>
-              <a:t>2023-11-10</a:t>
+              <a:t>2023-11-13</a:t>
             </a:fld>
             <a:endParaRPr lang="ko-KR" altLang="en-US"/>
           </a:p>
@@ -1083,7 +1181,7 @@
           <a:p>
             <a:fld id="{CA333C41-276E-4BA6-82F1-6FB763620F69}" type="datetimeFigureOut">
               <a:rPr lang="ko-KR" altLang="en-US" smtClean="0"/>
-              <a:t>2023-11-10</a:t>
+              <a:t>2023-11-13</a:t>
             </a:fld>
             <a:endParaRPr lang="ko-KR" altLang="en-US"/>
           </a:p>
@@ -1291,7 +1389,7 @@
           <a:p>
             <a:fld id="{CA333C41-276E-4BA6-82F1-6FB763620F69}" type="datetimeFigureOut">
               <a:rPr lang="ko-KR" altLang="en-US" smtClean="0"/>
-              <a:t>2023-11-10</a:t>
+              <a:t>2023-11-13</a:t>
             </a:fld>
             <a:endParaRPr lang="ko-KR" altLang="en-US"/>
           </a:p>
@@ -1489,7 +1587,7 @@
           <a:p>
             <a:fld id="{CA333C41-276E-4BA6-82F1-6FB763620F69}" type="datetimeFigureOut">
               <a:rPr lang="ko-KR" altLang="en-US" smtClean="0"/>
-              <a:t>2023-11-10</a:t>
+              <a:t>2023-11-13</a:t>
             </a:fld>
             <a:endParaRPr lang="ko-KR" altLang="en-US"/>
           </a:p>
@@ -1764,7 +1862,7 @@
           <a:p>
             <a:fld id="{CA333C41-276E-4BA6-82F1-6FB763620F69}" type="datetimeFigureOut">
               <a:rPr lang="ko-KR" altLang="en-US" smtClean="0"/>
-              <a:t>2023-11-10</a:t>
+              <a:t>2023-11-13</a:t>
             </a:fld>
             <a:endParaRPr lang="ko-KR" altLang="en-US"/>
           </a:p>
@@ -2029,7 +2127,7 @@
           <a:p>
             <a:fld id="{CA333C41-276E-4BA6-82F1-6FB763620F69}" type="datetimeFigureOut">
               <a:rPr lang="ko-KR" altLang="en-US" smtClean="0"/>
-              <a:t>2023-11-10</a:t>
+              <a:t>2023-11-13</a:t>
             </a:fld>
             <a:endParaRPr lang="ko-KR" altLang="en-US"/>
           </a:p>
@@ -2441,7 +2539,7 @@
           <a:p>
             <a:fld id="{CA333C41-276E-4BA6-82F1-6FB763620F69}" type="datetimeFigureOut">
               <a:rPr lang="ko-KR" altLang="en-US" smtClean="0"/>
-              <a:t>2023-11-10</a:t>
+              <a:t>2023-11-13</a:t>
             </a:fld>
             <a:endParaRPr lang="ko-KR" altLang="en-US"/>
           </a:p>
@@ -2582,7 +2680,7 @@
           <a:p>
             <a:fld id="{CA333C41-276E-4BA6-82F1-6FB763620F69}" type="datetimeFigureOut">
               <a:rPr lang="ko-KR" altLang="en-US" smtClean="0"/>
-              <a:t>2023-11-10</a:t>
+              <a:t>2023-11-13</a:t>
             </a:fld>
             <a:endParaRPr lang="ko-KR" altLang="en-US"/>
           </a:p>
@@ -2695,7 +2793,7 @@
           <a:p>
             <a:fld id="{CA333C41-276E-4BA6-82F1-6FB763620F69}" type="datetimeFigureOut">
               <a:rPr lang="ko-KR" altLang="en-US" smtClean="0"/>
-              <a:t>2023-11-10</a:t>
+              <a:t>2023-11-13</a:t>
             </a:fld>
             <a:endParaRPr lang="ko-KR" altLang="en-US"/>
           </a:p>
@@ -3006,7 +3104,7 @@
           <a:p>
             <a:fld id="{CA333C41-276E-4BA6-82F1-6FB763620F69}" type="datetimeFigureOut">
               <a:rPr lang="ko-KR" altLang="en-US" smtClean="0"/>
-              <a:t>2023-11-10</a:t>
+              <a:t>2023-11-13</a:t>
             </a:fld>
             <a:endParaRPr lang="ko-KR" altLang="en-US"/>
           </a:p>
@@ -3294,7 +3392,7 @@
           <a:p>
             <a:fld id="{CA333C41-276E-4BA6-82F1-6FB763620F69}" type="datetimeFigureOut">
               <a:rPr lang="ko-KR" altLang="en-US" smtClean="0"/>
-              <a:t>2023-11-10</a:t>
+              <a:t>2023-11-13</a:t>
             </a:fld>
             <a:endParaRPr lang="ko-KR" altLang="en-US"/>
           </a:p>
@@ -3535,7 +3633,7 @@
           <a:p>
             <a:fld id="{CA333C41-276E-4BA6-82F1-6FB763620F69}" type="datetimeFigureOut">
               <a:rPr lang="ko-KR" altLang="en-US" smtClean="0"/>
-              <a:t>2023-11-10</a:t>
+              <a:t>2023-11-13</a:t>
             </a:fld>
             <a:endParaRPr lang="ko-KR" altLang="en-US"/>
           </a:p>
@@ -4094,14 +4192,14 @@
             <p:ph idx="1"/>
             <p:extLst>
               <p:ext uri="{D42A27DB-BD31-4B8C-83A1-F6EECF244321}">
-                <p14:modId xmlns:p14="http://schemas.microsoft.com/office/powerpoint/2010/main" val="2836626908"/>
+                <p14:modId xmlns:p14="http://schemas.microsoft.com/office/powerpoint/2010/main" val="1154132371"/>
               </p:ext>
             </p:extLst>
           </p:nvPr>
         </p:nvGraphicFramePr>
         <p:xfrm>
-          <a:off x="838200" y="1690687"/>
-          <a:ext cx="10515601" cy="4755510"/>
+          <a:off x="516835" y="1437861"/>
+          <a:ext cx="11158330" cy="5221350"/>
         </p:xfrm>
         <a:graphic>
           <a:graphicData uri="http://schemas.openxmlformats.org/drawingml/2006/table">
@@ -4110,42 +4208,42 @@
                 <a:tableStyleId>{5C22544A-7EE6-4342-B048-85BDC9FD1C3A}</a:tableStyleId>
               </a:tblPr>
               <a:tblGrid>
-                <a:gridCol w="361851">
+                <a:gridCol w="383967">
                   <a:extLst>
                     <a:ext uri="{9D8B030D-6E8A-4147-A177-3AD203B41FA5}">
                       <a16:colId xmlns:a16="http://schemas.microsoft.com/office/drawing/2014/main" val="2367719499"/>
                     </a:ext>
                   </a:extLst>
                 </a:gridCol>
-                <a:gridCol w="506011">
+                <a:gridCol w="536939">
                   <a:extLst>
                     <a:ext uri="{9D8B030D-6E8A-4147-A177-3AD203B41FA5}">
                       <a16:colId xmlns:a16="http://schemas.microsoft.com/office/drawing/2014/main" val="652126107"/>
                     </a:ext>
                   </a:extLst>
                 </a:gridCol>
-                <a:gridCol w="4369482">
+                <a:gridCol w="4636552">
                   <a:extLst>
                     <a:ext uri="{9D8B030D-6E8A-4147-A177-3AD203B41FA5}">
                       <a16:colId xmlns:a16="http://schemas.microsoft.com/office/drawing/2014/main" val="2406661588"/>
                     </a:ext>
                   </a:extLst>
                 </a:gridCol>
-                <a:gridCol w="558459">
+                <a:gridCol w="592593">
                   <a:extLst>
                     <a:ext uri="{9D8B030D-6E8A-4147-A177-3AD203B41FA5}">
                       <a16:colId xmlns:a16="http://schemas.microsoft.com/office/drawing/2014/main" val="36004992"/>
                     </a:ext>
                   </a:extLst>
                 </a:gridCol>
-                <a:gridCol w="4127679">
+                <a:gridCol w="4379969">
                   <a:extLst>
                     <a:ext uri="{9D8B030D-6E8A-4147-A177-3AD203B41FA5}">
                       <a16:colId xmlns:a16="http://schemas.microsoft.com/office/drawing/2014/main" val="4185086034"/>
                     </a:ext>
                   </a:extLst>
                 </a:gridCol>
-                <a:gridCol w="592119">
+                <a:gridCol w="628310">
                   <a:extLst>
                     <a:ext uri="{9D8B030D-6E8A-4147-A177-3AD203B41FA5}">
                       <a16:colId xmlns:a16="http://schemas.microsoft.com/office/drawing/2014/main" val="407632903"/>
@@ -4153,7 +4251,7 @@
                   </a:extLst>
                 </a:gridCol>
               </a:tblGrid>
-              <a:tr h="264195">
+              <a:tr h="290075">
                 <a:tc>
                   <a:txBody>
                     <a:bodyPr/>
@@ -4298,7 +4396,7 @@
                   </a:ext>
                 </a:extLst>
               </a:tr>
-              <a:tr h="264195">
+              <a:tr h="290075">
                 <a:tc rowSpan="2">
                   <a:txBody>
                     <a:bodyPr/>
@@ -4483,7 +4581,7 @@
                   </a:ext>
                 </a:extLst>
               </a:tr>
-              <a:tr h="264195">
+              <a:tr h="290075">
                 <a:tc vMerge="1">
                   <a:txBody>
                     <a:bodyPr/>
@@ -4689,7 +4787,7 @@
                   </a:ext>
                 </a:extLst>
               </a:tr>
-              <a:tr h="264195">
+              <a:tr h="290075">
                 <a:tc rowSpan="2">
                   <a:txBody>
                     <a:bodyPr/>
@@ -4850,7 +4948,7 @@
                   </a:ext>
                 </a:extLst>
               </a:tr>
-              <a:tr h="264195">
+              <a:tr h="290075">
                 <a:tc vMerge="1">
                   <a:txBody>
                     <a:bodyPr/>
@@ -5017,7 +5115,7 @@
                   </a:ext>
                 </a:extLst>
               </a:tr>
-              <a:tr h="264195">
+              <a:tr h="290075">
                 <a:tc rowSpan="2">
                   <a:txBody>
                     <a:bodyPr/>
@@ -5137,10 +5235,199 @@
                     <a:p>
                       <a:pPr algn="ctr" fontAlgn="ctr"/>
                       <a:r>
+                        <a:rPr lang="en-US" altLang="ko-KR" sz="1100" b="0" i="0" u="none" strike="noStrike" dirty="0">
+                          <a:solidFill>
+                            <a:srgbClr val="000000"/>
+                          </a:solidFill>
+                          <a:effectLst/>
+                          <a:latin typeface="맑은 고딕" panose="020B0503020000020004" pitchFamily="50" charset="-127"/>
+                          <a:ea typeface="맑은 고딕" panose="020B0503020000020004" pitchFamily="50" charset="-127"/>
+                        </a:rPr>
+                        <a:t>100%</a:t>
+                      </a:r>
+                    </a:p>
+                  </a:txBody>
+                  <a:tcPr marL="9525" marR="9525" marT="9525" marB="0" anchor="ctr">
+                    <a:solidFill>
+                      <a:schemeClr val="bg1">
+                        <a:lumMod val="95000"/>
+                      </a:schemeClr>
+                    </a:solidFill>
+                  </a:tcPr>
+                </a:tc>
+                <a:extLst>
+                  <a:ext uri="{0D108BD9-81ED-4DB2-BD59-A6C34878D82A}">
+                    <a16:rowId xmlns:a16="http://schemas.microsoft.com/office/drawing/2014/main" val="3447632702"/>
+                  </a:ext>
+                </a:extLst>
+              </a:tr>
+              <a:tr h="290075">
+                <a:tc vMerge="1">
+                  <a:txBody>
+                    <a:bodyPr/>
+                    <a:lstStyle/>
+                    <a:p>
+                      <a:pPr latinLnBrk="1"/>
+                      <a:endParaRPr lang="ko-KR" altLang="en-US"/>
+                    </a:p>
+                  </a:txBody>
+                  <a:tcPr/>
+                </a:tc>
+                <a:tc>
+                  <a:txBody>
+                    <a:bodyPr/>
+                    <a:lstStyle/>
+                    <a:p>
+                      <a:pPr algn="ctr" fontAlgn="ctr"/>
+                      <a:r>
+                        <a:rPr lang="ko-KR" altLang="en-US" sz="1100" u="none" strike="noStrike" dirty="0">
+                          <a:effectLst/>
+                        </a:rPr>
+                        <a:t>완료</a:t>
+                      </a:r>
+                      <a:endParaRPr lang="ko-KR" altLang="en-US" sz="1100" b="0" i="0" u="none" strike="noStrike" dirty="0">
+                        <a:solidFill>
+                          <a:srgbClr val="000000"/>
+                        </a:solidFill>
+                        <a:effectLst/>
+                        <a:latin typeface="맑은 고딕" panose="020B0503020000020004" pitchFamily="50" charset="-127"/>
+                        <a:ea typeface="맑은 고딕" panose="020B0503020000020004" pitchFamily="50" charset="-127"/>
+                      </a:endParaRPr>
+                    </a:p>
+                  </a:txBody>
+                  <a:tcPr marL="9525" marR="9525" marT="9525" marB="0" anchor="ctr">
+                    <a:solidFill>
+                      <a:schemeClr val="bg1">
+                        <a:lumMod val="75000"/>
+                      </a:schemeClr>
+                    </a:solidFill>
+                  </a:tcPr>
+                </a:tc>
+                <a:tc>
+                  <a:txBody>
+                    <a:bodyPr/>
+                    <a:lstStyle/>
+                    <a:p>
+                      <a:pPr algn="l" fontAlgn="ctr"/>
+                      <a:r>
+                        <a:rPr lang="ko-KR" altLang="en-US" sz="1100" u="none" strike="noStrike" dirty="0">
+                          <a:effectLst/>
+                        </a:rPr>
+                        <a:t>전력질주 및 태클 상태</a:t>
+                      </a:r>
+                      <a:r>
                         <a:rPr lang="en-US" altLang="ko-KR" sz="1100" u="none" strike="noStrike" dirty="0">
                           <a:effectLst/>
                         </a:rPr>
-                        <a:t>66%</a:t>
+                        <a:t>, </a:t>
+                      </a:r>
+                      <a:r>
+                        <a:rPr lang="ko-KR" altLang="en-US" sz="1100" u="none" strike="noStrike" dirty="0">
+                          <a:effectLst/>
+                        </a:rPr>
+                        <a:t>넘어짐 상태</a:t>
+                      </a:r>
+                      <a:endParaRPr lang="ko-KR" altLang="en-US" sz="1100" b="0" i="0" u="none" strike="noStrike" dirty="0">
+                        <a:solidFill>
+                          <a:srgbClr val="000000"/>
+                        </a:solidFill>
+                        <a:effectLst/>
+                        <a:latin typeface="맑은 고딕" panose="020B0503020000020004" pitchFamily="50" charset="-127"/>
+                        <a:ea typeface="맑은 고딕" panose="020B0503020000020004" pitchFamily="50" charset="-127"/>
+                      </a:endParaRPr>
+                    </a:p>
+                  </a:txBody>
+                  <a:tcPr marL="9525" marR="9525" marT="9525" marB="0" anchor="ctr">
+                    <a:solidFill>
+                      <a:schemeClr val="bg1">
+                        <a:lumMod val="95000"/>
+                      </a:schemeClr>
+                    </a:solidFill>
+                  </a:tcPr>
+                </a:tc>
+                <a:tc>
+                  <a:txBody>
+                    <a:bodyPr/>
+                    <a:lstStyle/>
+                    <a:p>
+                      <a:pPr algn="ctr" fontAlgn="ctr"/>
+                      <a:r>
+                        <a:rPr lang="ko-KR" altLang="en-US" sz="1100" u="none" strike="noStrike" dirty="0">
+                          <a:effectLst/>
+                        </a:rPr>
+                        <a:t>미구현</a:t>
+                      </a:r>
+                      <a:endParaRPr lang="ko-KR" altLang="en-US" sz="1100" b="0" i="0" u="none" strike="noStrike" dirty="0">
+                        <a:solidFill>
+                          <a:srgbClr val="000000"/>
+                        </a:solidFill>
+                        <a:effectLst/>
+                        <a:latin typeface="맑은 고딕" panose="020B0503020000020004" pitchFamily="50" charset="-127"/>
+                        <a:ea typeface="맑은 고딕" panose="020B0503020000020004" pitchFamily="50" charset="-127"/>
+                      </a:endParaRPr>
+                    </a:p>
+                  </a:txBody>
+                  <a:tcPr marL="9525" marR="9525" marT="9525" marB="0" anchor="ctr">
+                    <a:solidFill>
+                      <a:schemeClr val="bg1">
+                        <a:lumMod val="75000"/>
+                      </a:schemeClr>
+                    </a:solidFill>
+                  </a:tcPr>
+                </a:tc>
+                <a:tc>
+                  <a:txBody>
+                    <a:bodyPr/>
+                    <a:lstStyle/>
+                    <a:p>
+                      <a:pPr algn="l" fontAlgn="ctr"/>
+                      <a:endParaRPr lang="ko-KR" altLang="en-US" sz="1100" b="0" i="0" u="none" strike="noStrike" dirty="0">
+                        <a:solidFill>
+                          <a:srgbClr val="000000"/>
+                        </a:solidFill>
+                        <a:effectLst/>
+                        <a:latin typeface="맑은 고딕" panose="020B0503020000020004" pitchFamily="50" charset="-127"/>
+                        <a:ea typeface="맑은 고딕" panose="020B0503020000020004" pitchFamily="50" charset="-127"/>
+                      </a:endParaRPr>
+                    </a:p>
+                  </a:txBody>
+                  <a:tcPr marL="9525" marR="9525" marT="9525" marB="0" anchor="ctr">
+                    <a:solidFill>
+                      <a:schemeClr val="bg1">
+                        <a:lumMod val="95000"/>
+                      </a:schemeClr>
+                    </a:solidFill>
+                  </a:tcPr>
+                </a:tc>
+                <a:tc vMerge="1">
+                  <a:txBody>
+                    <a:bodyPr/>
+                    <a:lstStyle/>
+                    <a:p>
+                      <a:pPr latinLnBrk="1"/>
+                      <a:endParaRPr lang="ko-KR" altLang="en-US"/>
+                    </a:p>
+                  </a:txBody>
+                  <a:tcPr/>
+                </a:tc>
+                <a:extLst>
+                  <a:ext uri="{0D108BD9-81ED-4DB2-BD59-A6C34878D82A}">
+                    <a16:rowId xmlns:a16="http://schemas.microsoft.com/office/drawing/2014/main" val="1942482965"/>
+                  </a:ext>
+                </a:extLst>
+              </a:tr>
+              <a:tr h="290075">
+                <a:tc rowSpan="2">
+                  <a:txBody>
+                    <a:bodyPr/>
+                    <a:lstStyle/>
+                    <a:p>
+                      <a:pPr algn="ctr" fontAlgn="ctr"/>
+                      <a:r>
+                        <a:rPr lang="en-US" altLang="ko-KR" sz="1100" u="none" strike="noStrike" dirty="0">
+                          <a:effectLst/>
+                        </a:rPr>
+                        <a:t>4</a:t>
                       </a:r>
                       <a:endParaRPr lang="en-US" altLang="ko-KR" sz="1100" b="0" i="0" u="none" strike="noStrike" dirty="0">
                         <a:solidFill>
@@ -5160,24 +5447,6 @@
                     </a:solidFill>
                   </a:tcPr>
                 </a:tc>
-                <a:extLst>
-                  <a:ext uri="{0D108BD9-81ED-4DB2-BD59-A6C34878D82A}">
-                    <a16:rowId xmlns:a16="http://schemas.microsoft.com/office/drawing/2014/main" val="3447632702"/>
-                  </a:ext>
-                </a:extLst>
-              </a:tr>
-              <a:tr h="264195">
-                <a:tc vMerge="1">
-                  <a:txBody>
-                    <a:bodyPr/>
-                    <a:lstStyle/>
-                    <a:p>
-                      <a:pPr latinLnBrk="1"/>
-                      <a:endParaRPr lang="ko-KR" altLang="en-US"/>
-                    </a:p>
-                  </a:txBody>
-                  <a:tcPr/>
-                </a:tc>
                 <a:tc>
                   <a:txBody>
                     <a:bodyPr/>
@@ -5188,7 +5457,7 @@
                         <a:rPr lang="ko-KR" altLang="en-US" sz="1100" u="none" strike="noStrike" dirty="0">
                           <a:effectLst/>
                         </a:rPr>
-                        <a:t>완료</a:t>
+                        <a:t>계획</a:t>
                       </a:r>
                       <a:endParaRPr lang="ko-KR" altLang="en-US" sz="1100" b="0" i="0" u="none" strike="noStrike" dirty="0">
                         <a:solidFill>
@@ -5203,22 +5472,128 @@
                   <a:tcPr marL="9525" marR="9525" marT="9525" marB="0" anchor="ctr">
                     <a:solidFill>
                       <a:schemeClr val="bg1">
-                        <a:lumMod val="75000"/>
+                        <a:lumMod val="85000"/>
                       </a:schemeClr>
                     </a:solidFill>
                   </a:tcPr>
                 </a:tc>
+                <a:tc gridSpan="3">
+                  <a:txBody>
+                    <a:bodyPr/>
+                    <a:lstStyle/>
+                    <a:p>
+                      <a:pPr algn="l" fontAlgn="ctr"/>
+                      <a:r>
+                        <a:rPr lang="ko-KR" altLang="en-US" sz="1100" u="none" strike="noStrike" dirty="0">
+                          <a:effectLst/>
+                        </a:rPr>
+                        <a:t>캐릭터간의 상호작용</a:t>
+                      </a:r>
+                      <a:r>
+                        <a:rPr lang="en-US" altLang="ko-KR" sz="1100" u="none" strike="noStrike" dirty="0">
+                          <a:effectLst/>
+                        </a:rPr>
+                        <a:t>1</a:t>
+                      </a:r>
+                      <a:endParaRPr lang="en-US" altLang="ko-KR" sz="1100" b="0" i="0" u="none" strike="noStrike" dirty="0">
+                        <a:solidFill>
+                          <a:srgbClr val="000000"/>
+                        </a:solidFill>
+                        <a:effectLst/>
+                        <a:latin typeface="맑은 고딕" panose="020B0503020000020004" pitchFamily="50" charset="-127"/>
+                        <a:ea typeface="맑은 고딕" panose="020B0503020000020004" pitchFamily="50" charset="-127"/>
+                      </a:endParaRPr>
+                    </a:p>
+                  </a:txBody>
+                  <a:tcPr marL="9525" marR="9525" marT="9525" marB="0" anchor="ctr">
+                    <a:solidFill>
+                      <a:schemeClr val="bg1">
+                        <a:lumMod val="85000"/>
+                      </a:schemeClr>
+                    </a:solidFill>
+                  </a:tcPr>
+                </a:tc>
+                <a:tc hMerge="1">
+                  <a:txBody>
+                    <a:bodyPr/>
+                    <a:lstStyle/>
+                    <a:p>
+                      <a:pPr latinLnBrk="1"/>
+                      <a:endParaRPr lang="ko-KR" altLang="en-US"/>
+                    </a:p>
+                  </a:txBody>
+                  <a:tcPr/>
+                </a:tc>
+                <a:tc hMerge="1">
+                  <a:txBody>
+                    <a:bodyPr/>
+                    <a:lstStyle/>
+                    <a:p>
+                      <a:pPr latinLnBrk="1"/>
+                      <a:endParaRPr lang="ko-KR" altLang="en-US"/>
+                    </a:p>
+                  </a:txBody>
+                  <a:tcPr/>
+                </a:tc>
+                <a:tc rowSpan="2">
+                  <a:txBody>
+                    <a:bodyPr/>
+                    <a:lstStyle/>
+                    <a:p>
+                      <a:pPr algn="ctr" fontAlgn="ctr"/>
+                      <a:r>
+                        <a:rPr lang="en-US" altLang="ko-KR" sz="1100" u="none" strike="noStrike" dirty="0">
+                          <a:effectLst/>
+                        </a:rPr>
+                        <a:t>100%</a:t>
+                      </a:r>
+                      <a:endParaRPr lang="en-US" altLang="ko-KR" sz="1100" b="0" i="0" u="none" strike="noStrike" dirty="0">
+                        <a:solidFill>
+                          <a:srgbClr val="000000"/>
+                        </a:solidFill>
+                        <a:effectLst/>
+                        <a:latin typeface="맑은 고딕" panose="020B0503020000020004" pitchFamily="50" charset="-127"/>
+                        <a:ea typeface="맑은 고딕" panose="020B0503020000020004" pitchFamily="50" charset="-127"/>
+                      </a:endParaRPr>
+                    </a:p>
+                  </a:txBody>
+                  <a:tcPr marL="9525" marR="9525" marT="9525" marB="0" anchor="ctr">
+                    <a:solidFill>
+                      <a:schemeClr val="bg1">
+                        <a:lumMod val="95000"/>
+                      </a:schemeClr>
+                    </a:solidFill>
+                  </a:tcPr>
+                </a:tc>
+                <a:extLst>
+                  <a:ext uri="{0D108BD9-81ED-4DB2-BD59-A6C34878D82A}">
+                    <a16:rowId xmlns:a16="http://schemas.microsoft.com/office/drawing/2014/main" val="3161859072"/>
+                  </a:ext>
+                </a:extLst>
+              </a:tr>
+              <a:tr h="290075">
+                <a:tc vMerge="1">
+                  <a:txBody>
+                    <a:bodyPr/>
+                    <a:lstStyle/>
+                    <a:p>
+                      <a:pPr latinLnBrk="1"/>
+                      <a:endParaRPr lang="ko-KR" altLang="en-US"/>
+                    </a:p>
+                  </a:txBody>
+                  <a:tcPr/>
+                </a:tc>
                 <a:tc>
                   <a:txBody>
                     <a:bodyPr/>
                     <a:lstStyle/>
                     <a:p>
-                      <a:pPr algn="l" fontAlgn="ctr"/>
+                      <a:pPr algn="ctr" fontAlgn="ctr"/>
                       <a:r>
                         <a:rPr lang="ko-KR" altLang="en-US" sz="1100" u="none" strike="noStrike" dirty="0">
                           <a:effectLst/>
                         </a:rPr>
-                        <a:t>전력질주 및 태클 상태</a:t>
+                        <a:t>완료</a:t>
                       </a:r>
                       <a:endParaRPr lang="ko-KR" altLang="en-US" sz="1100" b="0" i="0" u="none" strike="noStrike" dirty="0">
                         <a:solidFill>
@@ -5233,7 +5608,7 @@
                   <a:tcPr marL="9525" marR="9525" marT="9525" marB="0" anchor="ctr">
                     <a:solidFill>
                       <a:schemeClr val="bg1">
-                        <a:lumMod val="95000"/>
+                        <a:lumMod val="75000"/>
                       </a:schemeClr>
                     </a:solidFill>
                   </a:tcPr>
@@ -5243,12 +5618,24 @@
                     <a:bodyPr/>
                     <a:lstStyle/>
                     <a:p>
-                      <a:pPr algn="ctr" fontAlgn="ctr"/>
+                      <a:pPr algn="l" fontAlgn="ctr"/>
                       <a:r>
                         <a:rPr lang="ko-KR" altLang="en-US" sz="1100" u="none" strike="noStrike" dirty="0">
                           <a:effectLst/>
                         </a:rPr>
-                        <a:t>미구현</a:t>
+                        <a:t>공을 잡고 있는 상대 선수 잡기</a:t>
+                      </a:r>
+                      <a:r>
+                        <a:rPr lang="en-US" altLang="ko-KR" sz="1100" u="none" strike="noStrike" dirty="0">
+                          <a:effectLst/>
+                        </a:rPr>
+                        <a:t>, </a:t>
+                      </a:r>
+                      <a:r>
+                        <a:rPr lang="ko-KR" altLang="en-US" sz="1100" u="none" strike="noStrike" dirty="0">
+                          <a:effectLst/>
+                        </a:rPr>
+                        <a:t>태클 시 넘어짐</a:t>
                       </a:r>
                       <a:endParaRPr lang="ko-KR" altLang="en-US" sz="1100" b="0" i="0" u="none" strike="noStrike" dirty="0">
                         <a:solidFill>
@@ -5263,7 +5650,7 @@
                   <a:tcPr marL="9525" marR="9525" marT="9525" marB="0" anchor="ctr">
                     <a:solidFill>
                       <a:schemeClr val="bg1">
-                        <a:lumMod val="75000"/>
+                        <a:lumMod val="95000"/>
                       </a:schemeClr>
                     </a:solidFill>
                   </a:tcPr>
@@ -5273,12 +5660,12 @@
                     <a:bodyPr/>
                     <a:lstStyle/>
                     <a:p>
-                      <a:pPr algn="l" fontAlgn="ctr"/>
+                      <a:pPr algn="ctr" fontAlgn="ctr"/>
                       <a:r>
                         <a:rPr lang="ko-KR" altLang="en-US" sz="1100" u="none" strike="noStrike" dirty="0">
                           <a:effectLst/>
                         </a:rPr>
-                        <a:t>넘어짐 상태</a:t>
+                        <a:t>미구현</a:t>
                       </a:r>
                       <a:endParaRPr lang="ko-KR" altLang="en-US" sz="1100" b="0" i="0" u="none" strike="noStrike" dirty="0">
                         <a:solidFill>
@@ -5293,6 +5680,30 @@
                   <a:tcPr marL="9525" marR="9525" marT="9525" marB="0" anchor="ctr">
                     <a:solidFill>
                       <a:schemeClr val="bg1">
+                        <a:lumMod val="75000"/>
+                      </a:schemeClr>
+                    </a:solidFill>
+                  </a:tcPr>
+                </a:tc>
+                <a:tc>
+                  <a:txBody>
+                    <a:bodyPr/>
+                    <a:lstStyle/>
+                    <a:p>
+                      <a:pPr algn="l" fontAlgn="ctr"/>
+                      <a:endParaRPr lang="ko-KR" altLang="en-US" sz="1100" b="0" i="0" u="none" strike="noStrike" dirty="0">
+                        <a:solidFill>
+                          <a:srgbClr val="000000"/>
+                        </a:solidFill>
+                        <a:effectLst/>
+                        <a:latin typeface="맑은 고딕" panose="020B0503020000020004" pitchFamily="50" charset="-127"/>
+                        <a:ea typeface="맑은 고딕" panose="020B0503020000020004" pitchFamily="50" charset="-127"/>
+                      </a:endParaRPr>
+                    </a:p>
+                  </a:txBody>
+                  <a:tcPr marL="9525" marR="9525" marT="9525" marB="0" anchor="ctr">
+                    <a:solidFill>
+                      <a:schemeClr val="bg1">
                         <a:lumMod val="95000"/>
                       </a:schemeClr>
                     </a:solidFill>
@@ -5311,11 +5722,11 @@
                 </a:tc>
                 <a:extLst>
                   <a:ext uri="{0D108BD9-81ED-4DB2-BD59-A6C34878D82A}">
-                    <a16:rowId xmlns:a16="http://schemas.microsoft.com/office/drawing/2014/main" val="1942482965"/>
+                    <a16:rowId xmlns:a16="http://schemas.microsoft.com/office/drawing/2014/main" val="1399416464"/>
                   </a:ext>
                 </a:extLst>
               </a:tr>
-              <a:tr h="264195">
+              <a:tr h="290075">
                 <a:tc rowSpan="2">
                   <a:txBody>
                     <a:bodyPr/>
@@ -5326,7 +5737,7 @@
                         <a:rPr lang="en-US" altLang="ko-KR" sz="1100" u="none" strike="noStrike" dirty="0">
                           <a:effectLst/>
                         </a:rPr>
-                        <a:t>4</a:t>
+                        <a:t>5</a:t>
                       </a:r>
                       <a:endParaRPr lang="en-US" altLang="ko-KR" sz="1100" b="0" i="0" u="none" strike="noStrike" dirty="0">
                         <a:solidFill>
@@ -5386,13 +5797,19 @@
                         <a:rPr lang="ko-KR" altLang="en-US" sz="1100" u="none" strike="noStrike" dirty="0">
                           <a:effectLst/>
                         </a:rPr>
-                        <a:t>캐릭터간의 상호작용</a:t>
+                        <a:t>선수들의 인공지능 강화</a:t>
                       </a:r>
                       <a:r>
                         <a:rPr lang="en-US" altLang="ko-KR" sz="1100" u="none" strike="noStrike" dirty="0">
                           <a:effectLst/>
                         </a:rPr>
-                        <a:t>1</a:t>
+                        <a:t>1, </a:t>
+                      </a:r>
+                      <a:r>
+                        <a:rPr lang="ko-KR" altLang="en-US" sz="1100" u="none" strike="noStrike" dirty="0">
+                          <a:effectLst/>
+                        </a:rPr>
+                        <a:t>화면 스크롤링</a:t>
                       </a:r>
                       <a:endParaRPr lang="en-US" altLang="ko-KR" sz="1100" b="0" i="0" u="none" strike="noStrike" dirty="0">
                         <a:solidFill>
@@ -5441,10 +5858,277 @@
                     <a:p>
                       <a:pPr algn="ctr" fontAlgn="ctr"/>
                       <a:r>
+                        <a:rPr lang="en-US" altLang="ko-KR" sz="1100" b="0" i="0" u="none" strike="noStrike" dirty="0">
+                          <a:solidFill>
+                            <a:srgbClr val="000000"/>
+                          </a:solidFill>
+                          <a:effectLst/>
+                          <a:latin typeface="맑은 고딕" panose="020B0503020000020004" pitchFamily="50" charset="-127"/>
+                          <a:ea typeface="맑은 고딕" panose="020B0503020000020004" pitchFamily="50" charset="-127"/>
+                        </a:rPr>
+                        <a:t>30%</a:t>
+                      </a:r>
+                      <a:endParaRPr lang="ko-KR" altLang="en-US" sz="1100" b="0" i="0" u="none" strike="noStrike" dirty="0">
+                        <a:solidFill>
+                          <a:srgbClr val="000000"/>
+                        </a:solidFill>
+                        <a:effectLst/>
+                        <a:latin typeface="맑은 고딕" panose="020B0503020000020004" pitchFamily="50" charset="-127"/>
+                        <a:ea typeface="맑은 고딕" panose="020B0503020000020004" pitchFamily="50" charset="-127"/>
+                      </a:endParaRPr>
+                    </a:p>
+                  </a:txBody>
+                  <a:tcPr marL="9525" marR="9525" marT="9525" marB="0" anchor="ctr">
+                    <a:solidFill>
+                      <a:schemeClr val="bg1">
+                        <a:lumMod val="95000"/>
+                      </a:schemeClr>
+                    </a:solidFill>
+                  </a:tcPr>
+                </a:tc>
+                <a:extLst>
+                  <a:ext uri="{0D108BD9-81ED-4DB2-BD59-A6C34878D82A}">
+                    <a16:rowId xmlns:a16="http://schemas.microsoft.com/office/drawing/2014/main" val="3123218108"/>
+                  </a:ext>
+                </a:extLst>
+              </a:tr>
+              <a:tr h="290075">
+                <a:tc vMerge="1">
+                  <a:txBody>
+                    <a:bodyPr/>
+                    <a:lstStyle/>
+                    <a:p>
+                      <a:pPr latinLnBrk="1"/>
+                      <a:endParaRPr lang="ko-KR" altLang="en-US"/>
+                    </a:p>
+                  </a:txBody>
+                  <a:tcPr/>
+                </a:tc>
+                <a:tc>
+                  <a:txBody>
+                    <a:bodyPr/>
+                    <a:lstStyle/>
+                    <a:p>
+                      <a:pPr algn="ctr" fontAlgn="ctr"/>
+                      <a:r>
+                        <a:rPr lang="ko-KR" altLang="en-US" sz="1100" u="none" strike="noStrike" dirty="0">
+                          <a:effectLst/>
+                        </a:rPr>
+                        <a:t>완료</a:t>
+                      </a:r>
+                      <a:endParaRPr lang="ko-KR" altLang="en-US" sz="1100" b="0" i="0" u="none" strike="noStrike" dirty="0">
+                        <a:solidFill>
+                          <a:srgbClr val="000000"/>
+                        </a:solidFill>
+                        <a:effectLst/>
+                        <a:latin typeface="맑은 고딕" panose="020B0503020000020004" pitchFamily="50" charset="-127"/>
+                        <a:ea typeface="맑은 고딕" panose="020B0503020000020004" pitchFamily="50" charset="-127"/>
+                      </a:endParaRPr>
+                    </a:p>
+                  </a:txBody>
+                  <a:tcPr marL="9525" marR="9525" marT="9525" marB="0" anchor="ctr">
+                    <a:solidFill>
+                      <a:schemeClr val="bg1">
+                        <a:lumMod val="75000"/>
+                      </a:schemeClr>
+                    </a:solidFill>
+                  </a:tcPr>
+                </a:tc>
+                <a:tc>
+                  <a:txBody>
+                    <a:bodyPr/>
+                    <a:lstStyle/>
+                    <a:p>
+                      <a:pPr algn="l" fontAlgn="ctr"/>
+                      <a:r>
+                        <a:rPr lang="ko-KR" altLang="en-US" sz="1100" b="0" i="0" u="none" strike="noStrike" dirty="0">
+                          <a:solidFill>
+                            <a:srgbClr val="000000"/>
+                          </a:solidFill>
+                          <a:effectLst/>
+                          <a:latin typeface="맑은 고딕" panose="020B0503020000020004" pitchFamily="50" charset="-127"/>
+                          <a:ea typeface="맑은 고딕" panose="020B0503020000020004" pitchFamily="50" charset="-127"/>
+                        </a:rPr>
+                        <a:t>화면 스크롤링</a:t>
+                      </a:r>
+                      <a:r>
+                        <a:rPr lang="en-US" altLang="ko-KR" sz="1100" b="0" i="0" u="none" strike="noStrike" dirty="0">
+                          <a:solidFill>
+                            <a:srgbClr val="000000"/>
+                          </a:solidFill>
+                          <a:effectLst/>
+                          <a:latin typeface="맑은 고딕" panose="020B0503020000020004" pitchFamily="50" charset="-127"/>
+                          <a:ea typeface="맑은 고딕" panose="020B0503020000020004" pitchFamily="50" charset="-127"/>
+                        </a:rPr>
+                        <a:t>, </a:t>
+                      </a:r>
+                      <a:endParaRPr lang="ko-KR" altLang="en-US" sz="1100" b="0" i="0" u="none" strike="noStrike" dirty="0">
+                        <a:solidFill>
+                          <a:srgbClr val="000000"/>
+                        </a:solidFill>
+                        <a:effectLst/>
+                        <a:latin typeface="맑은 고딕" panose="020B0503020000020004" pitchFamily="50" charset="-127"/>
+                        <a:ea typeface="맑은 고딕" panose="020B0503020000020004" pitchFamily="50" charset="-127"/>
+                      </a:endParaRPr>
+                    </a:p>
+                  </a:txBody>
+                  <a:tcPr marL="9525" marR="9525" marT="9525" marB="0" anchor="ctr">
+                    <a:solidFill>
+                      <a:schemeClr val="bg1">
+                        <a:lumMod val="95000"/>
+                      </a:schemeClr>
+                    </a:solidFill>
+                  </a:tcPr>
+                </a:tc>
+                <a:tc>
+                  <a:txBody>
+                    <a:bodyPr/>
+                    <a:lstStyle/>
+                    <a:p>
+                      <a:pPr algn="ctr" fontAlgn="ctr"/>
+                      <a:r>
+                        <a:rPr lang="ko-KR" altLang="en-US" sz="1100" u="none" strike="noStrike" dirty="0">
+                          <a:effectLst/>
+                        </a:rPr>
+                        <a:t>미구현</a:t>
+                      </a:r>
+                      <a:endParaRPr lang="ko-KR" altLang="en-US" sz="1100" b="0" i="0" u="none" strike="noStrike" dirty="0">
+                        <a:solidFill>
+                          <a:srgbClr val="000000"/>
+                        </a:solidFill>
+                        <a:effectLst/>
+                        <a:latin typeface="맑은 고딕" panose="020B0503020000020004" pitchFamily="50" charset="-127"/>
+                        <a:ea typeface="맑은 고딕" panose="020B0503020000020004" pitchFamily="50" charset="-127"/>
+                      </a:endParaRPr>
+                    </a:p>
+                  </a:txBody>
+                  <a:tcPr marL="9525" marR="9525" marT="9525" marB="0" anchor="ctr">
+                    <a:solidFill>
+                      <a:schemeClr val="bg1">
+                        <a:lumMod val="75000"/>
+                      </a:schemeClr>
+                    </a:solidFill>
+                  </a:tcPr>
+                </a:tc>
+                <a:tc>
+                  <a:txBody>
+                    <a:bodyPr/>
+                    <a:lstStyle/>
+                    <a:p>
+                      <a:pPr algn="l" fontAlgn="ctr"/>
+                      <a:r>
+                        <a:rPr lang="ko-KR" altLang="en-US" sz="1100" b="0" i="0" u="none" strike="noStrike" dirty="0">
+                          <a:solidFill>
+                            <a:srgbClr val="000000"/>
+                          </a:solidFill>
+                          <a:effectLst/>
+                          <a:latin typeface="맑은 고딕" panose="020B0503020000020004" pitchFamily="50" charset="-127"/>
+                          <a:ea typeface="맑은 고딕" panose="020B0503020000020004" pitchFamily="50" charset="-127"/>
+                        </a:rPr>
+                        <a:t>인공지능 강화</a:t>
+                      </a:r>
+                      <a:r>
+                        <a:rPr lang="en-US" altLang="ko-KR" sz="1100" b="0" i="0" u="none" strike="noStrike" dirty="0">
+                          <a:solidFill>
+                            <a:srgbClr val="000000"/>
+                          </a:solidFill>
+                          <a:effectLst/>
+                          <a:latin typeface="맑은 고딕" panose="020B0503020000020004" pitchFamily="50" charset="-127"/>
+                          <a:ea typeface="맑은 고딕" panose="020B0503020000020004" pitchFamily="50" charset="-127"/>
+                        </a:rPr>
+                        <a:t>(</a:t>
+                      </a:r>
+                      <a:r>
+                        <a:rPr lang="ko-KR" altLang="en-US" sz="1100" b="0" i="0" u="none" strike="noStrike" dirty="0">
+                          <a:solidFill>
+                            <a:srgbClr val="000000"/>
+                          </a:solidFill>
+                          <a:effectLst/>
+                          <a:latin typeface="맑은 고딕" panose="020B0503020000020004" pitchFamily="50" charset="-127"/>
+                          <a:ea typeface="맑은 고딕" panose="020B0503020000020004" pitchFamily="50" charset="-127"/>
+                        </a:rPr>
+                        <a:t>가장 가까운 선수가 공으로 달려가기</a:t>
+                      </a:r>
+                      <a:r>
+                        <a:rPr lang="en-US" altLang="ko-KR" sz="1100" b="0" i="0" u="none" strike="noStrike" dirty="0">
+                          <a:solidFill>
+                            <a:srgbClr val="000000"/>
+                          </a:solidFill>
+                          <a:effectLst/>
+                          <a:latin typeface="맑은 고딕" panose="020B0503020000020004" pitchFamily="50" charset="-127"/>
+                          <a:ea typeface="맑은 고딕" panose="020B0503020000020004" pitchFamily="50" charset="-127"/>
+                        </a:rPr>
+                        <a:t>, </a:t>
+                      </a:r>
+                      <a:r>
+                        <a:rPr lang="ko-KR" altLang="en-US" sz="1100" b="0" i="0" u="none" strike="noStrike" dirty="0">
+                          <a:solidFill>
+                            <a:srgbClr val="000000"/>
+                          </a:solidFill>
+                          <a:effectLst/>
+                          <a:latin typeface="맑은 고딕" panose="020B0503020000020004" pitchFamily="50" charset="-127"/>
+                          <a:ea typeface="맑은 고딕" panose="020B0503020000020004" pitchFamily="50" charset="-127"/>
+                        </a:rPr>
+                        <a:t>상대팀 막기</a:t>
+                      </a:r>
+                      <a:r>
+                        <a:rPr lang="en-US" altLang="ko-KR" sz="1100" b="0" i="0" u="none" strike="noStrike" dirty="0">
+                          <a:solidFill>
+                            <a:srgbClr val="000000"/>
+                          </a:solidFill>
+                          <a:effectLst/>
+                          <a:latin typeface="맑은 고딕" panose="020B0503020000020004" pitchFamily="50" charset="-127"/>
+                          <a:ea typeface="맑은 고딕" panose="020B0503020000020004" pitchFamily="50" charset="-127"/>
+                        </a:rPr>
+                        <a:t>)</a:t>
+                      </a:r>
+                      <a:endParaRPr lang="ko-KR" altLang="en-US" sz="1100" b="0" i="0" u="none" strike="noStrike" dirty="0">
+                        <a:solidFill>
+                          <a:srgbClr val="000000"/>
+                        </a:solidFill>
+                        <a:effectLst/>
+                        <a:latin typeface="맑은 고딕" panose="020B0503020000020004" pitchFamily="50" charset="-127"/>
+                        <a:ea typeface="맑은 고딕" panose="020B0503020000020004" pitchFamily="50" charset="-127"/>
+                      </a:endParaRPr>
+                    </a:p>
+                  </a:txBody>
+                  <a:tcPr marL="9525" marR="9525" marT="9525" marB="0" anchor="ctr">
+                    <a:solidFill>
+                      <a:schemeClr val="bg1">
+                        <a:lumMod val="95000"/>
+                      </a:schemeClr>
+                    </a:solidFill>
+                  </a:tcPr>
+                </a:tc>
+                <a:tc vMerge="1">
+                  <a:txBody>
+                    <a:bodyPr/>
+                    <a:lstStyle/>
+                    <a:p>
+                      <a:pPr latinLnBrk="1"/>
+                      <a:endParaRPr lang="ko-KR" altLang="en-US" dirty="0"/>
+                    </a:p>
+                  </a:txBody>
+                  <a:tcPr/>
+                </a:tc>
+                <a:extLst>
+                  <a:ext uri="{0D108BD9-81ED-4DB2-BD59-A6C34878D82A}">
+                    <a16:rowId xmlns:a16="http://schemas.microsoft.com/office/drawing/2014/main" val="1246410742"/>
+                  </a:ext>
+                </a:extLst>
+              </a:tr>
+              <a:tr h="290075">
+                <a:tc rowSpan="2">
+                  <a:txBody>
+                    <a:bodyPr/>
+                    <a:lstStyle/>
+                    <a:p>
+                      <a:pPr algn="ctr" fontAlgn="ctr"/>
+                      <a:r>
                         <a:rPr lang="en-US" altLang="ko-KR" sz="1100" u="none" strike="noStrike" dirty="0">
                           <a:effectLst/>
                         </a:rPr>
-                        <a:t>50%</a:t>
+                        <a:t>6</a:t>
                       </a:r>
                       <a:endParaRPr lang="en-US" altLang="ko-KR" sz="1100" b="0" i="0" u="none" strike="noStrike" dirty="0">
                         <a:solidFill>
@@ -5464,24 +6148,6 @@
                     </a:solidFill>
                   </a:tcPr>
                 </a:tc>
-                <a:extLst>
-                  <a:ext uri="{0D108BD9-81ED-4DB2-BD59-A6C34878D82A}">
-                    <a16:rowId xmlns:a16="http://schemas.microsoft.com/office/drawing/2014/main" val="3161859072"/>
-                  </a:ext>
-                </a:extLst>
-              </a:tr>
-              <a:tr h="264195">
-                <a:tc vMerge="1">
-                  <a:txBody>
-                    <a:bodyPr/>
-                    <a:lstStyle/>
-                    <a:p>
-                      <a:pPr latinLnBrk="1"/>
-                      <a:endParaRPr lang="ko-KR" altLang="en-US"/>
-                    </a:p>
-                  </a:txBody>
-                  <a:tcPr/>
-                </a:tc>
                 <a:tc>
                   <a:txBody>
                     <a:bodyPr/>
@@ -5492,7 +6158,7 @@
                         <a:rPr lang="ko-KR" altLang="en-US" sz="1100" u="none" strike="noStrike" dirty="0">
                           <a:effectLst/>
                         </a:rPr>
-                        <a:t>완료</a:t>
+                        <a:t>계획</a:t>
                       </a:r>
                       <a:endParaRPr lang="ko-KR" altLang="en-US" sz="1100" b="0" i="0" u="none" strike="noStrike" dirty="0">
                         <a:solidFill>
@@ -5507,186 +6173,6 @@
                   <a:tcPr marL="9525" marR="9525" marT="9525" marB="0" anchor="ctr">
                     <a:solidFill>
                       <a:schemeClr val="bg1">
-                        <a:lumMod val="75000"/>
-                      </a:schemeClr>
-                    </a:solidFill>
-                  </a:tcPr>
-                </a:tc>
-                <a:tc>
-                  <a:txBody>
-                    <a:bodyPr/>
-                    <a:lstStyle/>
-                    <a:p>
-                      <a:pPr algn="l" fontAlgn="ctr"/>
-                      <a:r>
-                        <a:rPr lang="ko-KR" altLang="en-US" sz="1100" u="none" strike="noStrike" dirty="0">
-                          <a:effectLst/>
-                        </a:rPr>
-                        <a:t>완료</a:t>
-                      </a:r>
-                      <a:r>
-                        <a:rPr lang="en-US" altLang="ko-KR" sz="1100" u="none" strike="noStrike" dirty="0">
-                          <a:effectLst/>
-                        </a:rPr>
-                        <a:t>: </a:t>
-                      </a:r>
-                      <a:r>
-                        <a:rPr lang="ko-KR" altLang="en-US" sz="1100" u="none" strike="noStrike" dirty="0">
-                          <a:effectLst/>
-                        </a:rPr>
-                        <a:t>플레이어가 공을 잡은 상대 선수를 잡음</a:t>
-                      </a:r>
-                      <a:endParaRPr lang="ko-KR" altLang="en-US" sz="1100" b="0" i="0" u="none" strike="noStrike" dirty="0">
-                        <a:solidFill>
-                          <a:srgbClr val="000000"/>
-                        </a:solidFill>
-                        <a:effectLst/>
-                        <a:latin typeface="맑은 고딕" panose="020B0503020000020004" pitchFamily="50" charset="-127"/>
-                        <a:ea typeface="맑은 고딕" panose="020B0503020000020004" pitchFamily="50" charset="-127"/>
-                      </a:endParaRPr>
-                    </a:p>
-                  </a:txBody>
-                  <a:tcPr marL="9525" marR="9525" marT="9525" marB="0" anchor="ctr">
-                    <a:solidFill>
-                      <a:schemeClr val="bg1">
-                        <a:lumMod val="95000"/>
-                      </a:schemeClr>
-                    </a:solidFill>
-                  </a:tcPr>
-                </a:tc>
-                <a:tc>
-                  <a:txBody>
-                    <a:bodyPr/>
-                    <a:lstStyle/>
-                    <a:p>
-                      <a:pPr algn="ctr" fontAlgn="ctr"/>
-                      <a:r>
-                        <a:rPr lang="ko-KR" altLang="en-US" sz="1100" u="none" strike="noStrike" dirty="0">
-                          <a:effectLst/>
-                        </a:rPr>
-                        <a:t>미구현</a:t>
-                      </a:r>
-                      <a:endParaRPr lang="ko-KR" altLang="en-US" sz="1100" b="0" i="0" u="none" strike="noStrike" dirty="0">
-                        <a:solidFill>
-                          <a:srgbClr val="000000"/>
-                        </a:solidFill>
-                        <a:effectLst/>
-                        <a:latin typeface="맑은 고딕" panose="020B0503020000020004" pitchFamily="50" charset="-127"/>
-                        <a:ea typeface="맑은 고딕" panose="020B0503020000020004" pitchFamily="50" charset="-127"/>
-                      </a:endParaRPr>
-                    </a:p>
-                  </a:txBody>
-                  <a:tcPr marL="9525" marR="9525" marT="9525" marB="0" anchor="ctr">
-                    <a:solidFill>
-                      <a:schemeClr val="bg1">
-                        <a:lumMod val="75000"/>
-                      </a:schemeClr>
-                    </a:solidFill>
-                  </a:tcPr>
-                </a:tc>
-                <a:tc>
-                  <a:txBody>
-                    <a:bodyPr/>
-                    <a:lstStyle/>
-                    <a:p>
-                      <a:pPr algn="l" fontAlgn="ctr"/>
-                      <a:r>
-                        <a:rPr lang="ko-KR" altLang="en-US" sz="1100" u="none" strike="noStrike" dirty="0">
-                          <a:effectLst/>
-                        </a:rPr>
-                        <a:t>태클시 충돌</a:t>
-                      </a:r>
-                      <a:endParaRPr lang="ko-KR" altLang="en-US" sz="1100" b="0" i="0" u="none" strike="noStrike" dirty="0">
-                        <a:solidFill>
-                          <a:srgbClr val="000000"/>
-                        </a:solidFill>
-                        <a:effectLst/>
-                        <a:latin typeface="맑은 고딕" panose="020B0503020000020004" pitchFamily="50" charset="-127"/>
-                        <a:ea typeface="맑은 고딕" panose="020B0503020000020004" pitchFamily="50" charset="-127"/>
-                      </a:endParaRPr>
-                    </a:p>
-                  </a:txBody>
-                  <a:tcPr marL="9525" marR="9525" marT="9525" marB="0" anchor="ctr">
-                    <a:solidFill>
-                      <a:schemeClr val="bg1">
-                        <a:lumMod val="95000"/>
-                      </a:schemeClr>
-                    </a:solidFill>
-                  </a:tcPr>
-                </a:tc>
-                <a:tc vMerge="1">
-                  <a:txBody>
-                    <a:bodyPr/>
-                    <a:lstStyle/>
-                    <a:p>
-                      <a:pPr latinLnBrk="1"/>
-                      <a:endParaRPr lang="ko-KR" altLang="en-US"/>
-                    </a:p>
-                  </a:txBody>
-                  <a:tcPr/>
-                </a:tc>
-                <a:extLst>
-                  <a:ext uri="{0D108BD9-81ED-4DB2-BD59-A6C34878D82A}">
-                    <a16:rowId xmlns:a16="http://schemas.microsoft.com/office/drawing/2014/main" val="1399416464"/>
-                  </a:ext>
-                </a:extLst>
-              </a:tr>
-              <a:tr h="264195">
-                <a:tc rowSpan="2">
-                  <a:txBody>
-                    <a:bodyPr/>
-                    <a:lstStyle/>
-                    <a:p>
-                      <a:pPr algn="ctr" fontAlgn="ctr"/>
-                      <a:r>
-                        <a:rPr lang="en-US" altLang="ko-KR" sz="1100" u="none" strike="noStrike" dirty="0">
-                          <a:effectLst/>
-                        </a:rPr>
-                        <a:t>5</a:t>
-                      </a:r>
-                      <a:endParaRPr lang="en-US" altLang="ko-KR" sz="1100" b="0" i="0" u="none" strike="noStrike" dirty="0">
-                        <a:solidFill>
-                          <a:srgbClr val="000000"/>
-                        </a:solidFill>
-                        <a:effectLst/>
-                        <a:latin typeface="맑은 고딕" panose="020B0503020000020004" pitchFamily="50" charset="-127"/>
-                        <a:ea typeface="맑은 고딕" panose="020B0503020000020004" pitchFamily="50" charset="-127"/>
-                      </a:endParaRPr>
-                    </a:p>
-                  </a:txBody>
-                  <a:tcPr marL="9525" marR="9525" marT="9525" marB="0" anchor="ctr">
-                    <a:solidFill>
-                      <a:schemeClr val="bg1">
-                        <a:lumMod val="95000"/>
-                      </a:schemeClr>
-                    </a:solidFill>
-                  </a:tcPr>
-                </a:tc>
-                <a:tc>
-                  <a:txBody>
-                    <a:bodyPr/>
-                    <a:lstStyle/>
-                    <a:p>
-                      <a:pPr algn="ctr" fontAlgn="ctr"/>
-                      <a:r>
-                        <a:rPr lang="ko-KR" altLang="en-US" sz="1100" u="none" strike="noStrike" dirty="0">
-                          <a:effectLst/>
-                        </a:rPr>
-                        <a:t>계획</a:t>
-                      </a:r>
-                      <a:endParaRPr lang="ko-KR" altLang="en-US" sz="1100" b="0" i="0" u="none" strike="noStrike" dirty="0">
-                        <a:solidFill>
-                          <a:srgbClr val="000000"/>
-                        </a:solidFill>
-                        <a:effectLst/>
-                        <a:latin typeface="맑은 고딕" panose="020B0503020000020004" pitchFamily="50" charset="-127"/>
-                        <a:ea typeface="맑은 고딕" panose="020B0503020000020004" pitchFamily="50" charset="-127"/>
-                      </a:endParaRPr>
-                    </a:p>
-                  </a:txBody>
-                  <a:tcPr marL="9525" marR="9525" marT="9525" marB="0" anchor="ctr">
-                    <a:solidFill>
-                      <a:schemeClr val="bg1">
                         <a:lumMod val="85000"/>
                       </a:schemeClr>
                     </a:solidFill>
@@ -5702,15 +6188,21 @@
                         <a:rPr lang="ko-KR" altLang="en-US" sz="1100" u="none" strike="noStrike" dirty="0">
                           <a:effectLst/>
                         </a:rPr>
-                        <a:t>선수들의 인공지능 강화</a:t>
+                        <a:t>캐릭터 간의 상호작용</a:t>
                       </a:r>
                       <a:r>
                         <a:rPr lang="en-US" altLang="ko-KR" sz="1100" u="none" strike="noStrike" dirty="0">
                           <a:effectLst/>
                         </a:rPr>
-                        <a:t>1</a:t>
-                      </a:r>
-                      <a:endParaRPr lang="en-US" altLang="ko-KR" sz="1100" b="0" i="0" u="none" strike="noStrike" dirty="0">
+                        <a:t>2, </a:t>
+                      </a:r>
+                      <a:r>
+                        <a:rPr lang="ko-KR" altLang="en-US" sz="1100" u="none" strike="noStrike" dirty="0">
+                          <a:effectLst/>
+                        </a:rPr>
+                        <a:t>점수와 승패여부 처리</a:t>
+                      </a:r>
+                      <a:endParaRPr lang="ko-KR" altLang="en-US" sz="1100" b="0" i="0" u="none" strike="noStrike" dirty="0">
                         <a:solidFill>
                           <a:srgbClr val="000000"/>
                         </a:solidFill>
@@ -5776,11 +6268,11 @@
                 </a:tc>
                 <a:extLst>
                   <a:ext uri="{0D108BD9-81ED-4DB2-BD59-A6C34878D82A}">
-                    <a16:rowId xmlns:a16="http://schemas.microsoft.com/office/drawing/2014/main" val="3123218108"/>
+                    <a16:rowId xmlns:a16="http://schemas.microsoft.com/office/drawing/2014/main" val="3470476487"/>
                   </a:ext>
                 </a:extLst>
               </a:tr>
-              <a:tr h="264195">
+              <a:tr h="290075">
                 <a:tc vMerge="1">
                   <a:txBody>
                     <a:bodyPr/>
@@ -5901,11 +6393,11 @@
                 </a:tc>
                 <a:extLst>
                   <a:ext uri="{0D108BD9-81ED-4DB2-BD59-A6C34878D82A}">
-                    <a16:rowId xmlns:a16="http://schemas.microsoft.com/office/drawing/2014/main" val="1246410742"/>
+                    <a16:rowId xmlns:a16="http://schemas.microsoft.com/office/drawing/2014/main" val="3132754782"/>
                   </a:ext>
                 </a:extLst>
               </a:tr>
-              <a:tr h="264195">
+              <a:tr h="290075">
                 <a:tc rowSpan="2">
                   <a:txBody>
                     <a:bodyPr/>
@@ -5916,7 +6408,7 @@
                         <a:rPr lang="en-US" altLang="ko-KR" sz="1100" u="none" strike="noStrike" dirty="0">
                           <a:effectLst/>
                         </a:rPr>
-                        <a:t>6</a:t>
+                        <a:t>7</a:t>
                       </a:r>
                       <a:endParaRPr lang="en-US" altLang="ko-KR" sz="1100" b="0" i="0" u="none" strike="noStrike" dirty="0">
                         <a:solidFill>
@@ -5976,21 +6468,15 @@
                         <a:rPr lang="ko-KR" altLang="en-US" sz="1100" u="none" strike="noStrike" dirty="0">
                           <a:effectLst/>
                         </a:rPr>
-                        <a:t>캐릭터 간의 상호작용</a:t>
+                        <a:t>선수들의 인공지능 강화</a:t>
                       </a:r>
                       <a:r>
                         <a:rPr lang="en-US" altLang="ko-KR" sz="1100" u="none" strike="noStrike" dirty="0">
                           <a:effectLst/>
                         </a:rPr>
-                        <a:t>2, </a:t>
-                      </a:r>
-                      <a:r>
-                        <a:rPr lang="ko-KR" altLang="en-US" sz="1100" u="none" strike="noStrike" dirty="0">
-                          <a:effectLst/>
-                        </a:rPr>
-                        <a:t>점수와 승패여부 처리</a:t>
-                      </a:r>
-                      <a:endParaRPr lang="ko-KR" altLang="en-US" sz="1100" b="0" i="0" u="none" strike="noStrike" dirty="0">
+                        <a:t>2</a:t>
+                      </a:r>
+                      <a:endParaRPr lang="en-US" altLang="ko-KR" sz="1100" b="0" i="0" u="none" strike="noStrike" dirty="0">
                         <a:solidFill>
                           <a:srgbClr val="000000"/>
                         </a:solidFill>
@@ -6056,11 +6542,11 @@
                 </a:tc>
                 <a:extLst>
                   <a:ext uri="{0D108BD9-81ED-4DB2-BD59-A6C34878D82A}">
-                    <a16:rowId xmlns:a16="http://schemas.microsoft.com/office/drawing/2014/main" val="3470476487"/>
+                    <a16:rowId xmlns:a16="http://schemas.microsoft.com/office/drawing/2014/main" val="1541995437"/>
                   </a:ext>
                 </a:extLst>
               </a:tr>
-              <a:tr h="264195">
+              <a:tr h="290075">
                 <a:tc vMerge="1">
                   <a:txBody>
                     <a:bodyPr/>
@@ -6181,11 +6667,11 @@
                 </a:tc>
                 <a:extLst>
                   <a:ext uri="{0D108BD9-81ED-4DB2-BD59-A6C34878D82A}">
-                    <a16:rowId xmlns:a16="http://schemas.microsoft.com/office/drawing/2014/main" val="3132754782"/>
+                    <a16:rowId xmlns:a16="http://schemas.microsoft.com/office/drawing/2014/main" val="3315031388"/>
                   </a:ext>
                 </a:extLst>
               </a:tr>
-              <a:tr h="264195">
+              <a:tr h="290075">
                 <a:tc rowSpan="2">
                   <a:txBody>
                     <a:bodyPr/>
@@ -6196,7 +6682,7 @@
                         <a:rPr lang="en-US" altLang="ko-KR" sz="1100" u="none" strike="noStrike" dirty="0">
                           <a:effectLst/>
                         </a:rPr>
-                        <a:t>7</a:t>
+                        <a:t>8</a:t>
                       </a:r>
                       <a:endParaRPr lang="en-US" altLang="ko-KR" sz="1100" b="0" i="0" u="none" strike="noStrike" dirty="0">
                         <a:solidFill>
@@ -6256,15 +6742,9 @@
                         <a:rPr lang="ko-KR" altLang="en-US" sz="1100" u="none" strike="noStrike" dirty="0">
                           <a:effectLst/>
                         </a:rPr>
-                        <a:t>선수들의 인공지능 강화</a:t>
-                      </a:r>
-                      <a:r>
-                        <a:rPr lang="en-US" altLang="ko-KR" sz="1100" u="none" strike="noStrike" dirty="0">
-                          <a:effectLst/>
-                        </a:rPr>
-                        <a:t>2</a:t>
-                      </a:r>
-                      <a:endParaRPr lang="en-US" altLang="ko-KR" sz="1100" b="0" i="0" u="none" strike="noStrike" dirty="0">
+                        <a:t>사운드 추가</a:t>
+                      </a:r>
+                      <a:endParaRPr lang="ko-KR" altLang="en-US" sz="1100" b="0" i="0" u="none" strike="noStrike" dirty="0">
                         <a:solidFill>
                           <a:srgbClr val="000000"/>
                         </a:solidFill>
@@ -6330,11 +6810,11 @@
                 </a:tc>
                 <a:extLst>
                   <a:ext uri="{0D108BD9-81ED-4DB2-BD59-A6C34878D82A}">
-                    <a16:rowId xmlns:a16="http://schemas.microsoft.com/office/drawing/2014/main" val="1541995437"/>
+                    <a16:rowId xmlns:a16="http://schemas.microsoft.com/office/drawing/2014/main" val="4227420887"/>
                   </a:ext>
                 </a:extLst>
               </a:tr>
-              <a:tr h="264195">
+              <a:tr h="290075">
                 <a:tc vMerge="1">
                   <a:txBody>
                     <a:bodyPr/>
@@ -6455,279 +6935,11 @@
                 </a:tc>
                 <a:extLst>
                   <a:ext uri="{0D108BD9-81ED-4DB2-BD59-A6C34878D82A}">
-                    <a16:rowId xmlns:a16="http://schemas.microsoft.com/office/drawing/2014/main" val="3315031388"/>
-                  </a:ext>
-                </a:extLst>
-              </a:tr>
-              <a:tr h="264195">
-                <a:tc rowSpan="2">
-                  <a:txBody>
-                    <a:bodyPr/>
-                    <a:lstStyle/>
-                    <a:p>
-                      <a:pPr algn="ctr" fontAlgn="ctr"/>
-                      <a:r>
-                        <a:rPr lang="en-US" altLang="ko-KR" sz="1100" u="none" strike="noStrike" dirty="0">
-                          <a:effectLst/>
-                        </a:rPr>
-                        <a:t>8</a:t>
-                      </a:r>
-                      <a:endParaRPr lang="en-US" altLang="ko-KR" sz="1100" b="0" i="0" u="none" strike="noStrike" dirty="0">
-                        <a:solidFill>
-                          <a:srgbClr val="000000"/>
-                        </a:solidFill>
-                        <a:effectLst/>
-                        <a:latin typeface="맑은 고딕" panose="020B0503020000020004" pitchFamily="50" charset="-127"/>
-                        <a:ea typeface="맑은 고딕" panose="020B0503020000020004" pitchFamily="50" charset="-127"/>
-                      </a:endParaRPr>
-                    </a:p>
-                  </a:txBody>
-                  <a:tcPr marL="9525" marR="9525" marT="9525" marB="0" anchor="ctr">
-                    <a:solidFill>
-                      <a:schemeClr val="bg1">
-                        <a:lumMod val="95000"/>
-                      </a:schemeClr>
-                    </a:solidFill>
-                  </a:tcPr>
-                </a:tc>
-                <a:tc>
-                  <a:txBody>
-                    <a:bodyPr/>
-                    <a:lstStyle/>
-                    <a:p>
-                      <a:pPr algn="ctr" fontAlgn="ctr"/>
-                      <a:r>
-                        <a:rPr lang="ko-KR" altLang="en-US" sz="1100" u="none" strike="noStrike" dirty="0">
-                          <a:effectLst/>
-                        </a:rPr>
-                        <a:t>계획</a:t>
-                      </a:r>
-                      <a:endParaRPr lang="ko-KR" altLang="en-US" sz="1100" b="0" i="0" u="none" strike="noStrike" dirty="0">
-                        <a:solidFill>
-                          <a:srgbClr val="000000"/>
-                        </a:solidFill>
-                        <a:effectLst/>
-                        <a:latin typeface="맑은 고딕" panose="020B0503020000020004" pitchFamily="50" charset="-127"/>
-                        <a:ea typeface="맑은 고딕" panose="020B0503020000020004" pitchFamily="50" charset="-127"/>
-                      </a:endParaRPr>
-                    </a:p>
-                  </a:txBody>
-                  <a:tcPr marL="9525" marR="9525" marT="9525" marB="0" anchor="ctr">
-                    <a:solidFill>
-                      <a:schemeClr val="bg1">
-                        <a:lumMod val="85000"/>
-                      </a:schemeClr>
-                    </a:solidFill>
-                  </a:tcPr>
-                </a:tc>
-                <a:tc gridSpan="3">
-                  <a:txBody>
-                    <a:bodyPr/>
-                    <a:lstStyle/>
-                    <a:p>
-                      <a:pPr algn="l" fontAlgn="ctr"/>
-                      <a:r>
-                        <a:rPr lang="ko-KR" altLang="en-US" sz="1100" u="none" strike="noStrike" dirty="0">
-                          <a:effectLst/>
-                        </a:rPr>
-                        <a:t>사운드 추가</a:t>
-                      </a:r>
-                      <a:endParaRPr lang="ko-KR" altLang="en-US" sz="1100" b="0" i="0" u="none" strike="noStrike" dirty="0">
-                        <a:solidFill>
-                          <a:srgbClr val="000000"/>
-                        </a:solidFill>
-                        <a:effectLst/>
-                        <a:latin typeface="맑은 고딕" panose="020B0503020000020004" pitchFamily="50" charset="-127"/>
-                        <a:ea typeface="맑은 고딕" panose="020B0503020000020004" pitchFamily="50" charset="-127"/>
-                      </a:endParaRPr>
-                    </a:p>
-                  </a:txBody>
-                  <a:tcPr marL="9525" marR="9525" marT="9525" marB="0" anchor="ctr">
-                    <a:solidFill>
-                      <a:schemeClr val="bg1">
-                        <a:lumMod val="85000"/>
-                      </a:schemeClr>
-                    </a:solidFill>
-                  </a:tcPr>
-                </a:tc>
-                <a:tc hMerge="1">
-                  <a:txBody>
-                    <a:bodyPr/>
-                    <a:lstStyle/>
-                    <a:p>
-                      <a:pPr latinLnBrk="1"/>
-                      <a:endParaRPr lang="ko-KR" altLang="en-US"/>
-                    </a:p>
-                  </a:txBody>
-                  <a:tcPr/>
-                </a:tc>
-                <a:tc hMerge="1">
-                  <a:txBody>
-                    <a:bodyPr/>
-                    <a:lstStyle/>
-                    <a:p>
-                      <a:pPr latinLnBrk="1"/>
-                      <a:endParaRPr lang="ko-KR" altLang="en-US"/>
-                    </a:p>
-                  </a:txBody>
-                  <a:tcPr/>
-                </a:tc>
-                <a:tc rowSpan="2">
-                  <a:txBody>
-                    <a:bodyPr/>
-                    <a:lstStyle/>
-                    <a:p>
-                      <a:pPr algn="ctr" fontAlgn="ctr"/>
-                      <a:endParaRPr lang="ko-KR" altLang="en-US" sz="1100" b="0" i="0" u="none" strike="noStrike" dirty="0">
-                        <a:solidFill>
-                          <a:srgbClr val="000000"/>
-                        </a:solidFill>
-                        <a:effectLst/>
-                        <a:latin typeface="맑은 고딕" panose="020B0503020000020004" pitchFamily="50" charset="-127"/>
-                        <a:ea typeface="맑은 고딕" panose="020B0503020000020004" pitchFamily="50" charset="-127"/>
-                      </a:endParaRPr>
-                    </a:p>
-                  </a:txBody>
-                  <a:tcPr marL="9525" marR="9525" marT="9525" marB="0" anchor="ctr">
-                    <a:solidFill>
-                      <a:schemeClr val="bg1">
-                        <a:lumMod val="95000"/>
-                      </a:schemeClr>
-                    </a:solidFill>
-                  </a:tcPr>
-                </a:tc>
-                <a:extLst>
-                  <a:ext uri="{0D108BD9-81ED-4DB2-BD59-A6C34878D82A}">
-                    <a16:rowId xmlns:a16="http://schemas.microsoft.com/office/drawing/2014/main" val="4227420887"/>
-                  </a:ext>
-                </a:extLst>
-              </a:tr>
-              <a:tr h="264195">
-                <a:tc vMerge="1">
-                  <a:txBody>
-                    <a:bodyPr/>
-                    <a:lstStyle/>
-                    <a:p>
-                      <a:pPr latinLnBrk="1"/>
-                      <a:endParaRPr lang="ko-KR" altLang="en-US"/>
-                    </a:p>
-                  </a:txBody>
-                  <a:tcPr/>
-                </a:tc>
-                <a:tc>
-                  <a:txBody>
-                    <a:bodyPr/>
-                    <a:lstStyle/>
-                    <a:p>
-                      <a:pPr algn="ctr" fontAlgn="ctr"/>
-                      <a:endParaRPr lang="ko-KR" altLang="en-US" sz="1100" b="0" i="0" u="none" strike="noStrike" dirty="0">
-                        <a:solidFill>
-                          <a:srgbClr val="000000"/>
-                        </a:solidFill>
-                        <a:effectLst/>
-                        <a:latin typeface="맑은 고딕" panose="020B0503020000020004" pitchFamily="50" charset="-127"/>
-                        <a:ea typeface="맑은 고딕" panose="020B0503020000020004" pitchFamily="50" charset="-127"/>
-                      </a:endParaRPr>
-                    </a:p>
-                  </a:txBody>
-                  <a:tcPr marL="9525" marR="9525" marT="9525" marB="0" anchor="ctr">
-                    <a:solidFill>
-                      <a:schemeClr val="bg1">
-                        <a:lumMod val="95000"/>
-                      </a:schemeClr>
-                    </a:solidFill>
-                  </a:tcPr>
-                </a:tc>
-                <a:tc>
-                  <a:txBody>
-                    <a:bodyPr/>
-                    <a:lstStyle/>
-                    <a:p>
-                      <a:pPr algn="l" fontAlgn="ctr"/>
-                      <a:endParaRPr lang="ko-KR" altLang="en-US" sz="1100" b="0" i="0" u="none" strike="noStrike" dirty="0">
-                        <a:solidFill>
-                          <a:srgbClr val="000000"/>
-                        </a:solidFill>
-                        <a:effectLst/>
-                        <a:latin typeface="맑은 고딕" panose="020B0503020000020004" pitchFamily="50" charset="-127"/>
-                        <a:ea typeface="맑은 고딕" panose="020B0503020000020004" pitchFamily="50" charset="-127"/>
-                      </a:endParaRPr>
-                    </a:p>
-                  </a:txBody>
-                  <a:tcPr marL="9525" marR="9525" marT="9525" marB="0" anchor="ctr">
-                    <a:solidFill>
-                      <a:schemeClr val="bg1">
-                        <a:lumMod val="95000"/>
-                      </a:schemeClr>
-                    </a:solidFill>
-                  </a:tcPr>
-                </a:tc>
-                <a:tc>
-                  <a:txBody>
-                    <a:bodyPr/>
-                    <a:lstStyle/>
-                    <a:p>
-                      <a:pPr algn="l" fontAlgn="ctr"/>
-                      <a:endParaRPr lang="ko-KR" altLang="en-US" sz="1100" b="0" i="0" u="none" strike="noStrike" dirty="0">
-                        <a:solidFill>
-                          <a:srgbClr val="000000"/>
-                        </a:solidFill>
-                        <a:effectLst/>
-                        <a:latin typeface="맑은 고딕" panose="020B0503020000020004" pitchFamily="50" charset="-127"/>
-                        <a:ea typeface="맑은 고딕" panose="020B0503020000020004" pitchFamily="50" charset="-127"/>
-                      </a:endParaRPr>
-                    </a:p>
-                  </a:txBody>
-                  <a:tcPr marL="9525" marR="9525" marT="9525" marB="0" anchor="ctr">
-                    <a:solidFill>
-                      <a:schemeClr val="bg1">
-                        <a:lumMod val="95000"/>
-                      </a:schemeClr>
-                    </a:solidFill>
-                  </a:tcPr>
-                </a:tc>
-                <a:tc>
-                  <a:txBody>
-                    <a:bodyPr/>
-                    <a:lstStyle/>
-                    <a:p>
-                      <a:pPr algn="l" fontAlgn="ctr"/>
-                      <a:endParaRPr lang="ko-KR" altLang="en-US" sz="1100" b="0" i="0" u="none" strike="noStrike" dirty="0">
-                        <a:solidFill>
-                          <a:srgbClr val="000000"/>
-                        </a:solidFill>
-                        <a:effectLst/>
-                        <a:latin typeface="맑은 고딕" panose="020B0503020000020004" pitchFamily="50" charset="-127"/>
-                        <a:ea typeface="맑은 고딕" panose="020B0503020000020004" pitchFamily="50" charset="-127"/>
-                      </a:endParaRPr>
-                    </a:p>
-                  </a:txBody>
-                  <a:tcPr marL="9525" marR="9525" marT="9525" marB="0" anchor="ctr">
-                    <a:solidFill>
-                      <a:schemeClr val="bg1">
-                        <a:lumMod val="95000"/>
-                      </a:schemeClr>
-                    </a:solidFill>
-                  </a:tcPr>
-                </a:tc>
-                <a:tc vMerge="1">
-                  <a:txBody>
-                    <a:bodyPr/>
-                    <a:lstStyle/>
-                    <a:p>
-                      <a:pPr latinLnBrk="1"/>
-                      <a:endParaRPr lang="ko-KR" altLang="en-US"/>
-                    </a:p>
-                  </a:txBody>
-                  <a:tcPr/>
-                </a:tc>
-                <a:extLst>
-                  <a:ext uri="{0D108BD9-81ED-4DB2-BD59-A6C34878D82A}">
                     <a16:rowId xmlns:a16="http://schemas.microsoft.com/office/drawing/2014/main" val="277344245"/>
                   </a:ext>
                 </a:extLst>
               </a:tr>
-              <a:tr h="264195">
+              <a:tr h="290075">
                 <a:tc gridSpan="5">
                   <a:txBody>
                     <a:bodyPr/>
@@ -6829,10 +7041,16 @@
                     <a:p>
                       <a:pPr algn="ctr" fontAlgn="ctr"/>
                       <a:r>
+                        <a:rPr lang="en-US" altLang="ko-KR" sz="1100" u="none" strike="noStrike">
+                          <a:effectLst/>
+                        </a:rPr>
+                        <a:t>82.50</a:t>
+                      </a:r>
+                      <a:r>
                         <a:rPr lang="en-US" altLang="ko-KR" sz="1100" u="none" strike="noStrike" dirty="0">
                           <a:effectLst/>
                         </a:rPr>
-                        <a:t>79.00%</a:t>
+                        <a:t>%</a:t>
                       </a:r>
                       <a:endParaRPr lang="en-US" altLang="ko-KR" sz="1100" b="0" i="0" u="none" strike="noStrike" dirty="0">
                         <a:solidFill>
@@ -6894,10 +7112,10 @@
       </p:grpSpPr>
       <p:pic>
         <p:nvPicPr>
-          <p:cNvPr id="26" name="그림 25" descr="텍스트, 폰트, 스크린샷이(가) 표시된 사진&#10;&#10;자동 생성된 설명">
+          <p:cNvPr id="15" name="그림 14" descr="텍스트, 스크린샷, 폰트이(가) 표시된 사진&#10;&#10;자동 생성된 설명">
             <a:extLst>
               <a:ext uri="{FF2B5EF4-FFF2-40B4-BE49-F238E27FC236}">
-                <a16:creationId xmlns:a16="http://schemas.microsoft.com/office/drawing/2014/main" id="{9B8C1079-4830-0D9E-8CFB-6C319846F802}"/>
+                <a16:creationId xmlns:a16="http://schemas.microsoft.com/office/drawing/2014/main" id="{2C430A11-0023-D644-1BCE-509948A1B28C}"/>
               </a:ext>
             </a:extLst>
           </p:cNvPr>
@@ -6914,13 +7132,13 @@
               </a:ext>
             </a:extLst>
           </a:blip>
-          <a:srcRect t="2481" r="2528" b="2243"/>
+          <a:srcRect t="49911" b="971"/>
           <a:stretch/>
         </p:blipFill>
         <p:spPr>
           <a:xfrm>
-            <a:off x="5380442" y="3837319"/>
-            <a:ext cx="5973358" cy="2330564"/>
+            <a:off x="5353064" y="4030782"/>
+            <a:ext cx="6365170" cy="2364382"/>
           </a:xfrm>
           <a:prstGeom prst="rect">
             <a:avLst/>
@@ -6957,10 +7175,10 @@
       </p:sp>
       <p:sp>
         <p:nvSpPr>
-          <p:cNvPr id="10" name="직사각형 9">
+          <p:cNvPr id="11" name="직사각형 10">
             <a:extLst>
               <a:ext uri="{FF2B5EF4-FFF2-40B4-BE49-F238E27FC236}">
-                <a16:creationId xmlns:a16="http://schemas.microsoft.com/office/drawing/2014/main" id="{C8FBC1C8-C1F0-A498-9853-5E7B74417081}"/>
+                <a16:creationId xmlns:a16="http://schemas.microsoft.com/office/drawing/2014/main" id="{A7FA8882-23BC-F004-CD12-DB84FA8B5CE3}"/>
               </a:ext>
             </a:extLst>
           </p:cNvPr>
@@ -6969,8 +7187,8 @@
         </p:nvSpPr>
         <p:spPr>
           <a:xfrm>
-            <a:off x="6192289" y="3881532"/>
-            <a:ext cx="1043276" cy="336276"/>
+            <a:off x="6374573" y="4722974"/>
+            <a:ext cx="2464627" cy="979998"/>
           </a:xfrm>
           <a:prstGeom prst="rect">
             <a:avLst/>
@@ -6978,7 +7196,7 @@
           <a:noFill/>
           <a:ln w="38100">
             <a:solidFill>
-              <a:srgbClr val="FF0000"/>
+              <a:srgbClr val="FFC000"/>
             </a:solidFill>
           </a:ln>
         </p:spPr>
@@ -7007,58 +7225,6 @@
           </a:p>
         </p:txBody>
       </p:sp>
-      <p:sp>
-        <p:nvSpPr>
-          <p:cNvPr id="11" name="직사각형 10">
-            <a:extLst>
-              <a:ext uri="{FF2B5EF4-FFF2-40B4-BE49-F238E27FC236}">
-                <a16:creationId xmlns:a16="http://schemas.microsoft.com/office/drawing/2014/main" id="{A7FA8882-23BC-F004-CD12-DB84FA8B5CE3}"/>
-              </a:ext>
-            </a:extLst>
-          </p:cNvPr>
-          <p:cNvSpPr/>
-          <p:nvPr/>
-        </p:nvSpPr>
-        <p:spPr>
-          <a:xfrm>
-            <a:off x="6187391" y="4508150"/>
-            <a:ext cx="2527169" cy="979998"/>
-          </a:xfrm>
-          <a:prstGeom prst="rect">
-            <a:avLst/>
-          </a:prstGeom>
-          <a:noFill/>
-          <a:ln w="38100">
-            <a:solidFill>
-              <a:srgbClr val="FF0000"/>
-            </a:solidFill>
-          </a:ln>
-        </p:spPr>
-        <p:style>
-          <a:lnRef idx="2">
-            <a:schemeClr val="accent1">
-              <a:shade val="15000"/>
-            </a:schemeClr>
-          </a:lnRef>
-          <a:fillRef idx="1">
-            <a:schemeClr val="accent1"/>
-          </a:fillRef>
-          <a:effectRef idx="0">
-            <a:schemeClr val="accent1"/>
-          </a:effectRef>
-          <a:fontRef idx="minor">
-            <a:schemeClr val="lt1"/>
-          </a:fontRef>
-        </p:style>
-        <p:txBody>
-          <a:bodyPr rtlCol="0" anchor="ctr"/>
-          <a:lstStyle/>
-          <a:p>
-            <a:pPr algn="ctr"/>
-            <a:endParaRPr lang="ko-KR" altLang="en-US"/>
-          </a:p>
-        </p:txBody>
-      </p:sp>
       <p:pic>
         <p:nvPicPr>
           <p:cNvPr id="16" name="그래픽 15" descr="정렬 단색으로 채워진">
@@ -7090,7 +7256,7 @@
         </p:blipFill>
         <p:spPr>
           <a:xfrm>
-            <a:off x="7225552" y="4801462"/>
+            <a:off x="7381463" y="5016286"/>
             <a:ext cx="450845" cy="393373"/>
           </a:xfrm>
           <a:prstGeom prst="rect">
@@ -7112,7 +7278,7 @@
         </p:nvSpPr>
         <p:spPr>
           <a:xfrm>
-            <a:off x="3284120" y="4589399"/>
+            <a:off x="3836736" y="4781697"/>
             <a:ext cx="1141465" cy="822984"/>
           </a:xfrm>
           <a:prstGeom prst="rightArrow">
@@ -7150,40 +7316,6 @@
           </a:p>
         </p:txBody>
       </p:sp>
-      <p:pic>
-        <p:nvPicPr>
-          <p:cNvPr id="24" name="내용 개체 틀 23" descr="텍스트, 폰트, 스크린샷이(가) 표시된 사진&#10;&#10;자동 생성된 설명">
-            <a:extLst>
-              <a:ext uri="{FF2B5EF4-FFF2-40B4-BE49-F238E27FC236}">
-                <a16:creationId xmlns:a16="http://schemas.microsoft.com/office/drawing/2014/main" id="{868FEB23-F9B3-37A4-6BF9-D476E117EE96}"/>
-              </a:ext>
-            </a:extLst>
-          </p:cNvPr>
-          <p:cNvPicPr>
-            <a:picLocks noGrp="1" noChangeAspect="1"/>
-          </p:cNvPicPr>
-          <p:nvPr>
-            <p:ph idx="1"/>
-          </p:nvPr>
-        </p:nvPicPr>
-        <p:blipFill rotWithShape="1">
-          <a:blip r:embed="rId6">
-            <a:extLst>
-              <a:ext uri="{28A0092B-C50C-407E-A947-70E740481C1C}">
-                <a14:useLocalDpi xmlns:a14="http://schemas.microsoft.com/office/drawing/2010/main" val="0"/>
-              </a:ext>
-            </a:extLst>
-          </a:blip>
-          <a:srcRect t="4513" r="1681" b="4093"/>
-          <a:stretch/>
-        </p:blipFill>
-        <p:spPr>
-          <a:xfrm>
-            <a:off x="838200" y="1563894"/>
-            <a:ext cx="5933457" cy="2172467"/>
-          </a:xfrm>
-        </p:spPr>
-      </p:pic>
       <p:sp>
         <p:nvSpPr>
           <p:cNvPr id="27" name="직사각형 26">
@@ -7198,8 +7330,8 @@
         </p:nvSpPr>
         <p:spPr>
           <a:xfrm>
-            <a:off x="8751160" y="5114682"/>
-            <a:ext cx="2527169" cy="979998"/>
+            <a:off x="8912087" y="5300213"/>
+            <a:ext cx="2392017" cy="979998"/>
           </a:xfrm>
           <a:prstGeom prst="rect">
             <a:avLst/>
@@ -7207,7 +7339,7 @@
           <a:noFill/>
           <a:ln w="38100">
             <a:solidFill>
-              <a:srgbClr val="FF0000"/>
+              <a:srgbClr val="FFC000"/>
             </a:solidFill>
           </a:ln>
         </p:spPr>
@@ -7251,13 +7383,13 @@
           <p:nvPr/>
         </p:nvPicPr>
         <p:blipFill>
-          <a:blip r:embed="rId7">
+          <a:blip r:embed="rId6">
             <a:extLst>
               <a:ext uri="{28A0092B-C50C-407E-A947-70E740481C1C}">
                 <a14:useLocalDpi xmlns:a14="http://schemas.microsoft.com/office/drawing/2010/main" val="0"/>
               </a:ext>
               <a:ext uri="{96DAC541-7B7A-43D3-8B79-37D633B846F1}">
-                <asvg:svgBlip xmlns:asvg="http://schemas.microsoft.com/office/drawing/2016/SVG/main" r:embed="rId8"/>
+                <asvg:svgBlip xmlns:asvg="http://schemas.microsoft.com/office/drawing/2016/SVG/main" r:embed="rId7"/>
               </a:ext>
             </a:extLst>
           </a:blip>
@@ -7267,14 +7399,101 @@
         </p:blipFill>
         <p:spPr>
           <a:xfrm>
-            <a:off x="9781437" y="5488148"/>
-            <a:ext cx="466613" cy="380690"/>
+            <a:off x="9874788" y="5717352"/>
+            <a:ext cx="466613" cy="390373"/>
           </a:xfrm>
           <a:prstGeom prst="rect">
             <a:avLst/>
           </a:prstGeom>
         </p:spPr>
       </p:pic>
+      <p:pic>
+        <p:nvPicPr>
+          <p:cNvPr id="14" name="그림 13" descr="텍스트, 스크린샷, 폰트이(가) 표시된 사진&#10;&#10;자동 생성된 설명">
+            <a:extLst>
+              <a:ext uri="{FF2B5EF4-FFF2-40B4-BE49-F238E27FC236}">
+                <a16:creationId xmlns:a16="http://schemas.microsoft.com/office/drawing/2014/main" id="{0520AEF6-F648-88CA-953D-7ADDBBE542F9}"/>
+              </a:ext>
+            </a:extLst>
+          </p:cNvPr>
+          <p:cNvPicPr>
+            <a:picLocks noChangeAspect="1"/>
+          </p:cNvPicPr>
+          <p:nvPr/>
+        </p:nvPicPr>
+        <p:blipFill rotWithShape="1">
+          <a:blip r:embed="rId3">
+            <a:extLst>
+              <a:ext uri="{28A0092B-C50C-407E-A947-70E740481C1C}">
+                <a14:useLocalDpi xmlns:a14="http://schemas.microsoft.com/office/drawing/2010/main" val="0"/>
+              </a:ext>
+            </a:extLst>
+          </a:blip>
+          <a:srcRect t="1" b="50881"/>
+          <a:stretch/>
+        </p:blipFill>
+        <p:spPr>
+          <a:xfrm>
+            <a:off x="260049" y="1445616"/>
+            <a:ext cx="6365173" cy="2364383"/>
+          </a:xfrm>
+          <a:prstGeom prst="rect">
+            <a:avLst/>
+          </a:prstGeom>
+        </p:spPr>
+      </p:pic>
+      <p:sp>
+        <p:nvSpPr>
+          <p:cNvPr id="17" name="직사각형 16">
+            <a:extLst>
+              <a:ext uri="{FF2B5EF4-FFF2-40B4-BE49-F238E27FC236}">
+                <a16:creationId xmlns:a16="http://schemas.microsoft.com/office/drawing/2014/main" id="{AEE3BA2A-7045-0CAF-A476-480CA67AF560}"/>
+              </a:ext>
+            </a:extLst>
+          </p:cNvPr>
+          <p:cNvSpPr/>
+          <p:nvPr/>
+        </p:nvSpPr>
+        <p:spPr>
+          <a:xfrm>
+            <a:off x="9214063" y="4683127"/>
+            <a:ext cx="1557132" cy="437648"/>
+          </a:xfrm>
+          <a:prstGeom prst="rect">
+            <a:avLst/>
+          </a:prstGeom>
+          <a:noFill/>
+          <a:ln w="38100">
+            <a:solidFill>
+              <a:srgbClr val="92D050"/>
+            </a:solidFill>
+          </a:ln>
+        </p:spPr>
+        <p:style>
+          <a:lnRef idx="2">
+            <a:schemeClr val="accent1">
+              <a:shade val="15000"/>
+            </a:schemeClr>
+          </a:lnRef>
+          <a:fillRef idx="1">
+            <a:schemeClr val="accent1"/>
+          </a:fillRef>
+          <a:effectRef idx="0">
+            <a:schemeClr val="accent1"/>
+          </a:effectRef>
+          <a:fontRef idx="minor">
+            <a:schemeClr val="lt1"/>
+          </a:fontRef>
+        </p:style>
+        <p:txBody>
+          <a:bodyPr rtlCol="0" anchor="ctr"/>
+          <a:lstStyle/>
+          <a:p>
+            <a:pPr algn="ctr"/>
+            <a:endParaRPr lang="ko-KR" altLang="en-US"/>
+          </a:p>
+        </p:txBody>
+      </p:sp>
     </p:spTree>
     <p:extLst>
       <p:ext uri="{BB962C8B-B14F-4D97-AF65-F5344CB8AC3E}">

--- a/발표자료/2차발표.pptx
+++ b/발표자료/2차발표.pptx
@@ -5,12 +5,13 @@
     <p:sldMasterId id="2147483648" r:id="rId1"/>
   </p:sldMasterIdLst>
   <p:notesMasterIdLst>
-    <p:notesMasterId r:id="rId5"/>
+    <p:notesMasterId r:id="rId6"/>
   </p:notesMasterIdLst>
   <p:sldIdLst>
     <p:sldId id="258" r:id="rId2"/>
     <p:sldId id="264" r:id="rId3"/>
     <p:sldId id="257" r:id="rId4"/>
+    <p:sldId id="265" r:id="rId5"/>
   </p:sldIdLst>
   <p:sldSz cx="12192000" cy="6858000"/>
   <p:notesSz cx="6858000" cy="9144000"/>
@@ -7498,6 +7499,103 @@
     <p:extLst>
       <p:ext uri="{BB962C8B-B14F-4D97-AF65-F5344CB8AC3E}">
         <p14:creationId xmlns:p14="http://schemas.microsoft.com/office/powerpoint/2010/main" val="1523274377"/>
+      </p:ext>
+    </p:extLst>
+  </p:cSld>
+  <p:clrMapOvr>
+    <a:masterClrMapping/>
+  </p:clrMapOvr>
+</p:sld>
+</file>
+
+<file path=ppt/slides/slide4.xml><?xml version="1.0" encoding="utf-8"?>
+<p:sld xmlns:a="http://schemas.openxmlformats.org/drawingml/2006/main" xmlns:r="http://schemas.openxmlformats.org/officeDocument/2006/relationships" xmlns:p="http://schemas.openxmlformats.org/presentationml/2006/main">
+  <p:cSld>
+    <p:spTree>
+      <p:nvGrpSpPr>
+        <p:cNvPr id="1" name=""/>
+        <p:cNvGrpSpPr/>
+        <p:nvPr/>
+      </p:nvGrpSpPr>
+      <p:grpSpPr>
+        <a:xfrm>
+          <a:off x="0" y="0"/>
+          <a:ext cx="0" cy="0"/>
+          <a:chOff x="0" y="0"/>
+          <a:chExt cx="0" cy="0"/>
+        </a:xfrm>
+      </p:grpSpPr>
+      <p:sp>
+        <p:nvSpPr>
+          <p:cNvPr id="2" name="제목 1">
+            <a:extLst>
+              <a:ext uri="{FF2B5EF4-FFF2-40B4-BE49-F238E27FC236}">
+                <a16:creationId xmlns:a16="http://schemas.microsoft.com/office/drawing/2014/main" id="{3F37EB0D-F8F5-E9B0-D820-B56F30E989B1}"/>
+              </a:ext>
+            </a:extLst>
+          </p:cNvPr>
+          <p:cNvSpPr>
+            <a:spLocks noGrp="1"/>
+          </p:cNvSpPr>
+          <p:nvPr>
+            <p:ph type="title"/>
+          </p:nvPr>
+        </p:nvSpPr>
+        <p:spPr/>
+        <p:txBody>
+          <a:bodyPr/>
+          <a:lstStyle/>
+          <a:p>
+            <a:r>
+              <a:rPr lang="ko-KR" altLang="en-US" dirty="0" err="1"/>
+              <a:t>커밋</a:t>
+            </a:r>
+            <a:r>
+              <a:rPr lang="ko-KR" altLang="en-US" dirty="0"/>
+              <a:t> 통계</a:t>
+            </a:r>
+            <a:endParaRPr lang="en-US" dirty="0"/>
+          </a:p>
+        </p:txBody>
+      </p:sp>
+      <p:pic>
+        <p:nvPicPr>
+          <p:cNvPr id="5" name="내용 개체 틀 4" descr="텍스트, 스크린샷, 도표, 소프트웨어이(가) 표시된 사진&#10;&#10;자동 생성된 설명">
+            <a:extLst>
+              <a:ext uri="{FF2B5EF4-FFF2-40B4-BE49-F238E27FC236}">
+                <a16:creationId xmlns:a16="http://schemas.microsoft.com/office/drawing/2014/main" id="{7DCF9E01-FF97-E995-398F-874271155414}"/>
+              </a:ext>
+            </a:extLst>
+          </p:cNvPr>
+          <p:cNvPicPr>
+            <a:picLocks noGrp="1" noChangeAspect="1"/>
+          </p:cNvPicPr>
+          <p:nvPr>
+            <p:ph idx="1"/>
+          </p:nvPr>
+        </p:nvPicPr>
+        <p:blipFill rotWithShape="1">
+          <a:blip r:embed="rId2">
+            <a:extLst>
+              <a:ext uri="{28A0092B-C50C-407E-A947-70E740481C1C}">
+                <a14:useLocalDpi xmlns:a14="http://schemas.microsoft.com/office/drawing/2010/main" val="0"/>
+              </a:ext>
+            </a:extLst>
+          </a:blip>
+          <a:srcRect b="21961"/>
+          <a:stretch/>
+        </p:blipFill>
+        <p:spPr>
+          <a:xfrm>
+            <a:off x="998882" y="1484631"/>
+            <a:ext cx="10194235" cy="5267351"/>
+          </a:xfrm>
+        </p:spPr>
+      </p:pic>
+    </p:spTree>
+    <p:extLst>
+      <p:ext uri="{BB962C8B-B14F-4D97-AF65-F5344CB8AC3E}">
+        <p14:creationId xmlns:p14="http://schemas.microsoft.com/office/powerpoint/2010/main" val="781853785"/>
       </p:ext>
     </p:extLst>
   </p:cSld>

--- a/발표자료/2차발표.pptx
+++ b/발표자료/2차발표.pptx
@@ -9,8 +9,8 @@
   </p:notesMasterIdLst>
   <p:sldIdLst>
     <p:sldId id="258" r:id="rId2"/>
-    <p:sldId id="264" r:id="rId3"/>
-    <p:sldId id="257" r:id="rId4"/>
+    <p:sldId id="257" r:id="rId3"/>
+    <p:sldId id="264" r:id="rId4"/>
     <p:sldId id="265" r:id="rId5"/>
   </p:sldIdLst>
   <p:sldSz cx="12192000" cy="6858000"/>
@@ -511,6 +511,26 @@
           <a:bodyPr/>
           <a:lstStyle/>
           <a:p>
+            <a:r>
+              <a:rPr lang="en-US" altLang="ko-KR" dirty="0"/>
+              <a:t>2D</a:t>
+            </a:r>
+            <a:r>
+              <a:rPr lang="ko-KR" altLang="en-US" dirty="0"/>
+              <a:t>게임 프로그래밍 </a:t>
+            </a:r>
+            <a:r>
+              <a:rPr lang="en-US" altLang="ko-KR" dirty="0"/>
+              <a:t>2</a:t>
+            </a:r>
+            <a:r>
+              <a:rPr lang="ko-KR" altLang="en-US" dirty="0"/>
+              <a:t>차 발표 시작하겠습니다</a:t>
+            </a:r>
+            <a:r>
+              <a:rPr lang="en-US" altLang="ko-KR" dirty="0"/>
+              <a:t>.</a:t>
+            </a:r>
             <a:endParaRPr lang="ko-KR" altLang="en-US" dirty="0"/>
           </a:p>
         </p:txBody>
@@ -655,7 +675,84 @@
           <a:bodyPr/>
           <a:lstStyle/>
           <a:p>
-            <a:endParaRPr lang="en-US" dirty="0"/>
+            <a:r>
+              <a:rPr lang="ko-KR" altLang="en-US" dirty="0"/>
+              <a:t>우선</a:t>
+            </a:r>
+            <a:r>
+              <a:rPr lang="en-US" altLang="ko-KR" dirty="0"/>
+              <a:t>, </a:t>
+            </a:r>
+            <a:r>
+              <a:rPr lang="ko-KR" altLang="en-US" dirty="0"/>
+              <a:t>개발 일정에 변동이 있었습니다</a:t>
+            </a:r>
+            <a:r>
+              <a:rPr lang="en-US" altLang="ko-KR" dirty="0"/>
+              <a:t>.</a:t>
+            </a:r>
+          </a:p>
+          <a:p>
+            <a:r>
+              <a:rPr lang="en-US" altLang="ko-KR" dirty="0"/>
+              <a:t>5</a:t>
+            </a:r>
+            <a:r>
+              <a:rPr lang="ko-KR" altLang="en-US" dirty="0"/>
+              <a:t>주차에 화면 스크롤링을 위해 일정이 추가되었고</a:t>
+            </a:r>
+            <a:endParaRPr lang="en-US" altLang="ko-KR" dirty="0"/>
+          </a:p>
+          <a:p>
+            <a:r>
+              <a:rPr lang="ko-KR" altLang="en-US" dirty="0"/>
+              <a:t>상호작용과 인공지능 강화를 번갈아 가면서 하기 위해서 </a:t>
+            </a:r>
+            <a:r>
+              <a:rPr lang="en-US" altLang="ko-KR" dirty="0"/>
+              <a:t>5</a:t>
+            </a:r>
+            <a:r>
+              <a:rPr lang="ko-KR" altLang="en-US" dirty="0"/>
+              <a:t>주차와 </a:t>
+            </a:r>
+            <a:r>
+              <a:rPr lang="en-US" altLang="ko-KR" dirty="0"/>
+              <a:t>6</a:t>
+            </a:r>
+            <a:r>
+              <a:rPr lang="ko-KR" altLang="en-US" dirty="0"/>
+              <a:t>주차 일정을 서로 바꿨습니다</a:t>
+            </a:r>
+            <a:r>
+              <a:rPr lang="en-US" altLang="ko-KR" dirty="0"/>
+              <a:t>.</a:t>
+            </a:r>
+            <a:r>
+              <a:rPr lang="ko-KR" altLang="en-US" dirty="0"/>
+              <a:t> 점수와 승패 여부 처리는 상호작용을 구현하면서 함께 개발하기 위해서 </a:t>
+            </a:r>
+            <a:r>
+              <a:rPr lang="en-US" altLang="ko-KR" dirty="0"/>
+              <a:t>7</a:t>
+            </a:r>
+            <a:r>
+              <a:rPr lang="ko-KR" altLang="en-US" dirty="0"/>
+              <a:t>주차에서 </a:t>
+            </a:r>
+            <a:r>
+              <a:rPr lang="en-US" altLang="ko-KR" dirty="0"/>
+              <a:t>6</a:t>
+            </a:r>
+            <a:r>
+              <a:rPr lang="ko-KR" altLang="en-US" dirty="0"/>
+              <a:t>주차로 옮겼습니다</a:t>
+            </a:r>
+            <a:r>
+              <a:rPr lang="en-US" altLang="ko-KR" dirty="0"/>
+              <a:t>.</a:t>
+            </a:r>
+            <a:endParaRPr lang="ko-KR" altLang="en-US" dirty="0"/>
           </a:p>
         </p:txBody>
       </p:sp>
@@ -685,7 +782,7 @@
     </p:spTree>
     <p:extLst>
       <p:ext uri="{BB962C8B-B14F-4D97-AF65-F5344CB8AC3E}">
-        <p14:creationId xmlns:p14="http://schemas.microsoft.com/office/powerpoint/2010/main" val="1407616386"/>
+        <p14:creationId xmlns:p14="http://schemas.microsoft.com/office/powerpoint/2010/main" val="332476396"/>
       </p:ext>
     </p:extLst>
   </p:cSld>
@@ -741,63 +838,29 @@
           <a:p>
             <a:r>
               <a:rPr lang="ko-KR" altLang="en-US" dirty="0"/>
-              <a:t>변경된 일정은</a:t>
-            </a:r>
-            <a:endParaRPr lang="en-US" altLang="ko-KR" dirty="0"/>
-          </a:p>
-          <a:p>
+              <a:t>개발 진행 상황은 다음과 같습니다</a:t>
+            </a:r>
+            <a:r>
+              <a:rPr lang="en-US" altLang="ko-KR" dirty="0"/>
+              <a:t>. 4</a:t>
+            </a:r>
+            <a:r>
+              <a:rPr lang="ko-KR" altLang="en-US" dirty="0"/>
+              <a:t>주차 까지 미 구현 된 부분은 없고 </a:t>
+            </a:r>
             <a:r>
               <a:rPr lang="en-US" altLang="ko-KR" dirty="0"/>
               <a:t>5</a:t>
             </a:r>
             <a:r>
               <a:rPr lang="ko-KR" altLang="en-US" dirty="0"/>
-              <a:t>주차에 화면 스크롤링을 위해 일정이 추가되었고</a:t>
-            </a:r>
-            <a:endParaRPr lang="en-US" altLang="ko-KR" dirty="0"/>
-          </a:p>
-          <a:p>
-            <a:r>
-              <a:rPr lang="ko-KR" altLang="en-US" dirty="0"/>
-              <a:t>상호작용과 인공지능의 강화를 번갈아 가면서 하기 위해서 </a:t>
-            </a:r>
-            <a:r>
-              <a:rPr lang="en-US" altLang="ko-KR" dirty="0"/>
-              <a:t>5</a:t>
-            </a:r>
-            <a:r>
-              <a:rPr lang="ko-KR" altLang="en-US" dirty="0"/>
-              <a:t>주차와 </a:t>
-            </a:r>
-            <a:r>
-              <a:rPr lang="en-US" altLang="ko-KR" dirty="0"/>
-              <a:t>6</a:t>
-            </a:r>
-            <a:r>
-              <a:rPr lang="ko-KR" altLang="en-US" dirty="0"/>
-              <a:t>주차 일정을 서로 바꿨습니다</a:t>
+              <a:t>주차 현재는 화면 스크롤링 구현을 완료 하고 인공지능 강화를 진행중에 있습니다</a:t>
             </a:r>
             <a:r>
               <a:rPr lang="en-US" altLang="ko-KR" dirty="0"/>
               <a:t>.</a:t>
             </a:r>
-            <a:r>
-              <a:rPr lang="ko-KR" altLang="en-US" dirty="0"/>
-              <a:t> 점수와 승패 여부 처리는 상호작용을 구현하면서 함께 개발하기 위해 </a:t>
-            </a:r>
-            <a:r>
-              <a:rPr lang="en-US" altLang="ko-KR" dirty="0"/>
-              <a:t>6</a:t>
-            </a:r>
-            <a:r>
-              <a:rPr lang="ko-KR" altLang="en-US" dirty="0"/>
-              <a:t>주차로 옮겼습니다</a:t>
-            </a:r>
-            <a:r>
-              <a:rPr lang="en-US" altLang="ko-KR" dirty="0"/>
-              <a:t>.</a:t>
-            </a:r>
-            <a:endParaRPr lang="ko-KR" altLang="en-US" dirty="0"/>
+            <a:endParaRPr lang="en-US" dirty="0"/>
           </a:p>
         </p:txBody>
       </p:sp>
@@ -827,7 +890,115 @@
     </p:spTree>
     <p:extLst>
       <p:ext uri="{BB962C8B-B14F-4D97-AF65-F5344CB8AC3E}">
-        <p14:creationId xmlns:p14="http://schemas.microsoft.com/office/powerpoint/2010/main" val="332476396"/>
+        <p14:creationId xmlns:p14="http://schemas.microsoft.com/office/powerpoint/2010/main" val="1407616386"/>
+      </p:ext>
+    </p:extLst>
+  </p:cSld>
+  <p:clrMapOvr>
+    <a:masterClrMapping/>
+  </p:clrMapOvr>
+</p:notes>
+</file>
+
+<file path=ppt/notesSlides/notesSlide4.xml><?xml version="1.0" encoding="utf-8"?>
+<p:notes xmlns:a="http://schemas.openxmlformats.org/drawingml/2006/main" xmlns:r="http://schemas.openxmlformats.org/officeDocument/2006/relationships" xmlns:p="http://schemas.openxmlformats.org/presentationml/2006/main">
+  <p:cSld>
+    <p:spTree>
+      <p:nvGrpSpPr>
+        <p:cNvPr id="1" name=""/>
+        <p:cNvGrpSpPr/>
+        <p:nvPr/>
+      </p:nvGrpSpPr>
+      <p:grpSpPr>
+        <a:xfrm>
+          <a:off x="0" y="0"/>
+          <a:ext cx="0" cy="0"/>
+          <a:chOff x="0" y="0"/>
+          <a:chExt cx="0" cy="0"/>
+        </a:xfrm>
+      </p:grpSpPr>
+      <p:sp>
+        <p:nvSpPr>
+          <p:cNvPr id="2" name="슬라이드 이미지 개체 틀 1"/>
+          <p:cNvSpPr>
+            <a:spLocks noGrp="1" noRot="1" noChangeAspect="1"/>
+          </p:cNvSpPr>
+          <p:nvPr>
+            <p:ph type="sldImg"/>
+          </p:nvPr>
+        </p:nvSpPr>
+        <p:spPr/>
+      </p:sp>
+      <p:sp>
+        <p:nvSpPr>
+          <p:cNvPr id="3" name="슬라이드 노트 개체 틀 2"/>
+          <p:cNvSpPr>
+            <a:spLocks noGrp="1"/>
+          </p:cNvSpPr>
+          <p:nvPr>
+            <p:ph type="body" idx="1"/>
+          </p:nvPr>
+        </p:nvSpPr>
+        <p:spPr/>
+        <p:txBody>
+          <a:bodyPr/>
+          <a:lstStyle/>
+          <a:p>
+            <a:r>
+              <a:rPr lang="ko-KR" altLang="en-US" dirty="0" err="1"/>
+              <a:t>커밋</a:t>
+            </a:r>
+            <a:r>
+              <a:rPr lang="ko-KR" altLang="en-US" dirty="0"/>
+              <a:t> 통계는 다음과 같습니다</a:t>
+            </a:r>
+            <a:r>
+              <a:rPr lang="en-US" altLang="ko-KR" dirty="0"/>
+              <a:t>.</a:t>
+            </a:r>
+          </a:p>
+          <a:p>
+            <a:r>
+              <a:rPr lang="ko-KR" altLang="en-US" dirty="0"/>
+              <a:t>이제 데모를 실행 해 보겠습니다</a:t>
+            </a:r>
+            <a:r>
+              <a:rPr lang="en-US" altLang="ko-KR" dirty="0"/>
+              <a:t>.</a:t>
+            </a:r>
+          </a:p>
+          <a:p>
+            <a:endParaRPr lang="ko-KR" altLang="en-US" dirty="0"/>
+          </a:p>
+        </p:txBody>
+      </p:sp>
+      <p:sp>
+        <p:nvSpPr>
+          <p:cNvPr id="4" name="슬라이드 번호 개체 틀 3"/>
+          <p:cNvSpPr>
+            <a:spLocks noGrp="1"/>
+          </p:cNvSpPr>
+          <p:nvPr>
+            <p:ph type="sldNum" sz="quarter" idx="5"/>
+          </p:nvPr>
+        </p:nvSpPr>
+        <p:spPr/>
+        <p:txBody>
+          <a:bodyPr/>
+          <a:lstStyle/>
+          <a:p>
+            <a:fld id="{6FBB959C-FEA4-4370-A22E-B290BC466DC5}" type="slidenum">
+              <a:rPr lang="ko-KR" altLang="en-US" smtClean="0"/>
+              <a:t>4</a:t>
+            </a:fld>
+            <a:endParaRPr lang="ko-KR" altLang="en-US"/>
+          </a:p>
+        </p:txBody>
+      </p:sp>
+    </p:spTree>
+    <p:extLst>
+      <p:ext uri="{BB962C8B-B14F-4D97-AF65-F5344CB8AC3E}">
+        <p14:creationId xmlns:p14="http://schemas.microsoft.com/office/powerpoint/2010/main" val="3188952016"/>
       </p:ext>
     </p:extLst>
   </p:cSld>
@@ -4119,6 +4290,45 @@
           </a:p>
         </p:txBody>
       </p:sp>
+      <p:pic>
+        <p:nvPicPr>
+          <p:cNvPr id="13" name="오디오 12">
+            <a:hlinkClick r:id="" action="ppaction://media"/>
+            <a:extLst>
+              <a:ext uri="{FF2B5EF4-FFF2-40B4-BE49-F238E27FC236}">
+                <a16:creationId xmlns:a16="http://schemas.microsoft.com/office/drawing/2014/main" id="{D0B7180B-4A17-7308-5346-07794569318D}"/>
+              </a:ext>
+            </a:extLst>
+          </p:cNvPr>
+          <p:cNvPicPr>
+            <a:picLocks noChangeAspect="1"/>
+          </p:cNvPicPr>
+          <p:nvPr>
+            <a:audioFile r:link="rId2"/>
+            <p:extLst>
+              <p:ext uri="{DAA4B4D4-6D71-4841-9C94-3DE7FCFB9230}">
+                <p14:media xmlns:p14="http://schemas.microsoft.com/office/powerpoint/2010/main" r:embed="rId1"/>
+              </p:ext>
+            </p:extLst>
+          </p:nvPr>
+        </p:nvPicPr>
+        <p:blipFill>
+          <a:blip r:embed="rId5"/>
+          <a:srcRect l="-118750" t="-118750" r="-118750" b="-118750"/>
+          <a:stretch>
+            <a:fillRect/>
+          </a:stretch>
+        </p:blipFill>
+        <p:spPr>
+          <a:xfrm>
+            <a:off x="10052304" y="4718304"/>
+            <a:ext cx="2057400" cy="2057400"/>
+          </a:xfrm>
+          <a:prstGeom prst="ellipse">
+            <a:avLst/>
+          </a:prstGeom>
+        </p:spPr>
+      </p:pic>
     </p:spTree>
     <p:extLst>
       <p:ext uri="{BB962C8B-B14F-4D97-AF65-F5344CB8AC3E}">
@@ -4129,10 +4339,653 @@
   <p:clrMapOvr>
     <a:masterClrMapping/>
   </p:clrMapOvr>
+  <mc:AlternateContent xmlns:mc="http://schemas.openxmlformats.org/markup-compatibility/2006">
+    <mc:Choice xmlns:p14="http://schemas.microsoft.com/office/powerpoint/2010/main" Requires="p14">
+      <p:transition spd="slow" p14:dur="2000" advTm="3885"/>
+    </mc:Choice>
+    <mc:Fallback>
+      <p:transition spd="slow" advTm="3885"/>
+    </mc:Fallback>
+  </mc:AlternateContent>
+  <p:timing>
+    <p:tnLst>
+      <p:par>
+        <p:cTn id="1" dur="indefinite" restart="never" nodeType="tmRoot">
+          <p:childTnLst>
+            <p:seq concurrent="1" nextAc="seek">
+              <p:cTn id="2" dur="indefinite" nodeType="mainSeq">
+                <p:childTnLst>
+                  <p:par>
+                    <p:cTn id="3" fill="hold">
+                      <p:stCondLst>
+                        <p:cond delay="indefinite"/>
+                        <p:cond evt="onBegin" delay="0">
+                          <p:tn val="2"/>
+                        </p:cond>
+                      </p:stCondLst>
+                      <p:childTnLst>
+                        <p:par>
+                          <p:cTn id="4" fill="hold">
+                            <p:stCondLst>
+                              <p:cond delay="0"/>
+                            </p:stCondLst>
+                            <p:childTnLst>
+                              <p:par>
+                                <p:cTn id="5" presetID="1" presetClass="mediacall" presetSubtype="0" fill="hold" nodeType="afterEffect">
+                                  <p:stCondLst>
+                                    <p:cond delay="0"/>
+                                  </p:stCondLst>
+                                  <p:childTnLst>
+                                    <p:cmd type="call" cmd="playFrom(0.0)">
+                                      <p:cBhvr>
+                                        <p:cTn id="6" dur="1" fill="hold"/>
+                                        <p:tgtEl>
+                                          <p:spTgt spid="13"/>
+                                        </p:tgtEl>
+                                      </p:cBhvr>
+                                    </p:cmd>
+                                  </p:childTnLst>
+                                </p:cTn>
+                              </p:par>
+                            </p:childTnLst>
+                          </p:cTn>
+                        </p:par>
+                      </p:childTnLst>
+                    </p:cTn>
+                  </p:par>
+                </p:childTnLst>
+              </p:cTn>
+              <p:prevCondLst>
+                <p:cond evt="onPrev" delay="0">
+                  <p:tgtEl>
+                    <p:sldTgt/>
+                  </p:tgtEl>
+                </p:cond>
+              </p:prevCondLst>
+              <p:nextCondLst>
+                <p:cond evt="onNext" delay="0">
+                  <p:tgtEl>
+                    <p:sldTgt/>
+                  </p:tgtEl>
+                </p:cond>
+              </p:nextCondLst>
+            </p:seq>
+            <p:audio isNarration="1">
+              <p:cMediaNode vol="80000" showWhenStopped="0">
+                <p:cTn id="7" fill="hold" display="0">
+                  <p:stCondLst>
+                    <p:cond delay="indefinite"/>
+                  </p:stCondLst>
+                  <p:endCondLst>
+                    <p:cond evt="onStopAudio" delay="0">
+                      <p:tgtEl>
+                        <p:sldTgt/>
+                      </p:tgtEl>
+                    </p:cond>
+                  </p:endCondLst>
+                </p:cTn>
+                <p:tgtEl>
+                  <p:spTgt spid="13"/>
+                </p:tgtEl>
+              </p:cMediaNode>
+            </p:audio>
+          </p:childTnLst>
+        </p:cTn>
+      </p:par>
+    </p:tnLst>
+  </p:timing>
 </p:sld>
 </file>
 
 <file path=ppt/slides/slide2.xml><?xml version="1.0" encoding="utf-8"?>
+<p:sld xmlns:a="http://schemas.openxmlformats.org/drawingml/2006/main" xmlns:r="http://schemas.openxmlformats.org/officeDocument/2006/relationships" xmlns:p="http://schemas.openxmlformats.org/presentationml/2006/main">
+  <p:cSld>
+    <p:spTree>
+      <p:nvGrpSpPr>
+        <p:cNvPr id="1" name=""/>
+        <p:cNvGrpSpPr/>
+        <p:nvPr/>
+      </p:nvGrpSpPr>
+      <p:grpSpPr>
+        <a:xfrm>
+          <a:off x="0" y="0"/>
+          <a:ext cx="0" cy="0"/>
+          <a:chOff x="0" y="0"/>
+          <a:chExt cx="0" cy="0"/>
+        </a:xfrm>
+      </p:grpSpPr>
+      <p:pic>
+        <p:nvPicPr>
+          <p:cNvPr id="15" name="그림 14" descr="텍스트, 스크린샷, 폰트이(가) 표시된 사진&#10;&#10;자동 생성된 설명">
+            <a:extLst>
+              <a:ext uri="{FF2B5EF4-FFF2-40B4-BE49-F238E27FC236}">
+                <a16:creationId xmlns:a16="http://schemas.microsoft.com/office/drawing/2014/main" id="{2C430A11-0023-D644-1BCE-509948A1B28C}"/>
+              </a:ext>
+            </a:extLst>
+          </p:cNvPr>
+          <p:cNvPicPr>
+            <a:picLocks noChangeAspect="1"/>
+          </p:cNvPicPr>
+          <p:nvPr/>
+        </p:nvPicPr>
+        <p:blipFill rotWithShape="1">
+          <a:blip r:embed="rId5">
+            <a:extLst>
+              <a:ext uri="{28A0092B-C50C-407E-A947-70E740481C1C}">
+                <a14:useLocalDpi xmlns:a14="http://schemas.microsoft.com/office/drawing/2010/main" val="0"/>
+              </a:ext>
+            </a:extLst>
+          </a:blip>
+          <a:srcRect t="49911" b="971"/>
+          <a:stretch/>
+        </p:blipFill>
+        <p:spPr>
+          <a:xfrm>
+            <a:off x="5353064" y="4030782"/>
+            <a:ext cx="6365170" cy="2364382"/>
+          </a:xfrm>
+          <a:prstGeom prst="rect">
+            <a:avLst/>
+          </a:prstGeom>
+        </p:spPr>
+      </p:pic>
+      <p:sp>
+        <p:nvSpPr>
+          <p:cNvPr id="2" name="제목 1">
+            <a:extLst>
+              <a:ext uri="{FF2B5EF4-FFF2-40B4-BE49-F238E27FC236}">
+                <a16:creationId xmlns:a16="http://schemas.microsoft.com/office/drawing/2014/main" id="{D2B36F28-482F-9E86-1072-CE7E030B2578}"/>
+              </a:ext>
+            </a:extLst>
+          </p:cNvPr>
+          <p:cNvSpPr>
+            <a:spLocks noGrp="1"/>
+          </p:cNvSpPr>
+          <p:nvPr>
+            <p:ph type="title"/>
+          </p:nvPr>
+        </p:nvSpPr>
+        <p:spPr/>
+        <p:txBody>
+          <a:bodyPr/>
+          <a:lstStyle/>
+          <a:p>
+            <a:r>
+              <a:rPr lang="ko-KR" altLang="en-US" dirty="0"/>
+              <a:t>변경된 일정</a:t>
+            </a:r>
+          </a:p>
+        </p:txBody>
+      </p:sp>
+      <p:sp>
+        <p:nvSpPr>
+          <p:cNvPr id="11" name="직사각형 10">
+            <a:extLst>
+              <a:ext uri="{FF2B5EF4-FFF2-40B4-BE49-F238E27FC236}">
+                <a16:creationId xmlns:a16="http://schemas.microsoft.com/office/drawing/2014/main" id="{A7FA8882-23BC-F004-CD12-DB84FA8B5CE3}"/>
+              </a:ext>
+            </a:extLst>
+          </p:cNvPr>
+          <p:cNvSpPr/>
+          <p:nvPr/>
+        </p:nvSpPr>
+        <p:spPr>
+          <a:xfrm>
+            <a:off x="6374573" y="4722974"/>
+            <a:ext cx="2464627" cy="979998"/>
+          </a:xfrm>
+          <a:prstGeom prst="rect">
+            <a:avLst/>
+          </a:prstGeom>
+          <a:noFill/>
+          <a:ln w="38100">
+            <a:solidFill>
+              <a:srgbClr val="FFC000"/>
+            </a:solidFill>
+          </a:ln>
+        </p:spPr>
+        <p:style>
+          <a:lnRef idx="2">
+            <a:schemeClr val="accent1">
+              <a:shade val="15000"/>
+            </a:schemeClr>
+          </a:lnRef>
+          <a:fillRef idx="1">
+            <a:schemeClr val="accent1"/>
+          </a:fillRef>
+          <a:effectRef idx="0">
+            <a:schemeClr val="accent1"/>
+          </a:effectRef>
+          <a:fontRef idx="minor">
+            <a:schemeClr val="lt1"/>
+          </a:fontRef>
+        </p:style>
+        <p:txBody>
+          <a:bodyPr rtlCol="0" anchor="ctr"/>
+          <a:lstStyle/>
+          <a:p>
+            <a:pPr algn="ctr"/>
+            <a:endParaRPr lang="ko-KR" altLang="en-US"/>
+          </a:p>
+        </p:txBody>
+      </p:sp>
+      <p:pic>
+        <p:nvPicPr>
+          <p:cNvPr id="16" name="그래픽 15" descr="정렬 단색으로 채워진">
+            <a:extLst>
+              <a:ext uri="{FF2B5EF4-FFF2-40B4-BE49-F238E27FC236}">
+                <a16:creationId xmlns:a16="http://schemas.microsoft.com/office/drawing/2014/main" id="{3D928CA0-6F93-1073-E245-951F21DE275F}"/>
+              </a:ext>
+            </a:extLst>
+          </p:cNvPr>
+          <p:cNvPicPr>
+            <a:picLocks noChangeAspect="1"/>
+          </p:cNvPicPr>
+          <p:nvPr/>
+        </p:nvPicPr>
+        <p:blipFill>
+          <a:blip r:embed="rId6">
+            <a:extLst>
+              <a:ext uri="{28A0092B-C50C-407E-A947-70E740481C1C}">
+                <a14:useLocalDpi xmlns:a14="http://schemas.microsoft.com/office/drawing/2010/main" val="0"/>
+              </a:ext>
+              <a:ext uri="{96DAC541-7B7A-43D3-8B79-37D633B846F1}">
+                <asvg:svgBlip xmlns:asvg="http://schemas.microsoft.com/office/drawing/2016/SVG/main" r:embed="rId7"/>
+              </a:ext>
+            </a:extLst>
+          </a:blip>
+          <a:stretch>
+            <a:fillRect/>
+          </a:stretch>
+        </p:blipFill>
+        <p:spPr>
+          <a:xfrm>
+            <a:off x="7381463" y="5016286"/>
+            <a:ext cx="450845" cy="393373"/>
+          </a:xfrm>
+          <a:prstGeom prst="rect">
+            <a:avLst/>
+          </a:prstGeom>
+        </p:spPr>
+      </p:pic>
+      <p:sp>
+        <p:nvSpPr>
+          <p:cNvPr id="20" name="화살표: 오른쪽 19">
+            <a:extLst>
+              <a:ext uri="{FF2B5EF4-FFF2-40B4-BE49-F238E27FC236}">
+                <a16:creationId xmlns:a16="http://schemas.microsoft.com/office/drawing/2014/main" id="{45C22FDB-39AD-6912-0F20-B88A0A32C86B}"/>
+              </a:ext>
+            </a:extLst>
+          </p:cNvPr>
+          <p:cNvSpPr/>
+          <p:nvPr/>
+        </p:nvSpPr>
+        <p:spPr>
+          <a:xfrm>
+            <a:off x="3836736" y="4781697"/>
+            <a:ext cx="1141465" cy="822984"/>
+          </a:xfrm>
+          <a:prstGeom prst="rightArrow">
+            <a:avLst/>
+          </a:prstGeom>
+          <a:noFill/>
+          <a:ln w="76200">
+            <a:solidFill>
+              <a:schemeClr val="tx1"/>
+            </a:solidFill>
+          </a:ln>
+        </p:spPr>
+        <p:style>
+          <a:lnRef idx="2">
+            <a:schemeClr val="accent1">
+              <a:shade val="15000"/>
+            </a:schemeClr>
+          </a:lnRef>
+          <a:fillRef idx="1">
+            <a:schemeClr val="accent1"/>
+          </a:fillRef>
+          <a:effectRef idx="0">
+            <a:schemeClr val="accent1"/>
+          </a:effectRef>
+          <a:fontRef idx="minor">
+            <a:schemeClr val="lt1"/>
+          </a:fontRef>
+        </p:style>
+        <p:txBody>
+          <a:bodyPr rtlCol="0" anchor="ctr"/>
+          <a:lstStyle/>
+          <a:p>
+            <a:pPr algn="ctr"/>
+            <a:endParaRPr lang="ko-KR" altLang="en-US"/>
+          </a:p>
+        </p:txBody>
+      </p:sp>
+      <p:sp>
+        <p:nvSpPr>
+          <p:cNvPr id="27" name="직사각형 26">
+            <a:extLst>
+              <a:ext uri="{FF2B5EF4-FFF2-40B4-BE49-F238E27FC236}">
+                <a16:creationId xmlns:a16="http://schemas.microsoft.com/office/drawing/2014/main" id="{60D93BD6-7FCA-8937-E25B-13B05F570444}"/>
+              </a:ext>
+            </a:extLst>
+          </p:cNvPr>
+          <p:cNvSpPr/>
+          <p:nvPr/>
+        </p:nvSpPr>
+        <p:spPr>
+          <a:xfrm>
+            <a:off x="8912087" y="5300213"/>
+            <a:ext cx="2392017" cy="979998"/>
+          </a:xfrm>
+          <a:prstGeom prst="rect">
+            <a:avLst/>
+          </a:prstGeom>
+          <a:noFill/>
+          <a:ln w="38100">
+            <a:solidFill>
+              <a:srgbClr val="FFC000"/>
+            </a:solidFill>
+          </a:ln>
+        </p:spPr>
+        <p:style>
+          <a:lnRef idx="2">
+            <a:schemeClr val="accent1">
+              <a:shade val="15000"/>
+            </a:schemeClr>
+          </a:lnRef>
+          <a:fillRef idx="1">
+            <a:schemeClr val="accent1"/>
+          </a:fillRef>
+          <a:effectRef idx="0">
+            <a:schemeClr val="accent1"/>
+          </a:effectRef>
+          <a:fontRef idx="minor">
+            <a:schemeClr val="lt1"/>
+          </a:fontRef>
+        </p:style>
+        <p:txBody>
+          <a:bodyPr rtlCol="0" anchor="ctr"/>
+          <a:lstStyle/>
+          <a:p>
+            <a:pPr algn="ctr"/>
+            <a:endParaRPr lang="ko-KR" altLang="en-US"/>
+          </a:p>
+        </p:txBody>
+      </p:sp>
+      <p:pic>
+        <p:nvPicPr>
+          <p:cNvPr id="30" name="그래픽 29" descr="위쪽 화살표 단색으로 채워진">
+            <a:extLst>
+              <a:ext uri="{FF2B5EF4-FFF2-40B4-BE49-F238E27FC236}">
+                <a16:creationId xmlns:a16="http://schemas.microsoft.com/office/drawing/2014/main" id="{9AF83F10-B9E3-B65E-5D8F-775C96FB8514}"/>
+              </a:ext>
+            </a:extLst>
+          </p:cNvPr>
+          <p:cNvPicPr>
+            <a:picLocks noChangeAspect="1"/>
+          </p:cNvPicPr>
+          <p:nvPr/>
+        </p:nvPicPr>
+        <p:blipFill>
+          <a:blip r:embed="rId8">
+            <a:extLst>
+              <a:ext uri="{28A0092B-C50C-407E-A947-70E740481C1C}">
+                <a14:useLocalDpi xmlns:a14="http://schemas.microsoft.com/office/drawing/2010/main" val="0"/>
+              </a:ext>
+              <a:ext uri="{96DAC541-7B7A-43D3-8B79-37D633B846F1}">
+                <asvg:svgBlip xmlns:asvg="http://schemas.microsoft.com/office/drawing/2016/SVG/main" r:embed="rId9"/>
+              </a:ext>
+            </a:extLst>
+          </a:blip>
+          <a:stretch>
+            <a:fillRect/>
+          </a:stretch>
+        </p:blipFill>
+        <p:spPr>
+          <a:xfrm>
+            <a:off x="9874788" y="5717352"/>
+            <a:ext cx="466613" cy="390373"/>
+          </a:xfrm>
+          <a:prstGeom prst="rect">
+            <a:avLst/>
+          </a:prstGeom>
+        </p:spPr>
+      </p:pic>
+      <p:pic>
+        <p:nvPicPr>
+          <p:cNvPr id="14" name="그림 13" descr="텍스트, 스크린샷, 폰트이(가) 표시된 사진&#10;&#10;자동 생성된 설명">
+            <a:extLst>
+              <a:ext uri="{FF2B5EF4-FFF2-40B4-BE49-F238E27FC236}">
+                <a16:creationId xmlns:a16="http://schemas.microsoft.com/office/drawing/2014/main" id="{0520AEF6-F648-88CA-953D-7ADDBBE542F9}"/>
+              </a:ext>
+            </a:extLst>
+          </p:cNvPr>
+          <p:cNvPicPr>
+            <a:picLocks noChangeAspect="1"/>
+          </p:cNvPicPr>
+          <p:nvPr/>
+        </p:nvPicPr>
+        <p:blipFill rotWithShape="1">
+          <a:blip r:embed="rId5">
+            <a:extLst>
+              <a:ext uri="{28A0092B-C50C-407E-A947-70E740481C1C}">
+                <a14:useLocalDpi xmlns:a14="http://schemas.microsoft.com/office/drawing/2010/main" val="0"/>
+              </a:ext>
+            </a:extLst>
+          </a:blip>
+          <a:srcRect t="1" b="50881"/>
+          <a:stretch/>
+        </p:blipFill>
+        <p:spPr>
+          <a:xfrm>
+            <a:off x="260049" y="1445616"/>
+            <a:ext cx="6365173" cy="2364383"/>
+          </a:xfrm>
+          <a:prstGeom prst="rect">
+            <a:avLst/>
+          </a:prstGeom>
+        </p:spPr>
+      </p:pic>
+      <p:sp>
+        <p:nvSpPr>
+          <p:cNvPr id="17" name="직사각형 16">
+            <a:extLst>
+              <a:ext uri="{FF2B5EF4-FFF2-40B4-BE49-F238E27FC236}">
+                <a16:creationId xmlns:a16="http://schemas.microsoft.com/office/drawing/2014/main" id="{AEE3BA2A-7045-0CAF-A476-480CA67AF560}"/>
+              </a:ext>
+            </a:extLst>
+          </p:cNvPr>
+          <p:cNvSpPr/>
+          <p:nvPr/>
+        </p:nvSpPr>
+        <p:spPr>
+          <a:xfrm>
+            <a:off x="9214063" y="4683127"/>
+            <a:ext cx="1557132" cy="437648"/>
+          </a:xfrm>
+          <a:prstGeom prst="rect">
+            <a:avLst/>
+          </a:prstGeom>
+          <a:noFill/>
+          <a:ln w="38100">
+            <a:solidFill>
+              <a:srgbClr val="92D050"/>
+            </a:solidFill>
+          </a:ln>
+        </p:spPr>
+        <p:style>
+          <a:lnRef idx="2">
+            <a:schemeClr val="accent1">
+              <a:shade val="15000"/>
+            </a:schemeClr>
+          </a:lnRef>
+          <a:fillRef idx="1">
+            <a:schemeClr val="accent1"/>
+          </a:fillRef>
+          <a:effectRef idx="0">
+            <a:schemeClr val="accent1"/>
+          </a:effectRef>
+          <a:fontRef idx="minor">
+            <a:schemeClr val="lt1"/>
+          </a:fontRef>
+        </p:style>
+        <p:txBody>
+          <a:bodyPr rtlCol="0" anchor="ctr"/>
+          <a:lstStyle/>
+          <a:p>
+            <a:pPr algn="ctr"/>
+            <a:endParaRPr lang="ko-KR" altLang="en-US"/>
+          </a:p>
+        </p:txBody>
+      </p:sp>
+      <p:pic>
+        <p:nvPicPr>
+          <p:cNvPr id="21" name="오디오 20">
+            <a:hlinkClick r:id="" action="ppaction://media"/>
+            <a:extLst>
+              <a:ext uri="{FF2B5EF4-FFF2-40B4-BE49-F238E27FC236}">
+                <a16:creationId xmlns:a16="http://schemas.microsoft.com/office/drawing/2014/main" id="{4BDC32A6-EBAF-00F2-1629-F04335ED03DC}"/>
+              </a:ext>
+            </a:extLst>
+          </p:cNvPr>
+          <p:cNvPicPr>
+            <a:picLocks noChangeAspect="1"/>
+          </p:cNvPicPr>
+          <p:nvPr>
+            <a:audioFile r:link="rId2"/>
+            <p:extLst>
+              <p:ext uri="{DAA4B4D4-6D71-4841-9C94-3DE7FCFB9230}">
+                <p14:media xmlns:p14="http://schemas.microsoft.com/office/powerpoint/2010/main" r:embed="rId1"/>
+              </p:ext>
+            </p:extLst>
+          </p:nvPr>
+        </p:nvPicPr>
+        <p:blipFill>
+          <a:blip r:embed="rId10"/>
+          <a:srcRect l="-118750" t="-118750" r="-118750" b="-118750"/>
+          <a:stretch>
+            <a:fillRect/>
+          </a:stretch>
+        </p:blipFill>
+        <p:spPr>
+          <a:xfrm>
+            <a:off x="10052304" y="4718304"/>
+            <a:ext cx="2057400" cy="2057400"/>
+          </a:xfrm>
+          <a:prstGeom prst="ellipse">
+            <a:avLst/>
+          </a:prstGeom>
+        </p:spPr>
+      </p:pic>
+    </p:spTree>
+    <p:extLst>
+      <p:ext uri="{BB962C8B-B14F-4D97-AF65-F5344CB8AC3E}">
+        <p14:creationId xmlns:p14="http://schemas.microsoft.com/office/powerpoint/2010/main" val="1523274377"/>
+      </p:ext>
+    </p:extLst>
+  </p:cSld>
+  <p:clrMapOvr>
+    <a:masterClrMapping/>
+  </p:clrMapOvr>
+  <mc:AlternateContent xmlns:mc="http://schemas.openxmlformats.org/markup-compatibility/2006">
+    <mc:Choice xmlns:p14="http://schemas.microsoft.com/office/powerpoint/2010/main" Requires="p14">
+      <p:transition spd="slow" p14:dur="2000" advTm="22360"/>
+    </mc:Choice>
+    <mc:Fallback>
+      <p:transition spd="slow" advTm="22360"/>
+    </mc:Fallback>
+  </mc:AlternateContent>
+  <p:timing>
+    <p:tnLst>
+      <p:par>
+        <p:cTn id="1" dur="indefinite" restart="never" nodeType="tmRoot">
+          <p:childTnLst>
+            <p:seq concurrent="1" nextAc="seek">
+              <p:cTn id="2" dur="indefinite" nodeType="mainSeq">
+                <p:childTnLst>
+                  <p:par>
+                    <p:cTn id="3" fill="hold">
+                      <p:stCondLst>
+                        <p:cond delay="indefinite"/>
+                        <p:cond evt="onBegin" delay="0">
+                          <p:tn val="2"/>
+                        </p:cond>
+                      </p:stCondLst>
+                      <p:childTnLst>
+                        <p:par>
+                          <p:cTn id="4" fill="hold">
+                            <p:stCondLst>
+                              <p:cond delay="0"/>
+                            </p:stCondLst>
+                            <p:childTnLst>
+                              <p:par>
+                                <p:cTn id="5" presetID="1" presetClass="mediacall" presetSubtype="0" fill="hold" nodeType="afterEffect">
+                                  <p:stCondLst>
+                                    <p:cond delay="0"/>
+                                  </p:stCondLst>
+                                  <p:childTnLst>
+                                    <p:cmd type="call" cmd="playFrom(0.0)">
+                                      <p:cBhvr>
+                                        <p:cTn id="6" dur="1" fill="hold"/>
+                                        <p:tgtEl>
+                                          <p:spTgt spid="21"/>
+                                        </p:tgtEl>
+                                      </p:cBhvr>
+                                    </p:cmd>
+                                  </p:childTnLst>
+                                </p:cTn>
+                              </p:par>
+                            </p:childTnLst>
+                          </p:cTn>
+                        </p:par>
+                      </p:childTnLst>
+                    </p:cTn>
+                  </p:par>
+                </p:childTnLst>
+              </p:cTn>
+              <p:prevCondLst>
+                <p:cond evt="onPrev" delay="0">
+                  <p:tgtEl>
+                    <p:sldTgt/>
+                  </p:tgtEl>
+                </p:cond>
+              </p:prevCondLst>
+              <p:nextCondLst>
+                <p:cond evt="onNext" delay="0">
+                  <p:tgtEl>
+                    <p:sldTgt/>
+                  </p:tgtEl>
+                </p:cond>
+              </p:nextCondLst>
+            </p:seq>
+            <p:audio isNarration="1">
+              <p:cMediaNode vol="80000" showWhenStopped="0">
+                <p:cTn id="7" fill="hold" display="0">
+                  <p:stCondLst>
+                    <p:cond delay="indefinite"/>
+                  </p:stCondLst>
+                  <p:endCondLst>
+                    <p:cond evt="onStopAudio" delay="0">
+                      <p:tgtEl>
+                        <p:sldTgt/>
+                      </p:tgtEl>
+                    </p:cond>
+                  </p:endCondLst>
+                </p:cTn>
+                <p:tgtEl>
+                  <p:spTgt spid="21"/>
+                </p:tgtEl>
+              </p:cMediaNode>
+            </p:audio>
+          </p:childTnLst>
+        </p:cTn>
+      </p:par>
+    </p:tnLst>
+  </p:timing>
+</p:sld>
+</file>
+
+<file path=ppt/slides/slide3.xml><?xml version="1.0" encoding="utf-8"?>
 <p:sld xmlns:a="http://schemas.openxmlformats.org/drawingml/2006/main" xmlns:r="http://schemas.openxmlformats.org/officeDocument/2006/relationships" xmlns:p="http://schemas.openxmlformats.org/presentationml/2006/main">
   <p:cSld>
     <p:spTree>
@@ -7081,6 +7934,45 @@
           </a:graphicData>
         </a:graphic>
       </p:graphicFrame>
+      <p:pic>
+        <p:nvPicPr>
+          <p:cNvPr id="13" name="오디오 12">
+            <a:hlinkClick r:id="" action="ppaction://media"/>
+            <a:extLst>
+              <a:ext uri="{FF2B5EF4-FFF2-40B4-BE49-F238E27FC236}">
+                <a16:creationId xmlns:a16="http://schemas.microsoft.com/office/drawing/2014/main" id="{54E0DBA0-82F0-74A8-B12A-C33CF06A1330}"/>
+              </a:ext>
+            </a:extLst>
+          </p:cNvPr>
+          <p:cNvPicPr>
+            <a:picLocks noChangeAspect="1"/>
+          </p:cNvPicPr>
+          <p:nvPr>
+            <a:audioFile r:link="rId2"/>
+            <p:extLst>
+              <p:ext uri="{DAA4B4D4-6D71-4841-9C94-3DE7FCFB9230}">
+                <p14:media xmlns:p14="http://schemas.microsoft.com/office/powerpoint/2010/main" r:embed="rId1"/>
+              </p:ext>
+            </p:extLst>
+          </p:nvPr>
+        </p:nvPicPr>
+        <p:blipFill>
+          <a:blip r:embed="rId5"/>
+          <a:srcRect l="-118750" t="-118750" r="-118750" b="-118750"/>
+          <a:stretch>
+            <a:fillRect/>
+          </a:stretch>
+        </p:blipFill>
+        <p:spPr>
+          <a:xfrm>
+            <a:off x="10052304" y="4718304"/>
+            <a:ext cx="2057400" cy="2057400"/>
+          </a:xfrm>
+          <a:prstGeom prst="ellipse">
+            <a:avLst/>
+          </a:prstGeom>
+        </p:spPr>
+      </p:pic>
     </p:spTree>
     <p:extLst>
       <p:ext uri="{BB962C8B-B14F-4D97-AF65-F5344CB8AC3E}">
@@ -7091,420 +7983,101 @@
   <p:clrMapOvr>
     <a:masterClrMapping/>
   </p:clrMapOvr>
-</p:sld>
-</file>
-
-<file path=ppt/slides/slide3.xml><?xml version="1.0" encoding="utf-8"?>
-<p:sld xmlns:a="http://schemas.openxmlformats.org/drawingml/2006/main" xmlns:r="http://schemas.openxmlformats.org/officeDocument/2006/relationships" xmlns:p="http://schemas.openxmlformats.org/presentationml/2006/main">
-  <p:cSld>
-    <p:spTree>
-      <p:nvGrpSpPr>
-        <p:cNvPr id="1" name=""/>
-        <p:cNvGrpSpPr/>
-        <p:nvPr/>
-      </p:nvGrpSpPr>
-      <p:grpSpPr>
-        <a:xfrm>
-          <a:off x="0" y="0"/>
-          <a:ext cx="0" cy="0"/>
-          <a:chOff x="0" y="0"/>
-          <a:chExt cx="0" cy="0"/>
-        </a:xfrm>
-      </p:grpSpPr>
-      <p:pic>
-        <p:nvPicPr>
-          <p:cNvPr id="15" name="그림 14" descr="텍스트, 스크린샷, 폰트이(가) 표시된 사진&#10;&#10;자동 생성된 설명">
-            <a:extLst>
-              <a:ext uri="{FF2B5EF4-FFF2-40B4-BE49-F238E27FC236}">
-                <a16:creationId xmlns:a16="http://schemas.microsoft.com/office/drawing/2014/main" id="{2C430A11-0023-D644-1BCE-509948A1B28C}"/>
-              </a:ext>
-            </a:extLst>
-          </p:cNvPr>
-          <p:cNvPicPr>
-            <a:picLocks noChangeAspect="1"/>
-          </p:cNvPicPr>
-          <p:nvPr/>
-        </p:nvPicPr>
-        <p:blipFill rotWithShape="1">
-          <a:blip r:embed="rId3">
-            <a:extLst>
-              <a:ext uri="{28A0092B-C50C-407E-A947-70E740481C1C}">
-                <a14:useLocalDpi xmlns:a14="http://schemas.microsoft.com/office/drawing/2010/main" val="0"/>
-              </a:ext>
-            </a:extLst>
-          </a:blip>
-          <a:srcRect t="49911" b="971"/>
-          <a:stretch/>
-        </p:blipFill>
-        <p:spPr>
-          <a:xfrm>
-            <a:off x="5353064" y="4030782"/>
-            <a:ext cx="6365170" cy="2364382"/>
-          </a:xfrm>
-          <a:prstGeom prst="rect">
-            <a:avLst/>
-          </a:prstGeom>
-        </p:spPr>
-      </p:pic>
-      <p:sp>
-        <p:nvSpPr>
-          <p:cNvPr id="2" name="제목 1">
-            <a:extLst>
-              <a:ext uri="{FF2B5EF4-FFF2-40B4-BE49-F238E27FC236}">
-                <a16:creationId xmlns:a16="http://schemas.microsoft.com/office/drawing/2014/main" id="{D2B36F28-482F-9E86-1072-CE7E030B2578}"/>
-              </a:ext>
-            </a:extLst>
-          </p:cNvPr>
-          <p:cNvSpPr>
-            <a:spLocks noGrp="1"/>
-          </p:cNvSpPr>
-          <p:nvPr>
-            <p:ph type="title"/>
-          </p:nvPr>
-        </p:nvSpPr>
-        <p:spPr/>
-        <p:txBody>
-          <a:bodyPr/>
-          <a:lstStyle/>
-          <a:p>
-            <a:r>
-              <a:rPr lang="ko-KR" altLang="en-US" dirty="0"/>
-              <a:t>변경된 일정</a:t>
-            </a:r>
-          </a:p>
-        </p:txBody>
-      </p:sp>
-      <p:sp>
-        <p:nvSpPr>
-          <p:cNvPr id="11" name="직사각형 10">
-            <a:extLst>
-              <a:ext uri="{FF2B5EF4-FFF2-40B4-BE49-F238E27FC236}">
-                <a16:creationId xmlns:a16="http://schemas.microsoft.com/office/drawing/2014/main" id="{A7FA8882-23BC-F004-CD12-DB84FA8B5CE3}"/>
-              </a:ext>
-            </a:extLst>
-          </p:cNvPr>
-          <p:cNvSpPr/>
-          <p:nvPr/>
-        </p:nvSpPr>
-        <p:spPr>
-          <a:xfrm>
-            <a:off x="6374573" y="4722974"/>
-            <a:ext cx="2464627" cy="979998"/>
-          </a:xfrm>
-          <a:prstGeom prst="rect">
-            <a:avLst/>
-          </a:prstGeom>
-          <a:noFill/>
-          <a:ln w="38100">
-            <a:solidFill>
-              <a:srgbClr val="FFC000"/>
-            </a:solidFill>
-          </a:ln>
-        </p:spPr>
-        <p:style>
-          <a:lnRef idx="2">
-            <a:schemeClr val="accent1">
-              <a:shade val="15000"/>
-            </a:schemeClr>
-          </a:lnRef>
-          <a:fillRef idx="1">
-            <a:schemeClr val="accent1"/>
-          </a:fillRef>
-          <a:effectRef idx="0">
-            <a:schemeClr val="accent1"/>
-          </a:effectRef>
-          <a:fontRef idx="minor">
-            <a:schemeClr val="lt1"/>
-          </a:fontRef>
-        </p:style>
-        <p:txBody>
-          <a:bodyPr rtlCol="0" anchor="ctr"/>
-          <a:lstStyle/>
-          <a:p>
-            <a:pPr algn="ctr"/>
-            <a:endParaRPr lang="ko-KR" altLang="en-US"/>
-          </a:p>
-        </p:txBody>
-      </p:sp>
-      <p:pic>
-        <p:nvPicPr>
-          <p:cNvPr id="16" name="그래픽 15" descr="정렬 단색으로 채워진">
-            <a:extLst>
-              <a:ext uri="{FF2B5EF4-FFF2-40B4-BE49-F238E27FC236}">
-                <a16:creationId xmlns:a16="http://schemas.microsoft.com/office/drawing/2014/main" id="{3D928CA0-6F93-1073-E245-951F21DE275F}"/>
-              </a:ext>
-            </a:extLst>
-          </p:cNvPr>
-          <p:cNvPicPr>
-            <a:picLocks noChangeAspect="1"/>
-          </p:cNvPicPr>
-          <p:nvPr/>
-        </p:nvPicPr>
-        <p:blipFill>
-          <a:blip r:embed="rId4">
-            <a:extLst>
-              <a:ext uri="{28A0092B-C50C-407E-A947-70E740481C1C}">
-                <a14:useLocalDpi xmlns:a14="http://schemas.microsoft.com/office/drawing/2010/main" val="0"/>
-              </a:ext>
-              <a:ext uri="{96DAC541-7B7A-43D3-8B79-37D633B846F1}">
-                <asvg:svgBlip xmlns:asvg="http://schemas.microsoft.com/office/drawing/2016/SVG/main" r:embed="rId5"/>
-              </a:ext>
-            </a:extLst>
-          </a:blip>
-          <a:stretch>
-            <a:fillRect/>
-          </a:stretch>
-        </p:blipFill>
-        <p:spPr>
-          <a:xfrm>
-            <a:off x="7381463" y="5016286"/>
-            <a:ext cx="450845" cy="393373"/>
-          </a:xfrm>
-          <a:prstGeom prst="rect">
-            <a:avLst/>
-          </a:prstGeom>
-        </p:spPr>
-      </p:pic>
-      <p:sp>
-        <p:nvSpPr>
-          <p:cNvPr id="20" name="화살표: 오른쪽 19">
-            <a:extLst>
-              <a:ext uri="{FF2B5EF4-FFF2-40B4-BE49-F238E27FC236}">
-                <a16:creationId xmlns:a16="http://schemas.microsoft.com/office/drawing/2014/main" id="{45C22FDB-39AD-6912-0F20-B88A0A32C86B}"/>
-              </a:ext>
-            </a:extLst>
-          </p:cNvPr>
-          <p:cNvSpPr/>
-          <p:nvPr/>
-        </p:nvSpPr>
-        <p:spPr>
-          <a:xfrm>
-            <a:off x="3836736" y="4781697"/>
-            <a:ext cx="1141465" cy="822984"/>
-          </a:xfrm>
-          <a:prstGeom prst="rightArrow">
-            <a:avLst/>
-          </a:prstGeom>
-          <a:noFill/>
-          <a:ln w="76200">
-            <a:solidFill>
-              <a:schemeClr val="tx1"/>
-            </a:solidFill>
-          </a:ln>
-        </p:spPr>
-        <p:style>
-          <a:lnRef idx="2">
-            <a:schemeClr val="accent1">
-              <a:shade val="15000"/>
-            </a:schemeClr>
-          </a:lnRef>
-          <a:fillRef idx="1">
-            <a:schemeClr val="accent1"/>
-          </a:fillRef>
-          <a:effectRef idx="0">
-            <a:schemeClr val="accent1"/>
-          </a:effectRef>
-          <a:fontRef idx="minor">
-            <a:schemeClr val="lt1"/>
-          </a:fontRef>
-        </p:style>
-        <p:txBody>
-          <a:bodyPr rtlCol="0" anchor="ctr"/>
-          <a:lstStyle/>
-          <a:p>
-            <a:pPr algn="ctr"/>
-            <a:endParaRPr lang="ko-KR" altLang="en-US"/>
-          </a:p>
-        </p:txBody>
-      </p:sp>
-      <p:sp>
-        <p:nvSpPr>
-          <p:cNvPr id="27" name="직사각형 26">
-            <a:extLst>
-              <a:ext uri="{FF2B5EF4-FFF2-40B4-BE49-F238E27FC236}">
-                <a16:creationId xmlns:a16="http://schemas.microsoft.com/office/drawing/2014/main" id="{60D93BD6-7FCA-8937-E25B-13B05F570444}"/>
-              </a:ext>
-            </a:extLst>
-          </p:cNvPr>
-          <p:cNvSpPr/>
-          <p:nvPr/>
-        </p:nvSpPr>
-        <p:spPr>
-          <a:xfrm>
-            <a:off x="8912087" y="5300213"/>
-            <a:ext cx="2392017" cy="979998"/>
-          </a:xfrm>
-          <a:prstGeom prst="rect">
-            <a:avLst/>
-          </a:prstGeom>
-          <a:noFill/>
-          <a:ln w="38100">
-            <a:solidFill>
-              <a:srgbClr val="FFC000"/>
-            </a:solidFill>
-          </a:ln>
-        </p:spPr>
-        <p:style>
-          <a:lnRef idx="2">
-            <a:schemeClr val="accent1">
-              <a:shade val="15000"/>
-            </a:schemeClr>
-          </a:lnRef>
-          <a:fillRef idx="1">
-            <a:schemeClr val="accent1"/>
-          </a:fillRef>
-          <a:effectRef idx="0">
-            <a:schemeClr val="accent1"/>
-          </a:effectRef>
-          <a:fontRef idx="minor">
-            <a:schemeClr val="lt1"/>
-          </a:fontRef>
-        </p:style>
-        <p:txBody>
-          <a:bodyPr rtlCol="0" anchor="ctr"/>
-          <a:lstStyle/>
-          <a:p>
-            <a:pPr algn="ctr"/>
-            <a:endParaRPr lang="ko-KR" altLang="en-US"/>
-          </a:p>
-        </p:txBody>
-      </p:sp>
-      <p:pic>
-        <p:nvPicPr>
-          <p:cNvPr id="30" name="그래픽 29" descr="위쪽 화살표 단색으로 채워진">
-            <a:extLst>
-              <a:ext uri="{FF2B5EF4-FFF2-40B4-BE49-F238E27FC236}">
-                <a16:creationId xmlns:a16="http://schemas.microsoft.com/office/drawing/2014/main" id="{9AF83F10-B9E3-B65E-5D8F-775C96FB8514}"/>
-              </a:ext>
-            </a:extLst>
-          </p:cNvPr>
-          <p:cNvPicPr>
-            <a:picLocks noChangeAspect="1"/>
-          </p:cNvPicPr>
-          <p:nvPr/>
-        </p:nvPicPr>
-        <p:blipFill>
-          <a:blip r:embed="rId6">
-            <a:extLst>
-              <a:ext uri="{28A0092B-C50C-407E-A947-70E740481C1C}">
-                <a14:useLocalDpi xmlns:a14="http://schemas.microsoft.com/office/drawing/2010/main" val="0"/>
-              </a:ext>
-              <a:ext uri="{96DAC541-7B7A-43D3-8B79-37D633B846F1}">
-                <asvg:svgBlip xmlns:asvg="http://schemas.microsoft.com/office/drawing/2016/SVG/main" r:embed="rId7"/>
-              </a:ext>
-            </a:extLst>
-          </a:blip>
-          <a:stretch>
-            <a:fillRect/>
-          </a:stretch>
-        </p:blipFill>
-        <p:spPr>
-          <a:xfrm>
-            <a:off x="9874788" y="5717352"/>
-            <a:ext cx="466613" cy="390373"/>
-          </a:xfrm>
-          <a:prstGeom prst="rect">
-            <a:avLst/>
-          </a:prstGeom>
-        </p:spPr>
-      </p:pic>
-      <p:pic>
-        <p:nvPicPr>
-          <p:cNvPr id="14" name="그림 13" descr="텍스트, 스크린샷, 폰트이(가) 표시된 사진&#10;&#10;자동 생성된 설명">
-            <a:extLst>
-              <a:ext uri="{FF2B5EF4-FFF2-40B4-BE49-F238E27FC236}">
-                <a16:creationId xmlns:a16="http://schemas.microsoft.com/office/drawing/2014/main" id="{0520AEF6-F648-88CA-953D-7ADDBBE542F9}"/>
-              </a:ext>
-            </a:extLst>
-          </p:cNvPr>
-          <p:cNvPicPr>
-            <a:picLocks noChangeAspect="1"/>
-          </p:cNvPicPr>
-          <p:nvPr/>
-        </p:nvPicPr>
-        <p:blipFill rotWithShape="1">
-          <a:blip r:embed="rId3">
-            <a:extLst>
-              <a:ext uri="{28A0092B-C50C-407E-A947-70E740481C1C}">
-                <a14:useLocalDpi xmlns:a14="http://schemas.microsoft.com/office/drawing/2010/main" val="0"/>
-              </a:ext>
-            </a:extLst>
-          </a:blip>
-          <a:srcRect t="1" b="50881"/>
-          <a:stretch/>
-        </p:blipFill>
-        <p:spPr>
-          <a:xfrm>
-            <a:off x="260049" y="1445616"/>
-            <a:ext cx="6365173" cy="2364383"/>
-          </a:xfrm>
-          <a:prstGeom prst="rect">
-            <a:avLst/>
-          </a:prstGeom>
-        </p:spPr>
-      </p:pic>
-      <p:sp>
-        <p:nvSpPr>
-          <p:cNvPr id="17" name="직사각형 16">
-            <a:extLst>
-              <a:ext uri="{FF2B5EF4-FFF2-40B4-BE49-F238E27FC236}">
-                <a16:creationId xmlns:a16="http://schemas.microsoft.com/office/drawing/2014/main" id="{AEE3BA2A-7045-0CAF-A476-480CA67AF560}"/>
-              </a:ext>
-            </a:extLst>
-          </p:cNvPr>
-          <p:cNvSpPr/>
-          <p:nvPr/>
-        </p:nvSpPr>
-        <p:spPr>
-          <a:xfrm>
-            <a:off x="9214063" y="4683127"/>
-            <a:ext cx="1557132" cy="437648"/>
-          </a:xfrm>
-          <a:prstGeom prst="rect">
-            <a:avLst/>
-          </a:prstGeom>
-          <a:noFill/>
-          <a:ln w="38100">
-            <a:solidFill>
-              <a:srgbClr val="92D050"/>
-            </a:solidFill>
-          </a:ln>
-        </p:spPr>
-        <p:style>
-          <a:lnRef idx="2">
-            <a:schemeClr val="accent1">
-              <a:shade val="15000"/>
-            </a:schemeClr>
-          </a:lnRef>
-          <a:fillRef idx="1">
-            <a:schemeClr val="accent1"/>
-          </a:fillRef>
-          <a:effectRef idx="0">
-            <a:schemeClr val="accent1"/>
-          </a:effectRef>
-          <a:fontRef idx="minor">
-            <a:schemeClr val="lt1"/>
-          </a:fontRef>
-        </p:style>
-        <p:txBody>
-          <a:bodyPr rtlCol="0" anchor="ctr"/>
-          <a:lstStyle/>
-          <a:p>
-            <a:pPr algn="ctr"/>
-            <a:endParaRPr lang="ko-KR" altLang="en-US"/>
-          </a:p>
-        </p:txBody>
-      </p:sp>
-    </p:spTree>
-    <p:extLst>
-      <p:ext uri="{BB962C8B-B14F-4D97-AF65-F5344CB8AC3E}">
-        <p14:creationId xmlns:p14="http://schemas.microsoft.com/office/powerpoint/2010/main" val="1523274377"/>
-      </p:ext>
-    </p:extLst>
-  </p:cSld>
-  <p:clrMapOvr>
-    <a:masterClrMapping/>
-  </p:clrMapOvr>
+  <mc:AlternateContent xmlns:mc="http://schemas.openxmlformats.org/markup-compatibility/2006">
+    <mc:Choice xmlns:p14="http://schemas.microsoft.com/office/powerpoint/2010/main" Requires="p14">
+      <p:transition spd="slow" p14:dur="2000" advTm="12306"/>
+    </mc:Choice>
+    <mc:Fallback>
+      <p:transition spd="slow" advTm="12306"/>
+    </mc:Fallback>
+  </mc:AlternateContent>
+  <p:timing>
+    <p:tnLst>
+      <p:par>
+        <p:cTn id="1" dur="indefinite" restart="never" nodeType="tmRoot">
+          <p:childTnLst>
+            <p:seq concurrent="1" nextAc="seek">
+              <p:cTn id="2" dur="indefinite" nodeType="mainSeq">
+                <p:childTnLst>
+                  <p:par>
+                    <p:cTn id="3" fill="hold">
+                      <p:stCondLst>
+                        <p:cond delay="indefinite"/>
+                        <p:cond evt="onBegin" delay="0">
+                          <p:tn val="2"/>
+                        </p:cond>
+                      </p:stCondLst>
+                      <p:childTnLst>
+                        <p:par>
+                          <p:cTn id="4" fill="hold">
+                            <p:stCondLst>
+                              <p:cond delay="0"/>
+                            </p:stCondLst>
+                            <p:childTnLst>
+                              <p:par>
+                                <p:cTn id="5" presetID="1" presetClass="mediacall" presetSubtype="0" fill="hold" nodeType="afterEffect">
+                                  <p:stCondLst>
+                                    <p:cond delay="0"/>
+                                  </p:stCondLst>
+                                  <p:childTnLst>
+                                    <p:cmd type="call" cmd="playFrom(0.0)">
+                                      <p:cBhvr>
+                                        <p:cTn id="6" dur="1" fill="hold"/>
+                                        <p:tgtEl>
+                                          <p:spTgt spid="13"/>
+                                        </p:tgtEl>
+                                      </p:cBhvr>
+                                    </p:cmd>
+                                  </p:childTnLst>
+                                </p:cTn>
+                              </p:par>
+                            </p:childTnLst>
+                          </p:cTn>
+                        </p:par>
+                      </p:childTnLst>
+                    </p:cTn>
+                  </p:par>
+                </p:childTnLst>
+              </p:cTn>
+              <p:prevCondLst>
+                <p:cond evt="onPrev" delay="0">
+                  <p:tgtEl>
+                    <p:sldTgt/>
+                  </p:tgtEl>
+                </p:cond>
+              </p:prevCondLst>
+              <p:nextCondLst>
+                <p:cond evt="onNext" delay="0">
+                  <p:tgtEl>
+                    <p:sldTgt/>
+                  </p:tgtEl>
+                </p:cond>
+              </p:nextCondLst>
+            </p:seq>
+            <p:audio isNarration="1">
+              <p:cMediaNode vol="80000" showWhenStopped="0">
+                <p:cTn id="7" fill="hold" display="0">
+                  <p:stCondLst>
+                    <p:cond delay="indefinite"/>
+                  </p:stCondLst>
+                  <p:endCondLst>
+                    <p:cond evt="onStopAudio" delay="0">
+                      <p:tgtEl>
+                        <p:sldTgt/>
+                      </p:tgtEl>
+                    </p:cond>
+                  </p:endCondLst>
+                </p:cTn>
+                <p:tgtEl>
+                  <p:spTgt spid="13"/>
+                </p:tgtEl>
+              </p:cMediaNode>
+            </p:audio>
+          </p:childTnLst>
+        </p:cTn>
+      </p:par>
+    </p:tnLst>
+  </p:timing>
 </p:sld>
 </file>
 
@@ -7575,7 +8148,7 @@
           </p:nvPr>
         </p:nvPicPr>
         <p:blipFill rotWithShape="1">
-          <a:blip r:embed="rId2">
+          <a:blip r:embed="rId5">
             <a:extLst>
               <a:ext uri="{28A0092B-C50C-407E-A947-70E740481C1C}">
                 <a14:useLocalDpi xmlns:a14="http://schemas.microsoft.com/office/drawing/2010/main" val="0"/>
@@ -7592,6 +8165,45 @@
           </a:xfrm>
         </p:spPr>
       </p:pic>
+      <p:pic>
+        <p:nvPicPr>
+          <p:cNvPr id="6" name="오디오 5">
+            <a:hlinkClick r:id="" action="ppaction://media"/>
+            <a:extLst>
+              <a:ext uri="{FF2B5EF4-FFF2-40B4-BE49-F238E27FC236}">
+                <a16:creationId xmlns:a16="http://schemas.microsoft.com/office/drawing/2014/main" id="{7B4818E5-38C6-2B03-F2AB-934038123448}"/>
+              </a:ext>
+            </a:extLst>
+          </p:cNvPr>
+          <p:cNvPicPr>
+            <a:picLocks noChangeAspect="1"/>
+          </p:cNvPicPr>
+          <p:nvPr>
+            <a:audioFile r:link="rId2"/>
+            <p:extLst>
+              <p:ext uri="{DAA4B4D4-6D71-4841-9C94-3DE7FCFB9230}">
+                <p14:media xmlns:p14="http://schemas.microsoft.com/office/powerpoint/2010/main" r:embed="rId1"/>
+              </p:ext>
+            </p:extLst>
+          </p:nvPr>
+        </p:nvPicPr>
+        <p:blipFill>
+          <a:blip r:embed="rId6"/>
+          <a:srcRect l="-118750" t="-118750" r="-118750" b="-118750"/>
+          <a:stretch>
+            <a:fillRect/>
+          </a:stretch>
+        </p:blipFill>
+        <p:spPr>
+          <a:xfrm>
+            <a:off x="10052304" y="4718304"/>
+            <a:ext cx="2057400" cy="2057400"/>
+          </a:xfrm>
+          <a:prstGeom prst="ellipse">
+            <a:avLst/>
+          </a:prstGeom>
+        </p:spPr>
+      </p:pic>
     </p:spTree>
     <p:extLst>
       <p:ext uri="{BB962C8B-B14F-4D97-AF65-F5344CB8AC3E}">
@@ -7602,6 +8214,101 @@
   <p:clrMapOvr>
     <a:masterClrMapping/>
   </p:clrMapOvr>
+  <mc:AlternateContent xmlns:mc="http://schemas.openxmlformats.org/markup-compatibility/2006">
+    <mc:Choice xmlns:p14="http://schemas.microsoft.com/office/powerpoint/2010/main" Requires="p14">
+      <p:transition spd="slow" p14:dur="2000" advTm="5471"/>
+    </mc:Choice>
+    <mc:Fallback>
+      <p:transition spd="slow" advTm="5471"/>
+    </mc:Fallback>
+  </mc:AlternateContent>
+  <p:timing>
+    <p:tnLst>
+      <p:par>
+        <p:cTn id="1" dur="indefinite" restart="never" nodeType="tmRoot">
+          <p:childTnLst>
+            <p:seq concurrent="1" nextAc="seek">
+              <p:cTn id="2" dur="indefinite" nodeType="mainSeq">
+                <p:childTnLst>
+                  <p:par>
+                    <p:cTn id="3" fill="hold">
+                      <p:stCondLst>
+                        <p:cond delay="indefinite"/>
+                        <p:cond evt="onBegin" delay="0">
+                          <p:tn val="2"/>
+                        </p:cond>
+                      </p:stCondLst>
+                      <p:childTnLst>
+                        <p:par>
+                          <p:cTn id="4" fill="hold">
+                            <p:stCondLst>
+                              <p:cond delay="0"/>
+                            </p:stCondLst>
+                            <p:childTnLst>
+                              <p:par>
+                                <p:cTn id="5" presetID="1" presetClass="mediacall" presetSubtype="0" fill="hold" nodeType="afterEffect">
+                                  <p:stCondLst>
+                                    <p:cond delay="0"/>
+                                  </p:stCondLst>
+                                  <p:childTnLst>
+                                    <p:cmd type="call" cmd="playFrom(0.0)">
+                                      <p:cBhvr>
+                                        <p:cTn id="6" dur="1" fill="hold"/>
+                                        <p:tgtEl>
+                                          <p:spTgt spid="6"/>
+                                        </p:tgtEl>
+                                      </p:cBhvr>
+                                    </p:cmd>
+                                  </p:childTnLst>
+                                </p:cTn>
+                              </p:par>
+                            </p:childTnLst>
+                          </p:cTn>
+                        </p:par>
+                      </p:childTnLst>
+                    </p:cTn>
+                  </p:par>
+                </p:childTnLst>
+              </p:cTn>
+              <p:prevCondLst>
+                <p:cond evt="onPrev" delay="0">
+                  <p:tgtEl>
+                    <p:sldTgt/>
+                  </p:tgtEl>
+                </p:cond>
+              </p:prevCondLst>
+              <p:nextCondLst>
+                <p:cond evt="onNext" delay="0">
+                  <p:tgtEl>
+                    <p:sldTgt/>
+                  </p:tgtEl>
+                </p:cond>
+              </p:nextCondLst>
+            </p:seq>
+            <p:audio isNarration="1">
+              <p:cMediaNode vol="80000" showWhenStopped="0">
+                <p:cTn id="7" fill="hold" display="0">
+                  <p:stCondLst>
+                    <p:cond delay="indefinite"/>
+                  </p:stCondLst>
+                  <p:endCondLst>
+                    <p:cond evt="onStopAudio" delay="0">
+                      <p:tgtEl>
+                        <p:sldTgt/>
+                      </p:tgtEl>
+                    </p:cond>
+                  </p:endCondLst>
+                </p:cTn>
+                <p:tgtEl>
+                  <p:spTgt spid="6"/>
+                </p:tgtEl>
+              </p:cMediaNode>
+            </p:audio>
+          </p:childTnLst>
+        </p:cTn>
+      </p:par>
+    </p:tnLst>
+  </p:timing>
 </p:sld>
 </file>
 
